--- a/SW2_Backend_Handson_Practice_v3.pptx
+++ b/SW2_Backend_Handson_Practice_v3.pptx
@@ -9,6 +9,14 @@
     <p:sldId id="256" r:id="rId3"/>
     <p:sldId id="263" r:id="rId4"/>
     <p:sldId id="260" r:id="rId5"/>
+    <p:sldId id="271" r:id="rId6"/>
+    <p:sldId id="264" r:id="rId7"/>
+    <p:sldId id="265" r:id="rId8"/>
+    <p:sldId id="268" r:id="rId9"/>
+    <p:sldId id="266" r:id="rId10"/>
+    <p:sldId id="267" r:id="rId11"/>
+    <p:sldId id="269" r:id="rId12"/>
+    <p:sldId id="270" r:id="rId13"/>
   </p:sldIdLst>
   <p:sldSz cx="12192000" cy="6858000"/>
   <p:notesSz cx="6858000" cy="9144000"/>
@@ -336,7 +344,7 @@
           <a:p>
             <a:fld id="{07279BD6-2912-41A3-8E01-0739AEA3BA34}" type="datetimeFigureOut">
               <a:rPr lang="zh-TW" altLang="en-US" smtClean="0"/>
-              <a:t>2024/3/13</a:t>
+              <a:t>2025/3/20</a:t>
             </a:fld>
             <a:endParaRPr lang="zh-TW" altLang="en-US"/>
           </a:p>
@@ -534,7 +542,7 @@
           <a:p>
             <a:fld id="{07279BD6-2912-41A3-8E01-0739AEA3BA34}" type="datetimeFigureOut">
               <a:rPr lang="zh-TW" altLang="en-US" smtClean="0"/>
-              <a:t>2024/3/13</a:t>
+              <a:t>2025/3/20</a:t>
             </a:fld>
             <a:endParaRPr lang="zh-TW" altLang="en-US"/>
           </a:p>
@@ -742,7 +750,7 @@
           <a:p>
             <a:fld id="{07279BD6-2912-41A3-8E01-0739AEA3BA34}" type="datetimeFigureOut">
               <a:rPr lang="zh-TW" altLang="en-US" smtClean="0"/>
-              <a:t>2024/3/13</a:t>
+              <a:t>2025/3/20</a:t>
             </a:fld>
             <a:endParaRPr lang="zh-TW" altLang="en-US"/>
           </a:p>
@@ -940,7 +948,7 @@
           <a:p>
             <a:fld id="{07279BD6-2912-41A3-8E01-0739AEA3BA34}" type="datetimeFigureOut">
               <a:rPr lang="zh-TW" altLang="en-US" smtClean="0"/>
-              <a:t>2024/3/13</a:t>
+              <a:t>2025/3/20</a:t>
             </a:fld>
             <a:endParaRPr lang="zh-TW" altLang="en-US"/>
           </a:p>
@@ -1215,7 +1223,7 @@
           <a:p>
             <a:fld id="{07279BD6-2912-41A3-8E01-0739AEA3BA34}" type="datetimeFigureOut">
               <a:rPr lang="zh-TW" altLang="en-US" smtClean="0"/>
-              <a:t>2024/3/13</a:t>
+              <a:t>2025/3/20</a:t>
             </a:fld>
             <a:endParaRPr lang="zh-TW" altLang="en-US"/>
           </a:p>
@@ -1480,7 +1488,7 @@
           <a:p>
             <a:fld id="{07279BD6-2912-41A3-8E01-0739AEA3BA34}" type="datetimeFigureOut">
               <a:rPr lang="zh-TW" altLang="en-US" smtClean="0"/>
-              <a:t>2024/3/13</a:t>
+              <a:t>2025/3/20</a:t>
             </a:fld>
             <a:endParaRPr lang="zh-TW" altLang="en-US"/>
           </a:p>
@@ -1892,7 +1900,7 @@
           <a:p>
             <a:fld id="{07279BD6-2912-41A3-8E01-0739AEA3BA34}" type="datetimeFigureOut">
               <a:rPr lang="zh-TW" altLang="en-US" smtClean="0"/>
-              <a:t>2024/3/13</a:t>
+              <a:t>2025/3/20</a:t>
             </a:fld>
             <a:endParaRPr lang="zh-TW" altLang="en-US"/>
           </a:p>
@@ -2033,7 +2041,7 @@
           <a:p>
             <a:fld id="{07279BD6-2912-41A3-8E01-0739AEA3BA34}" type="datetimeFigureOut">
               <a:rPr lang="zh-TW" altLang="en-US" smtClean="0"/>
-              <a:t>2024/3/13</a:t>
+              <a:t>2025/3/20</a:t>
             </a:fld>
             <a:endParaRPr lang="zh-TW" altLang="en-US"/>
           </a:p>
@@ -2146,7 +2154,7 @@
           <a:p>
             <a:fld id="{07279BD6-2912-41A3-8E01-0739AEA3BA34}" type="datetimeFigureOut">
               <a:rPr lang="zh-TW" altLang="en-US" smtClean="0"/>
-              <a:t>2024/3/13</a:t>
+              <a:t>2025/3/20</a:t>
             </a:fld>
             <a:endParaRPr lang="zh-TW" altLang="en-US"/>
           </a:p>
@@ -2457,7 +2465,7 @@
           <a:p>
             <a:fld id="{07279BD6-2912-41A3-8E01-0739AEA3BA34}" type="datetimeFigureOut">
               <a:rPr lang="zh-TW" altLang="en-US" smtClean="0"/>
-              <a:t>2024/3/13</a:t>
+              <a:t>2025/3/20</a:t>
             </a:fld>
             <a:endParaRPr lang="zh-TW" altLang="en-US"/>
           </a:p>
@@ -2745,7 +2753,7 @@
           <a:p>
             <a:fld id="{07279BD6-2912-41A3-8E01-0739AEA3BA34}" type="datetimeFigureOut">
               <a:rPr lang="zh-TW" altLang="en-US" smtClean="0"/>
-              <a:t>2024/3/13</a:t>
+              <a:t>2025/3/20</a:t>
             </a:fld>
             <a:endParaRPr lang="zh-TW" altLang="en-US"/>
           </a:p>
@@ -2986,7 +2994,7 @@
           <a:p>
             <a:fld id="{07279BD6-2912-41A3-8E01-0739AEA3BA34}" type="datetimeFigureOut">
               <a:rPr lang="zh-TW" altLang="en-US" smtClean="0"/>
-              <a:t>2024/3/13</a:t>
+              <a:t>2025/3/20</a:t>
             </a:fld>
             <a:endParaRPr lang="zh-TW" altLang="en-US"/>
           </a:p>
@@ -3962,6 +3970,336 @@
 </p:sld>
 </file>
 
+<file path=ppt/slides/slide10.xml><?xml version="1.0" encoding="utf-8"?>
+<p:sld xmlns:a="http://schemas.openxmlformats.org/drawingml/2006/main" xmlns:r="http://schemas.openxmlformats.org/officeDocument/2006/relationships" xmlns:p="http://schemas.openxmlformats.org/presentationml/2006/main">
+  <p:cSld>
+    <p:spTree>
+      <p:nvGrpSpPr>
+        <p:cNvPr id="1" name=""/>
+        <p:cNvGrpSpPr/>
+        <p:nvPr/>
+      </p:nvGrpSpPr>
+      <p:grpSpPr>
+        <a:xfrm>
+          <a:off x="0" y="0"/>
+          <a:ext cx="0" cy="0"/>
+          <a:chOff x="0" y="0"/>
+          <a:chExt cx="0" cy="0"/>
+        </a:xfrm>
+      </p:grpSpPr>
+      <p:sp>
+        <p:nvSpPr>
+          <p:cNvPr id="2" name="標題 1">
+            <a:extLst>
+              <a:ext uri="{FF2B5EF4-FFF2-40B4-BE49-F238E27FC236}">
+                <a16:creationId xmlns:a16="http://schemas.microsoft.com/office/drawing/2014/main" id="{1ED35935-847C-4C53-9F75-22A728BFD3C1}"/>
+              </a:ext>
+            </a:extLst>
+          </p:cNvPr>
+          <p:cNvSpPr>
+            <a:spLocks noGrp="1"/>
+          </p:cNvSpPr>
+          <p:nvPr>
+            <p:ph type="title"/>
+          </p:nvPr>
+        </p:nvSpPr>
+        <p:spPr/>
+        <p:txBody>
+          <a:bodyPr/>
+          <a:lstStyle/>
+          <a:p>
+            <a:endParaRPr lang="zh-TW" altLang="en-US"/>
+          </a:p>
+        </p:txBody>
+      </p:sp>
+      <p:sp>
+        <p:nvSpPr>
+          <p:cNvPr id="3" name="內容版面配置區 2">
+            <a:extLst>
+              <a:ext uri="{FF2B5EF4-FFF2-40B4-BE49-F238E27FC236}">
+                <a16:creationId xmlns:a16="http://schemas.microsoft.com/office/drawing/2014/main" id="{ED8305D2-9CBE-4C79-B0C2-D8B2972F81A2}"/>
+              </a:ext>
+            </a:extLst>
+          </p:cNvPr>
+          <p:cNvSpPr>
+            <a:spLocks noGrp="1"/>
+          </p:cNvSpPr>
+          <p:nvPr>
+            <p:ph idx="1"/>
+          </p:nvPr>
+        </p:nvSpPr>
+        <p:spPr/>
+        <p:txBody>
+          <a:bodyPr/>
+          <a:lstStyle/>
+          <a:p>
+            <a:endParaRPr lang="zh-TW" altLang="en-US"/>
+          </a:p>
+        </p:txBody>
+      </p:sp>
+      <p:pic>
+        <p:nvPicPr>
+          <p:cNvPr id="5" name="圖片 4">
+            <a:extLst>
+              <a:ext uri="{FF2B5EF4-FFF2-40B4-BE49-F238E27FC236}">
+                <a16:creationId xmlns:a16="http://schemas.microsoft.com/office/drawing/2014/main" id="{0CC8E373-1EA2-4710-B484-6C49411E779B}"/>
+              </a:ext>
+            </a:extLst>
+          </p:cNvPr>
+          <p:cNvPicPr>
+            <a:picLocks noChangeAspect="1"/>
+          </p:cNvPicPr>
+          <p:nvPr/>
+        </p:nvPicPr>
+        <p:blipFill>
+          <a:blip r:embed="rId2"/>
+          <a:stretch>
+            <a:fillRect/>
+          </a:stretch>
+        </p:blipFill>
+        <p:spPr>
+          <a:xfrm>
+            <a:off x="213109" y="0"/>
+            <a:ext cx="11765782" cy="6858000"/>
+          </a:xfrm>
+          <a:prstGeom prst="rect">
+            <a:avLst/>
+          </a:prstGeom>
+        </p:spPr>
+      </p:pic>
+    </p:spTree>
+    <p:extLst>
+      <p:ext uri="{BB962C8B-B14F-4D97-AF65-F5344CB8AC3E}">
+        <p14:creationId xmlns:p14="http://schemas.microsoft.com/office/powerpoint/2010/main" val="3209305400"/>
+      </p:ext>
+    </p:extLst>
+  </p:cSld>
+  <p:clrMapOvr>
+    <a:masterClrMapping/>
+  </p:clrMapOvr>
+</p:sld>
+</file>
+
+<file path=ppt/slides/slide11.xml><?xml version="1.0" encoding="utf-8"?>
+<p:sld xmlns:a="http://schemas.openxmlformats.org/drawingml/2006/main" xmlns:r="http://schemas.openxmlformats.org/officeDocument/2006/relationships" xmlns:p="http://schemas.openxmlformats.org/presentationml/2006/main">
+  <p:cSld>
+    <p:spTree>
+      <p:nvGrpSpPr>
+        <p:cNvPr id="1" name=""/>
+        <p:cNvGrpSpPr/>
+        <p:nvPr/>
+      </p:nvGrpSpPr>
+      <p:grpSpPr>
+        <a:xfrm>
+          <a:off x="0" y="0"/>
+          <a:ext cx="0" cy="0"/>
+          <a:chOff x="0" y="0"/>
+          <a:chExt cx="0" cy="0"/>
+        </a:xfrm>
+      </p:grpSpPr>
+      <p:sp>
+        <p:nvSpPr>
+          <p:cNvPr id="2" name="標題 1">
+            <a:extLst>
+              <a:ext uri="{FF2B5EF4-FFF2-40B4-BE49-F238E27FC236}">
+                <a16:creationId xmlns:a16="http://schemas.microsoft.com/office/drawing/2014/main" id="{8AE526B9-F3D4-47BE-A6F2-B2FAFDE7FC5B}"/>
+              </a:ext>
+            </a:extLst>
+          </p:cNvPr>
+          <p:cNvSpPr>
+            <a:spLocks noGrp="1"/>
+          </p:cNvSpPr>
+          <p:nvPr>
+            <p:ph type="title"/>
+          </p:nvPr>
+        </p:nvSpPr>
+        <p:spPr/>
+        <p:txBody>
+          <a:bodyPr/>
+          <a:lstStyle/>
+          <a:p>
+            <a:endParaRPr lang="zh-TW" altLang="en-US"/>
+          </a:p>
+        </p:txBody>
+      </p:sp>
+      <p:sp>
+        <p:nvSpPr>
+          <p:cNvPr id="3" name="內容版面配置區 2">
+            <a:extLst>
+              <a:ext uri="{FF2B5EF4-FFF2-40B4-BE49-F238E27FC236}">
+                <a16:creationId xmlns:a16="http://schemas.microsoft.com/office/drawing/2014/main" id="{2DA5B455-35B7-4DB4-A0F4-47CA267EF367}"/>
+              </a:ext>
+            </a:extLst>
+          </p:cNvPr>
+          <p:cNvSpPr>
+            <a:spLocks noGrp="1"/>
+          </p:cNvSpPr>
+          <p:nvPr>
+            <p:ph idx="1"/>
+          </p:nvPr>
+        </p:nvSpPr>
+        <p:spPr/>
+        <p:txBody>
+          <a:bodyPr/>
+          <a:lstStyle/>
+          <a:p>
+            <a:endParaRPr lang="zh-TW" altLang="en-US"/>
+          </a:p>
+        </p:txBody>
+      </p:sp>
+      <p:pic>
+        <p:nvPicPr>
+          <p:cNvPr id="5" name="圖片 4">
+            <a:extLst>
+              <a:ext uri="{FF2B5EF4-FFF2-40B4-BE49-F238E27FC236}">
+                <a16:creationId xmlns:a16="http://schemas.microsoft.com/office/drawing/2014/main" id="{EBB91997-4893-4FF8-8A53-C075E27BAE66}"/>
+              </a:ext>
+            </a:extLst>
+          </p:cNvPr>
+          <p:cNvPicPr>
+            <a:picLocks noChangeAspect="1"/>
+          </p:cNvPicPr>
+          <p:nvPr/>
+        </p:nvPicPr>
+        <p:blipFill>
+          <a:blip r:embed="rId2"/>
+          <a:stretch>
+            <a:fillRect/>
+          </a:stretch>
+        </p:blipFill>
+        <p:spPr>
+          <a:xfrm>
+            <a:off x="203290" y="0"/>
+            <a:ext cx="11785420" cy="6858000"/>
+          </a:xfrm>
+          <a:prstGeom prst="rect">
+            <a:avLst/>
+          </a:prstGeom>
+        </p:spPr>
+      </p:pic>
+    </p:spTree>
+    <p:extLst>
+      <p:ext uri="{BB962C8B-B14F-4D97-AF65-F5344CB8AC3E}">
+        <p14:creationId xmlns:p14="http://schemas.microsoft.com/office/powerpoint/2010/main" val="1207829254"/>
+      </p:ext>
+    </p:extLst>
+  </p:cSld>
+  <p:clrMapOvr>
+    <a:masterClrMapping/>
+  </p:clrMapOvr>
+</p:sld>
+</file>
+
+<file path=ppt/slides/slide12.xml><?xml version="1.0" encoding="utf-8"?>
+<p:sld xmlns:a="http://schemas.openxmlformats.org/drawingml/2006/main" xmlns:r="http://schemas.openxmlformats.org/officeDocument/2006/relationships" xmlns:p="http://schemas.openxmlformats.org/presentationml/2006/main">
+  <p:cSld>
+    <p:spTree>
+      <p:nvGrpSpPr>
+        <p:cNvPr id="1" name=""/>
+        <p:cNvGrpSpPr/>
+        <p:nvPr/>
+      </p:nvGrpSpPr>
+      <p:grpSpPr>
+        <a:xfrm>
+          <a:off x="0" y="0"/>
+          <a:ext cx="0" cy="0"/>
+          <a:chOff x="0" y="0"/>
+          <a:chExt cx="0" cy="0"/>
+        </a:xfrm>
+      </p:grpSpPr>
+      <p:sp>
+        <p:nvSpPr>
+          <p:cNvPr id="2" name="標題 1">
+            <a:extLst>
+              <a:ext uri="{FF2B5EF4-FFF2-40B4-BE49-F238E27FC236}">
+                <a16:creationId xmlns:a16="http://schemas.microsoft.com/office/drawing/2014/main" id="{65AB6F02-D50A-4B21-983E-6388DAE64D74}"/>
+              </a:ext>
+            </a:extLst>
+          </p:cNvPr>
+          <p:cNvSpPr>
+            <a:spLocks noGrp="1"/>
+          </p:cNvSpPr>
+          <p:nvPr>
+            <p:ph type="title"/>
+          </p:nvPr>
+        </p:nvSpPr>
+        <p:spPr/>
+        <p:txBody>
+          <a:bodyPr/>
+          <a:lstStyle/>
+          <a:p>
+            <a:endParaRPr lang="zh-TW" altLang="en-US"/>
+          </a:p>
+        </p:txBody>
+      </p:sp>
+      <p:sp>
+        <p:nvSpPr>
+          <p:cNvPr id="3" name="內容版面配置區 2">
+            <a:extLst>
+              <a:ext uri="{FF2B5EF4-FFF2-40B4-BE49-F238E27FC236}">
+                <a16:creationId xmlns:a16="http://schemas.microsoft.com/office/drawing/2014/main" id="{7ADFAE96-5053-44AF-AFA8-4BC0590CB302}"/>
+              </a:ext>
+            </a:extLst>
+          </p:cNvPr>
+          <p:cNvSpPr>
+            <a:spLocks noGrp="1"/>
+          </p:cNvSpPr>
+          <p:nvPr>
+            <p:ph idx="1"/>
+          </p:nvPr>
+        </p:nvSpPr>
+        <p:spPr/>
+        <p:txBody>
+          <a:bodyPr/>
+          <a:lstStyle/>
+          <a:p>
+            <a:endParaRPr lang="zh-TW" altLang="en-US"/>
+          </a:p>
+        </p:txBody>
+      </p:sp>
+      <p:pic>
+        <p:nvPicPr>
+          <p:cNvPr id="5" name="圖片 4">
+            <a:extLst>
+              <a:ext uri="{FF2B5EF4-FFF2-40B4-BE49-F238E27FC236}">
+                <a16:creationId xmlns:a16="http://schemas.microsoft.com/office/drawing/2014/main" id="{869E1BC1-E2A9-4134-AB01-955659F959F3}"/>
+              </a:ext>
+            </a:extLst>
+          </p:cNvPr>
+          <p:cNvPicPr>
+            <a:picLocks noChangeAspect="1"/>
+          </p:cNvPicPr>
+          <p:nvPr/>
+        </p:nvPicPr>
+        <p:blipFill>
+          <a:blip r:embed="rId2"/>
+          <a:stretch>
+            <a:fillRect/>
+          </a:stretch>
+        </p:blipFill>
+        <p:spPr>
+          <a:xfrm>
+            <a:off x="0" y="513245"/>
+            <a:ext cx="12192000" cy="5831510"/>
+          </a:xfrm>
+          <a:prstGeom prst="rect">
+            <a:avLst/>
+          </a:prstGeom>
+        </p:spPr>
+      </p:pic>
+    </p:spTree>
+    <p:extLst>
+      <p:ext uri="{BB962C8B-B14F-4D97-AF65-F5344CB8AC3E}">
+        <p14:creationId xmlns:p14="http://schemas.microsoft.com/office/powerpoint/2010/main" val="3003405644"/>
+      </p:ext>
+    </p:extLst>
+  </p:cSld>
+  <p:clrMapOvr>
+    <a:masterClrMapping/>
+  </p:clrMapOvr>
+</p:sld>
+</file>
+
 <file path=ppt/slides/slide2.xml><?xml version="1.0" encoding="utf-8"?>
 <p:sld xmlns:a="http://schemas.openxmlformats.org/drawingml/2006/main" xmlns:r="http://schemas.openxmlformats.org/officeDocument/2006/relationships" xmlns:p="http://schemas.openxmlformats.org/presentationml/2006/main">
   <p:cSld>
@@ -4312,7 +4650,7 @@
             <p:nvPr/>
           </p:nvPicPr>
           <p:blipFill>
-            <a:blip r:embed="rId2">
+            <a:blip r:embed="rId3">
               <a:extLst>
                 <a:ext uri="{28A0092B-C50C-407E-A947-70E740481C1C}">
                   <a14:useLocalDpi xmlns:a14="http://schemas.microsoft.com/office/drawing/2010/main" val="0"/>
@@ -4409,7 +4747,7 @@
                 <a:solidFill>
                   <a:srgbClr val="00B0F0"/>
                 </a:solidFill>
-                <a:hlinkClick r:id="rId3">
+                <a:hlinkClick r:id="rId4">
                   <a:extLst>
                     <a:ext uri="{A12FA001-AC4F-418D-AE19-62706E023703}">
                       <ahyp:hlinkClr xmlns:ahyp="http://schemas.microsoft.com/office/drawing/2018/hyperlinkcolor" val="tx"/>
@@ -4494,12 +4832,12 @@
           <a:graphicData uri="http://schemas.openxmlformats.org/presentationml/2006/ole">
             <mc:AlternateContent xmlns:mc="http://schemas.openxmlformats.org/markup-compatibility/2006">
               <mc:Choice xmlns:v="urn:schemas-microsoft-com:vml" Requires="v">
-                <p:oleObj name="Macro-Enabled Worksheet" showAsIcon="1" r:id="rId4" imgW="870480" imgH="732960" progId="Excel.SheetMacroEnabled.12">
+                <p:oleObj spid="_x0000_s1035" name="Macro-Enabled Worksheet" showAsIcon="1" r:id="rId5" imgW="870480" imgH="732960" progId="Excel.SheetMacroEnabled.12">
                   <p:embed/>
                 </p:oleObj>
               </mc:Choice>
               <mc:Fallback>
-                <p:oleObj name="Macro-Enabled Worksheet" showAsIcon="1" r:id="rId4" imgW="870480" imgH="732960" progId="Excel.SheetMacroEnabled.12">
+                <p:oleObj name="Macro-Enabled Worksheet" showAsIcon="1" r:id="rId5" imgW="870480" imgH="732960" progId="Excel.SheetMacroEnabled.12">
                   <p:embed/>
                   <p:pic>
                     <p:nvPicPr>
@@ -4514,7 +4852,7 @@
                       <p:nvPr/>
                     </p:nvPicPr>
                     <p:blipFill>
-                      <a:blip r:embed="rId5"/>
+                      <a:blip r:embed="rId6"/>
                       <a:stretch>
                         <a:fillRect/>
                       </a:stretch>
@@ -4833,6 +5171,777 @@
     <p:extLst>
       <p:ext uri="{BB962C8B-B14F-4D97-AF65-F5344CB8AC3E}">
         <p14:creationId xmlns:p14="http://schemas.microsoft.com/office/powerpoint/2010/main" val="3052181150"/>
+      </p:ext>
+    </p:extLst>
+  </p:cSld>
+  <p:clrMapOvr>
+    <a:masterClrMapping/>
+  </p:clrMapOvr>
+</p:sld>
+</file>
+
+<file path=ppt/slides/slide5.xml><?xml version="1.0" encoding="utf-8"?>
+<p:sld xmlns:a="http://schemas.openxmlformats.org/drawingml/2006/main" xmlns:r="http://schemas.openxmlformats.org/officeDocument/2006/relationships" xmlns:p="http://schemas.openxmlformats.org/presentationml/2006/main">
+  <p:cSld>
+    <p:spTree>
+      <p:nvGrpSpPr>
+        <p:cNvPr id="1" name=""/>
+        <p:cNvGrpSpPr/>
+        <p:nvPr/>
+      </p:nvGrpSpPr>
+      <p:grpSpPr>
+        <a:xfrm>
+          <a:off x="0" y="0"/>
+          <a:ext cx="0" cy="0"/>
+          <a:chOff x="0" y="0"/>
+          <a:chExt cx="0" cy="0"/>
+        </a:xfrm>
+      </p:grpSpPr>
+      <p:sp>
+        <p:nvSpPr>
+          <p:cNvPr id="2" name="標題 1">
+            <a:extLst>
+              <a:ext uri="{FF2B5EF4-FFF2-40B4-BE49-F238E27FC236}">
+                <a16:creationId xmlns:a16="http://schemas.microsoft.com/office/drawing/2014/main" id="{A52E0534-7897-44A5-A573-56FDC52CC8F5}"/>
+              </a:ext>
+            </a:extLst>
+          </p:cNvPr>
+          <p:cNvSpPr>
+            <a:spLocks noGrp="1"/>
+          </p:cNvSpPr>
+          <p:nvPr>
+            <p:ph type="title"/>
+          </p:nvPr>
+        </p:nvSpPr>
+        <p:spPr/>
+        <p:txBody>
+          <a:bodyPr/>
+          <a:lstStyle/>
+          <a:p>
+            <a:endParaRPr lang="zh-TW" altLang="en-US" dirty="0"/>
+          </a:p>
+        </p:txBody>
+      </p:sp>
+      <p:sp>
+        <p:nvSpPr>
+          <p:cNvPr id="3" name="內容版面配置區 2">
+            <a:extLst>
+              <a:ext uri="{FF2B5EF4-FFF2-40B4-BE49-F238E27FC236}">
+                <a16:creationId xmlns:a16="http://schemas.microsoft.com/office/drawing/2014/main" id="{39DFB134-D124-431C-8829-EEABDEBC0E07}"/>
+              </a:ext>
+            </a:extLst>
+          </p:cNvPr>
+          <p:cNvSpPr>
+            <a:spLocks noGrp="1"/>
+          </p:cNvSpPr>
+          <p:nvPr>
+            <p:ph idx="1"/>
+          </p:nvPr>
+        </p:nvSpPr>
+        <p:spPr/>
+        <p:txBody>
+          <a:bodyPr/>
+          <a:lstStyle/>
+          <a:p>
+            <a:r>
+              <a:rPr lang="zh-TW" altLang="en-US" dirty="0"/>
+              <a:t>把簡報題目丟給</a:t>
+            </a:r>
+            <a:r>
+              <a:rPr lang="en-US" altLang="zh-TW" dirty="0"/>
+              <a:t>GPT</a:t>
+            </a:r>
+            <a:r>
+              <a:rPr lang="zh-TW" altLang="en-US" dirty="0"/>
+              <a:t>，修改為適合問</a:t>
+            </a:r>
+            <a:r>
+              <a:rPr lang="en-US" altLang="zh-TW" dirty="0"/>
+              <a:t>Copilot</a:t>
+            </a:r>
+            <a:r>
+              <a:rPr lang="zh-TW" altLang="en-US" dirty="0"/>
+              <a:t>的格式</a:t>
+            </a:r>
+            <a:r>
+              <a:rPr lang="en-US" altLang="zh-TW" dirty="0"/>
+              <a:t>(</a:t>
+            </a:r>
+            <a:r>
+              <a:rPr lang="zh-TW" altLang="en-US" dirty="0"/>
+              <a:t>條列</a:t>
+            </a:r>
+            <a:r>
+              <a:rPr lang="en-US" altLang="zh-TW" dirty="0"/>
+              <a:t>)</a:t>
+            </a:r>
+          </a:p>
+          <a:p>
+            <a:r>
+              <a:rPr lang="en-US" altLang="zh-TW" dirty="0"/>
+              <a:t>Copilot</a:t>
+            </a:r>
+            <a:r>
+              <a:rPr lang="zh-TW" altLang="en-US" dirty="0"/>
+              <a:t>生成程式碼，根據</a:t>
+            </a:r>
+            <a:r>
+              <a:rPr lang="en-US" altLang="zh-TW" dirty="0"/>
+              <a:t>CSV</a:t>
+            </a:r>
+            <a:r>
+              <a:rPr lang="zh-TW" altLang="en-US" dirty="0"/>
+              <a:t>格式和題目需求進行程式碼修改</a:t>
+            </a:r>
+            <a:endParaRPr lang="en-US" altLang="zh-TW" dirty="0"/>
+          </a:p>
+          <a:p>
+            <a:r>
+              <a:rPr lang="zh-TW" altLang="en-US" dirty="0"/>
+              <a:t>測試功能、撰寫單元測試</a:t>
+            </a:r>
+            <a:r>
+              <a:rPr lang="en-US" altLang="zh-TW" dirty="0"/>
+              <a:t>(</a:t>
+            </a:r>
+            <a:r>
+              <a:rPr lang="zh-TW" altLang="en-US" dirty="0"/>
+              <a:t>名稱為空、年齡不合理</a:t>
+            </a:r>
+            <a:r>
+              <a:rPr lang="en-US" altLang="zh-TW" dirty="0"/>
+              <a:t>)</a:t>
+            </a:r>
+          </a:p>
+          <a:p>
+            <a:r>
+              <a:rPr lang="zh-TW" altLang="en-US" dirty="0"/>
+              <a:t>修改名稱為選填，但如果留空會跳出提示，不會進到</a:t>
+            </a:r>
+            <a:r>
+              <a:rPr lang="en-US" altLang="zh-TW" dirty="0"/>
+              <a:t>user</a:t>
+            </a:r>
+            <a:r>
+              <a:rPr lang="zh-TW" altLang="en-US" dirty="0"/>
+              <a:t>列表</a:t>
+            </a:r>
+            <a:endParaRPr lang="en-US" altLang="zh-TW" dirty="0"/>
+          </a:p>
+          <a:p>
+            <a:r>
+              <a:rPr lang="zh-TW" altLang="en-US" dirty="0"/>
+              <a:t>年齡不合理直接報錯</a:t>
+            </a:r>
+            <a:r>
+              <a:rPr lang="en-US" altLang="zh-TW" dirty="0"/>
+              <a:t>(Age out of range)</a:t>
+            </a:r>
+            <a:r>
+              <a:rPr lang="zh-TW" altLang="en-US" dirty="0"/>
+              <a:t> 合理範圍為</a:t>
+            </a:r>
+            <a:r>
+              <a:rPr lang="en-US" altLang="zh-TW" dirty="0"/>
+              <a:t>0</a:t>
+            </a:r>
+            <a:r>
+              <a:rPr lang="zh-TW" altLang="en-US" dirty="0"/>
+              <a:t>至</a:t>
+            </a:r>
+            <a:r>
+              <a:rPr lang="en-US" altLang="zh-TW" dirty="0"/>
+              <a:t>125</a:t>
+            </a:r>
+            <a:r>
+              <a:rPr lang="zh-TW" altLang="en-US" dirty="0"/>
+              <a:t>的整數</a:t>
+            </a:r>
+            <a:endParaRPr lang="en-US" altLang="zh-TW" dirty="0"/>
+          </a:p>
+          <a:p>
+            <a:r>
+              <a:rPr lang="zh-TW" altLang="en-US" dirty="0"/>
+              <a:t>將整個流程寫入</a:t>
+            </a:r>
+            <a:r>
+              <a:rPr lang="en-US" altLang="zh-TW" dirty="0"/>
+              <a:t>docker(</a:t>
+            </a:r>
+            <a:r>
+              <a:rPr lang="zh-TW" altLang="en-US" dirty="0"/>
+              <a:t>安裝</a:t>
+            </a:r>
+            <a:r>
+              <a:rPr lang="en-US" altLang="zh-TW" dirty="0"/>
+              <a:t>docker desktop</a:t>
+            </a:r>
+            <a:r>
+              <a:rPr lang="zh-TW" altLang="en-US" dirty="0"/>
+              <a:t>到本機</a:t>
+            </a:r>
+            <a:r>
+              <a:rPr lang="en-US" altLang="zh-TW" dirty="0"/>
+              <a:t>)</a:t>
+            </a:r>
+          </a:p>
+          <a:p>
+            <a:r>
+              <a:rPr lang="zh-TW" altLang="en-US" dirty="0"/>
+              <a:t>安裝</a:t>
+            </a:r>
+            <a:r>
+              <a:rPr lang="en-US" altLang="zh-TW" dirty="0" err="1"/>
+              <a:t>roo</a:t>
+            </a:r>
+            <a:r>
+              <a:rPr lang="en-US" altLang="zh-TW" dirty="0"/>
+              <a:t> code</a:t>
+            </a:r>
+            <a:r>
+              <a:rPr lang="zh-TW" altLang="en-US" dirty="0"/>
+              <a:t>套件，模型選擇</a:t>
+            </a:r>
+            <a:r>
+              <a:rPr lang="en-US" altLang="zh-TW" dirty="0"/>
+              <a:t>Google Gemini</a:t>
+            </a:r>
+          </a:p>
+        </p:txBody>
+      </p:sp>
+    </p:spTree>
+    <p:extLst>
+      <p:ext uri="{BB962C8B-B14F-4D97-AF65-F5344CB8AC3E}">
+        <p14:creationId xmlns:p14="http://schemas.microsoft.com/office/powerpoint/2010/main" val="1279081891"/>
+      </p:ext>
+    </p:extLst>
+  </p:cSld>
+  <p:clrMapOvr>
+    <a:masterClrMapping/>
+  </p:clrMapOvr>
+</p:sld>
+</file>
+
+<file path=ppt/slides/slide6.xml><?xml version="1.0" encoding="utf-8"?>
+<p:sld xmlns:a="http://schemas.openxmlformats.org/drawingml/2006/main" xmlns:r="http://schemas.openxmlformats.org/officeDocument/2006/relationships" xmlns:p="http://schemas.openxmlformats.org/presentationml/2006/main">
+  <p:cSld>
+    <p:spTree>
+      <p:nvGrpSpPr>
+        <p:cNvPr id="1" name=""/>
+        <p:cNvGrpSpPr/>
+        <p:nvPr/>
+      </p:nvGrpSpPr>
+      <p:grpSpPr>
+        <a:xfrm>
+          <a:off x="0" y="0"/>
+          <a:ext cx="0" cy="0"/>
+          <a:chOff x="0" y="0"/>
+          <a:chExt cx="0" cy="0"/>
+        </a:xfrm>
+      </p:grpSpPr>
+      <p:sp>
+        <p:nvSpPr>
+          <p:cNvPr id="2" name="標題 1">
+            <a:extLst>
+              <a:ext uri="{FF2B5EF4-FFF2-40B4-BE49-F238E27FC236}">
+                <a16:creationId xmlns:a16="http://schemas.microsoft.com/office/drawing/2014/main" id="{A52E0534-7897-44A5-A573-56FDC52CC8F5}"/>
+              </a:ext>
+            </a:extLst>
+          </p:cNvPr>
+          <p:cNvSpPr>
+            <a:spLocks noGrp="1"/>
+          </p:cNvSpPr>
+          <p:nvPr>
+            <p:ph type="title"/>
+          </p:nvPr>
+        </p:nvSpPr>
+        <p:spPr/>
+        <p:txBody>
+          <a:bodyPr/>
+          <a:lstStyle/>
+          <a:p>
+            <a:endParaRPr lang="zh-TW" altLang="en-US"/>
+          </a:p>
+        </p:txBody>
+      </p:sp>
+      <p:sp>
+        <p:nvSpPr>
+          <p:cNvPr id="3" name="內容版面配置區 2">
+            <a:extLst>
+              <a:ext uri="{FF2B5EF4-FFF2-40B4-BE49-F238E27FC236}">
+                <a16:creationId xmlns:a16="http://schemas.microsoft.com/office/drawing/2014/main" id="{39DFB134-D124-431C-8829-EEABDEBC0E07}"/>
+              </a:ext>
+            </a:extLst>
+          </p:cNvPr>
+          <p:cNvSpPr>
+            <a:spLocks noGrp="1"/>
+          </p:cNvSpPr>
+          <p:nvPr>
+            <p:ph idx="1"/>
+          </p:nvPr>
+        </p:nvSpPr>
+        <p:spPr/>
+        <p:txBody>
+          <a:bodyPr/>
+          <a:lstStyle/>
+          <a:p>
+            <a:endParaRPr lang="zh-TW" altLang="en-US"/>
+          </a:p>
+        </p:txBody>
+      </p:sp>
+      <p:pic>
+        <p:nvPicPr>
+          <p:cNvPr id="4" name="內容版面配置區 6">
+            <a:extLst>
+              <a:ext uri="{FF2B5EF4-FFF2-40B4-BE49-F238E27FC236}">
+                <a16:creationId xmlns:a16="http://schemas.microsoft.com/office/drawing/2014/main" id="{664BB96F-A986-447F-9602-2CA36DD86B7B}"/>
+              </a:ext>
+            </a:extLst>
+          </p:cNvPr>
+          <p:cNvPicPr>
+            <a:picLocks noChangeAspect="1"/>
+          </p:cNvPicPr>
+          <p:nvPr/>
+        </p:nvPicPr>
+        <p:blipFill>
+          <a:blip r:embed="rId2"/>
+          <a:stretch>
+            <a:fillRect/>
+          </a:stretch>
+        </p:blipFill>
+        <p:spPr>
+          <a:xfrm>
+            <a:off x="5794393" y="5376565"/>
+            <a:ext cx="6397607" cy="1447879"/>
+          </a:xfrm>
+          <a:prstGeom prst="rect">
+            <a:avLst/>
+          </a:prstGeom>
+        </p:spPr>
+      </p:pic>
+      <p:pic>
+        <p:nvPicPr>
+          <p:cNvPr id="5" name="圖片 4">
+            <a:extLst>
+              <a:ext uri="{FF2B5EF4-FFF2-40B4-BE49-F238E27FC236}">
+                <a16:creationId xmlns:a16="http://schemas.microsoft.com/office/drawing/2014/main" id="{DC0C9BB0-279F-4D2D-8BA9-5DB94A407B69}"/>
+              </a:ext>
+            </a:extLst>
+          </p:cNvPr>
+          <p:cNvPicPr>
+            <a:picLocks noChangeAspect="1"/>
+          </p:cNvPicPr>
+          <p:nvPr/>
+        </p:nvPicPr>
+        <p:blipFill>
+          <a:blip r:embed="rId3"/>
+          <a:stretch>
+            <a:fillRect/>
+          </a:stretch>
+        </p:blipFill>
+        <p:spPr>
+          <a:xfrm>
+            <a:off x="5794393" y="67673"/>
+            <a:ext cx="6397607" cy="5308892"/>
+          </a:xfrm>
+          <a:prstGeom prst="rect">
+            <a:avLst/>
+          </a:prstGeom>
+        </p:spPr>
+      </p:pic>
+    </p:spTree>
+    <p:extLst>
+      <p:ext uri="{BB962C8B-B14F-4D97-AF65-F5344CB8AC3E}">
+        <p14:creationId xmlns:p14="http://schemas.microsoft.com/office/powerpoint/2010/main" val="1080500142"/>
+      </p:ext>
+    </p:extLst>
+  </p:cSld>
+  <p:clrMapOvr>
+    <a:masterClrMapping/>
+  </p:clrMapOvr>
+</p:sld>
+</file>
+
+<file path=ppt/slides/slide7.xml><?xml version="1.0" encoding="utf-8"?>
+<p:sld xmlns:a="http://schemas.openxmlformats.org/drawingml/2006/main" xmlns:r="http://schemas.openxmlformats.org/officeDocument/2006/relationships" xmlns:p="http://schemas.openxmlformats.org/presentationml/2006/main">
+  <p:cSld>
+    <p:spTree>
+      <p:nvGrpSpPr>
+        <p:cNvPr id="1" name=""/>
+        <p:cNvGrpSpPr/>
+        <p:nvPr/>
+      </p:nvGrpSpPr>
+      <p:grpSpPr>
+        <a:xfrm>
+          <a:off x="0" y="0"/>
+          <a:ext cx="0" cy="0"/>
+          <a:chOff x="0" y="0"/>
+          <a:chExt cx="0" cy="0"/>
+        </a:xfrm>
+      </p:grpSpPr>
+      <p:sp>
+        <p:nvSpPr>
+          <p:cNvPr id="2" name="標題 1">
+            <a:extLst>
+              <a:ext uri="{FF2B5EF4-FFF2-40B4-BE49-F238E27FC236}">
+                <a16:creationId xmlns:a16="http://schemas.microsoft.com/office/drawing/2014/main" id="{55C61A07-21F8-459D-917F-7A7AB094CA94}"/>
+              </a:ext>
+            </a:extLst>
+          </p:cNvPr>
+          <p:cNvSpPr>
+            <a:spLocks noGrp="1"/>
+          </p:cNvSpPr>
+          <p:nvPr>
+            <p:ph type="title"/>
+          </p:nvPr>
+        </p:nvSpPr>
+        <p:spPr/>
+        <p:txBody>
+          <a:bodyPr/>
+          <a:lstStyle/>
+          <a:p>
+            <a:endParaRPr lang="zh-TW" altLang="en-US"/>
+          </a:p>
+        </p:txBody>
+      </p:sp>
+      <p:sp>
+        <p:nvSpPr>
+          <p:cNvPr id="3" name="內容版面配置區 2">
+            <a:extLst>
+              <a:ext uri="{FF2B5EF4-FFF2-40B4-BE49-F238E27FC236}">
+                <a16:creationId xmlns:a16="http://schemas.microsoft.com/office/drawing/2014/main" id="{DF3720F1-EFFF-498C-927B-838E81B3E8B1}"/>
+              </a:ext>
+            </a:extLst>
+          </p:cNvPr>
+          <p:cNvSpPr>
+            <a:spLocks noGrp="1"/>
+          </p:cNvSpPr>
+          <p:nvPr>
+            <p:ph idx="1"/>
+          </p:nvPr>
+        </p:nvSpPr>
+        <p:spPr/>
+        <p:txBody>
+          <a:bodyPr/>
+          <a:lstStyle/>
+          <a:p>
+            <a:endParaRPr lang="zh-TW" altLang="en-US"/>
+          </a:p>
+        </p:txBody>
+      </p:sp>
+      <p:pic>
+        <p:nvPicPr>
+          <p:cNvPr id="4" name="圖片 3">
+            <a:extLst>
+              <a:ext uri="{FF2B5EF4-FFF2-40B4-BE49-F238E27FC236}">
+                <a16:creationId xmlns:a16="http://schemas.microsoft.com/office/drawing/2014/main" id="{613141DB-6AC5-45C7-8BE3-DA48CE6728F9}"/>
+              </a:ext>
+            </a:extLst>
+          </p:cNvPr>
+          <p:cNvPicPr>
+            <a:picLocks noChangeAspect="1"/>
+          </p:cNvPicPr>
+          <p:nvPr/>
+        </p:nvPicPr>
+        <p:blipFill>
+          <a:blip r:embed="rId2"/>
+          <a:stretch>
+            <a:fillRect/>
+          </a:stretch>
+        </p:blipFill>
+        <p:spPr>
+          <a:xfrm>
+            <a:off x="0" y="1690688"/>
+            <a:ext cx="12192000" cy="5484725"/>
+          </a:xfrm>
+          <a:prstGeom prst="rect">
+            <a:avLst/>
+          </a:prstGeom>
+        </p:spPr>
+      </p:pic>
+      <p:pic>
+        <p:nvPicPr>
+          <p:cNvPr id="5" name="圖片 4">
+            <a:extLst>
+              <a:ext uri="{FF2B5EF4-FFF2-40B4-BE49-F238E27FC236}">
+                <a16:creationId xmlns:a16="http://schemas.microsoft.com/office/drawing/2014/main" id="{4E56974C-E3E6-4828-885F-14DC77696B30}"/>
+              </a:ext>
+            </a:extLst>
+          </p:cNvPr>
+          <p:cNvPicPr>
+            <a:picLocks noChangeAspect="1"/>
+          </p:cNvPicPr>
+          <p:nvPr/>
+        </p:nvPicPr>
+        <p:blipFill>
+          <a:blip r:embed="rId3"/>
+          <a:stretch>
+            <a:fillRect/>
+          </a:stretch>
+        </p:blipFill>
+        <p:spPr>
+          <a:xfrm>
+            <a:off x="0" y="0"/>
+            <a:ext cx="12192000" cy="2616820"/>
+          </a:xfrm>
+          <a:prstGeom prst="rect">
+            <a:avLst/>
+          </a:prstGeom>
+        </p:spPr>
+      </p:pic>
+    </p:spTree>
+    <p:extLst>
+      <p:ext uri="{BB962C8B-B14F-4D97-AF65-F5344CB8AC3E}">
+        <p14:creationId xmlns:p14="http://schemas.microsoft.com/office/powerpoint/2010/main" val="3297485642"/>
+      </p:ext>
+    </p:extLst>
+  </p:cSld>
+  <p:clrMapOvr>
+    <a:masterClrMapping/>
+  </p:clrMapOvr>
+</p:sld>
+</file>
+
+<file path=ppt/slides/slide8.xml><?xml version="1.0" encoding="utf-8"?>
+<p:sld xmlns:a="http://schemas.openxmlformats.org/drawingml/2006/main" xmlns:r="http://schemas.openxmlformats.org/officeDocument/2006/relationships" xmlns:p="http://schemas.openxmlformats.org/presentationml/2006/main">
+  <p:cSld>
+    <p:spTree>
+      <p:nvGrpSpPr>
+        <p:cNvPr id="1" name=""/>
+        <p:cNvGrpSpPr/>
+        <p:nvPr/>
+      </p:nvGrpSpPr>
+      <p:grpSpPr>
+        <a:xfrm>
+          <a:off x="0" y="0"/>
+          <a:ext cx="0" cy="0"/>
+          <a:chOff x="0" y="0"/>
+          <a:chExt cx="0" cy="0"/>
+        </a:xfrm>
+      </p:grpSpPr>
+      <p:sp>
+        <p:nvSpPr>
+          <p:cNvPr id="2" name="標題 1">
+            <a:extLst>
+              <a:ext uri="{FF2B5EF4-FFF2-40B4-BE49-F238E27FC236}">
+                <a16:creationId xmlns:a16="http://schemas.microsoft.com/office/drawing/2014/main" id="{A5C642C5-FAD1-4ECF-B5EE-FBD5CC07D320}"/>
+              </a:ext>
+            </a:extLst>
+          </p:cNvPr>
+          <p:cNvSpPr>
+            <a:spLocks noGrp="1"/>
+          </p:cNvSpPr>
+          <p:nvPr>
+            <p:ph type="title"/>
+          </p:nvPr>
+        </p:nvSpPr>
+        <p:spPr/>
+        <p:txBody>
+          <a:bodyPr/>
+          <a:lstStyle/>
+          <a:p>
+            <a:endParaRPr lang="zh-TW" altLang="en-US"/>
+          </a:p>
+        </p:txBody>
+      </p:sp>
+      <p:sp>
+        <p:nvSpPr>
+          <p:cNvPr id="3" name="內容版面配置區 2">
+            <a:extLst>
+              <a:ext uri="{FF2B5EF4-FFF2-40B4-BE49-F238E27FC236}">
+                <a16:creationId xmlns:a16="http://schemas.microsoft.com/office/drawing/2014/main" id="{954DDD3D-676A-4DBC-B618-1474DC50F96B}"/>
+              </a:ext>
+            </a:extLst>
+          </p:cNvPr>
+          <p:cNvSpPr>
+            <a:spLocks noGrp="1"/>
+          </p:cNvSpPr>
+          <p:nvPr>
+            <p:ph idx="1"/>
+          </p:nvPr>
+        </p:nvSpPr>
+        <p:spPr/>
+        <p:txBody>
+          <a:bodyPr/>
+          <a:lstStyle/>
+          <a:p>
+            <a:r>
+              <a:rPr lang="zh-TW" altLang="en-US" dirty="0"/>
+              <a:t>新增錯誤處理</a:t>
+            </a:r>
+            <a:r>
+              <a:rPr lang="en-US" altLang="zh-TW" dirty="0"/>
+              <a:t>(try/except)</a:t>
+            </a:r>
+          </a:p>
+          <a:p>
+            <a:r>
+              <a:rPr lang="zh-TW" altLang="en-US" dirty="0"/>
+              <a:t>逐步分段查看</a:t>
+            </a:r>
+            <a:endParaRPr lang="en-US" altLang="zh-TW" dirty="0"/>
+          </a:p>
+          <a:p>
+            <a:r>
+              <a:rPr lang="zh-TW" altLang="en-US" dirty="0"/>
+              <a:t>註解詳細</a:t>
+            </a:r>
+            <a:endParaRPr lang="en-US" altLang="zh-TW" dirty="0"/>
+          </a:p>
+          <a:p>
+            <a:r>
+              <a:rPr lang="zh-TW" altLang="en-US" dirty="0"/>
+              <a:t>互動性強，可以清楚看到修改了哪邊</a:t>
+            </a:r>
+            <a:endParaRPr lang="en-US" altLang="zh-TW" dirty="0"/>
+          </a:p>
+          <a:p>
+            <a:endParaRPr lang="en-US" altLang="zh-TW" dirty="0"/>
+          </a:p>
+          <a:p>
+            <a:r>
+              <a:rPr lang="zh-TW" altLang="en-US" dirty="0"/>
+              <a:t>每次詢問的結果差異蠻大的</a:t>
+            </a:r>
+            <a:r>
+              <a:rPr lang="en-US" altLang="zh-TW" dirty="0"/>
+              <a:t>(</a:t>
+            </a:r>
+            <a:r>
+              <a:rPr lang="zh-TW" altLang="en-US" dirty="0"/>
+              <a:t>第一次直接修改整份程式碼，第二次又把他拆解</a:t>
+            </a:r>
+            <a:r>
+              <a:rPr lang="en-US" altLang="zh-TW" dirty="0"/>
+              <a:t>)</a:t>
+            </a:r>
+          </a:p>
+          <a:p>
+            <a:r>
+              <a:rPr lang="zh-TW" altLang="en-US" dirty="0"/>
+              <a:t>註解詳細、適合初學者、教育性質高</a:t>
+            </a:r>
+            <a:endParaRPr lang="en-US" altLang="zh-TW" dirty="0"/>
+          </a:p>
+          <a:p>
+            <a:endParaRPr lang="zh-TW" altLang="en-US" dirty="0"/>
+          </a:p>
+        </p:txBody>
+      </p:sp>
+    </p:spTree>
+    <p:extLst>
+      <p:ext uri="{BB962C8B-B14F-4D97-AF65-F5344CB8AC3E}">
+        <p14:creationId xmlns:p14="http://schemas.microsoft.com/office/powerpoint/2010/main" val="3391465237"/>
+      </p:ext>
+    </p:extLst>
+  </p:cSld>
+  <p:clrMapOvr>
+    <a:masterClrMapping/>
+  </p:clrMapOvr>
+</p:sld>
+</file>
+
+<file path=ppt/slides/slide9.xml><?xml version="1.0" encoding="utf-8"?>
+<p:sld xmlns:a="http://schemas.openxmlformats.org/drawingml/2006/main" xmlns:r="http://schemas.openxmlformats.org/officeDocument/2006/relationships" xmlns:p="http://schemas.openxmlformats.org/presentationml/2006/main">
+  <p:cSld>
+    <p:spTree>
+      <p:nvGrpSpPr>
+        <p:cNvPr id="1" name=""/>
+        <p:cNvGrpSpPr/>
+        <p:nvPr/>
+      </p:nvGrpSpPr>
+      <p:grpSpPr>
+        <a:xfrm>
+          <a:off x="0" y="0"/>
+          <a:ext cx="0" cy="0"/>
+          <a:chOff x="0" y="0"/>
+          <a:chExt cx="0" cy="0"/>
+        </a:xfrm>
+      </p:grpSpPr>
+      <p:sp>
+        <p:nvSpPr>
+          <p:cNvPr id="2" name="標題 1">
+            <a:extLst>
+              <a:ext uri="{FF2B5EF4-FFF2-40B4-BE49-F238E27FC236}">
+                <a16:creationId xmlns:a16="http://schemas.microsoft.com/office/drawing/2014/main" id="{AB106574-AD79-4F4C-9857-A0C6C4696CA3}"/>
+              </a:ext>
+            </a:extLst>
+          </p:cNvPr>
+          <p:cNvSpPr>
+            <a:spLocks noGrp="1"/>
+          </p:cNvSpPr>
+          <p:nvPr>
+            <p:ph type="title"/>
+          </p:nvPr>
+        </p:nvSpPr>
+        <p:spPr/>
+        <p:txBody>
+          <a:bodyPr/>
+          <a:lstStyle/>
+          <a:p>
+            <a:endParaRPr lang="zh-TW" altLang="en-US"/>
+          </a:p>
+        </p:txBody>
+      </p:sp>
+      <p:sp>
+        <p:nvSpPr>
+          <p:cNvPr id="3" name="內容版面配置區 2">
+            <a:extLst>
+              <a:ext uri="{FF2B5EF4-FFF2-40B4-BE49-F238E27FC236}">
+                <a16:creationId xmlns:a16="http://schemas.microsoft.com/office/drawing/2014/main" id="{224AE70F-8E0A-4FF0-B5EB-2066CD3E28A9}"/>
+              </a:ext>
+            </a:extLst>
+          </p:cNvPr>
+          <p:cNvSpPr>
+            <a:spLocks noGrp="1"/>
+          </p:cNvSpPr>
+          <p:nvPr>
+            <p:ph idx="1"/>
+          </p:nvPr>
+        </p:nvSpPr>
+        <p:spPr/>
+        <p:txBody>
+          <a:bodyPr/>
+          <a:lstStyle/>
+          <a:p>
+            <a:endParaRPr lang="zh-TW" altLang="en-US"/>
+          </a:p>
+        </p:txBody>
+      </p:sp>
+      <p:pic>
+        <p:nvPicPr>
+          <p:cNvPr id="5" name="圖片 4">
+            <a:extLst>
+              <a:ext uri="{FF2B5EF4-FFF2-40B4-BE49-F238E27FC236}">
+                <a16:creationId xmlns:a16="http://schemas.microsoft.com/office/drawing/2014/main" id="{177977DA-9979-4693-BDBD-728891D78BB6}"/>
+              </a:ext>
+            </a:extLst>
+          </p:cNvPr>
+          <p:cNvPicPr>
+            <a:picLocks noChangeAspect="1"/>
+          </p:cNvPicPr>
+          <p:nvPr/>
+        </p:nvPicPr>
+        <p:blipFill>
+          <a:blip r:embed="rId2"/>
+          <a:stretch>
+            <a:fillRect/>
+          </a:stretch>
+        </p:blipFill>
+        <p:spPr>
+          <a:xfrm>
+            <a:off x="1584370" y="0"/>
+            <a:ext cx="10315164" cy="6858000"/>
+          </a:xfrm>
+          <a:prstGeom prst="rect">
+            <a:avLst/>
+          </a:prstGeom>
+        </p:spPr>
+      </p:pic>
+    </p:spTree>
+    <p:extLst>
+      <p:ext uri="{BB962C8B-B14F-4D97-AF65-F5344CB8AC3E}">
+        <p14:creationId xmlns:p14="http://schemas.microsoft.com/office/powerpoint/2010/main" val="1864917640"/>
       </p:ext>
     </p:extLst>
   </p:cSld>

--- a/SW2_Backend_Handson_Practice_v3.pptx
+++ b/SW2_Backend_Handson_Practice_v3.pptx
@@ -10,13 +10,18 @@
     <p:sldId id="263" r:id="rId4"/>
     <p:sldId id="260" r:id="rId5"/>
     <p:sldId id="271" r:id="rId6"/>
-    <p:sldId id="264" r:id="rId7"/>
-    <p:sldId id="265" r:id="rId8"/>
-    <p:sldId id="268" r:id="rId9"/>
-    <p:sldId id="266" r:id="rId10"/>
-    <p:sldId id="267" r:id="rId11"/>
-    <p:sldId id="269" r:id="rId12"/>
-    <p:sldId id="270" r:id="rId13"/>
+    <p:sldId id="272" r:id="rId7"/>
+    <p:sldId id="273" r:id="rId8"/>
+    <p:sldId id="274" r:id="rId9"/>
+    <p:sldId id="280" r:id="rId10"/>
+    <p:sldId id="281" r:id="rId11"/>
+    <p:sldId id="282" r:id="rId12"/>
+    <p:sldId id="279" r:id="rId13"/>
+    <p:sldId id="283" r:id="rId14"/>
+    <p:sldId id="284" r:id="rId15"/>
+    <p:sldId id="278" r:id="rId16"/>
+    <p:sldId id="268" r:id="rId17"/>
+    <p:sldId id="267" r:id="rId18"/>
   </p:sldIdLst>
   <p:sldSz cx="12192000" cy="6858000"/>
   <p:notesSz cx="6858000" cy="9144000"/>
@@ -117,7 +122,7 @@
   </p:defaultTextStyle>
   <p:extLst>
     <p:ext uri="{EFAFB233-063F-42B5-8137-9DF3F51BA10A}">
-      <p15:sldGuideLst xmlns:p15="http://schemas.microsoft.com/office/powerpoint/2012/main"/>
+      <p15:sldGuideLst xmlns:p15="http://schemas.microsoft.com/office/powerpoint/2012/main" xmlns=""/>
     </p:ext>
   </p:extLst>
 </p:presentation>
@@ -219,7 +224,7 @@
           <p:cNvPr id="2" name="標題 1">
             <a:extLst>
               <a:ext uri="{FF2B5EF4-FFF2-40B4-BE49-F238E27FC236}">
-                <a16:creationId xmlns:a16="http://schemas.microsoft.com/office/drawing/2014/main" id="{196FBA2D-839C-4682-9EFB-8A109AB8E62A}"/>
+                <a16:creationId xmlns:a16="http://schemas.microsoft.com/office/drawing/2014/main" xmlns="" id="{196FBA2D-839C-4682-9EFB-8A109AB8E62A}"/>
               </a:ext>
             </a:extLst>
           </p:cNvPr>
@@ -256,7 +261,7 @@
           <p:cNvPr id="3" name="副標題 2">
             <a:extLst>
               <a:ext uri="{FF2B5EF4-FFF2-40B4-BE49-F238E27FC236}">
-                <a16:creationId xmlns:a16="http://schemas.microsoft.com/office/drawing/2014/main" id="{4129F48E-E877-49AD-94C5-12D20DFC7BB0}"/>
+                <a16:creationId xmlns:a16="http://schemas.microsoft.com/office/drawing/2014/main" xmlns="" id="{4129F48E-E877-49AD-94C5-12D20DFC7BB0}"/>
               </a:ext>
             </a:extLst>
           </p:cNvPr>
@@ -326,7 +331,7 @@
           <p:cNvPr id="4" name="日期版面配置區 3">
             <a:extLst>
               <a:ext uri="{FF2B5EF4-FFF2-40B4-BE49-F238E27FC236}">
-                <a16:creationId xmlns:a16="http://schemas.microsoft.com/office/drawing/2014/main" id="{D53308B0-C92A-4E9F-89BE-7A58CCA6BAA6}"/>
+                <a16:creationId xmlns:a16="http://schemas.microsoft.com/office/drawing/2014/main" xmlns="" id="{D53308B0-C92A-4E9F-89BE-7A58CCA6BAA6}"/>
               </a:ext>
             </a:extLst>
           </p:cNvPr>
@@ -344,7 +349,7 @@
           <a:p>
             <a:fld id="{07279BD6-2912-41A3-8E01-0739AEA3BA34}" type="datetimeFigureOut">
               <a:rPr lang="zh-TW" altLang="en-US" smtClean="0"/>
-              <a:t>2025/3/20</a:t>
+              <a:t>2025/3/21</a:t>
             </a:fld>
             <a:endParaRPr lang="zh-TW" altLang="en-US"/>
           </a:p>
@@ -355,7 +360,7 @@
           <p:cNvPr id="5" name="頁尾版面配置區 4">
             <a:extLst>
               <a:ext uri="{FF2B5EF4-FFF2-40B4-BE49-F238E27FC236}">
-                <a16:creationId xmlns:a16="http://schemas.microsoft.com/office/drawing/2014/main" id="{C8495AB9-5EBF-41E6-92DA-8CBE29DC3F64}"/>
+                <a16:creationId xmlns:a16="http://schemas.microsoft.com/office/drawing/2014/main" xmlns="" id="{C8495AB9-5EBF-41E6-92DA-8CBE29DC3F64}"/>
               </a:ext>
             </a:extLst>
           </p:cNvPr>
@@ -380,7 +385,7 @@
           <p:cNvPr id="6" name="投影片編號版面配置區 5">
             <a:extLst>
               <a:ext uri="{FF2B5EF4-FFF2-40B4-BE49-F238E27FC236}">
-                <a16:creationId xmlns:a16="http://schemas.microsoft.com/office/drawing/2014/main" id="{21E0B816-320D-452D-A7A8-D82B8832AABB}"/>
+                <a16:creationId xmlns:a16="http://schemas.microsoft.com/office/drawing/2014/main" xmlns="" id="{21E0B816-320D-452D-A7A8-D82B8832AABB}"/>
               </a:ext>
             </a:extLst>
           </p:cNvPr>
@@ -439,7 +444,7 @@
           <p:cNvPr id="2" name="標題 1">
             <a:extLst>
               <a:ext uri="{FF2B5EF4-FFF2-40B4-BE49-F238E27FC236}">
-                <a16:creationId xmlns:a16="http://schemas.microsoft.com/office/drawing/2014/main" id="{CE239FDB-BE6B-4036-B39B-696CDECF6C1A}"/>
+                <a16:creationId xmlns:a16="http://schemas.microsoft.com/office/drawing/2014/main" xmlns="" id="{CE239FDB-BE6B-4036-B39B-696CDECF6C1A}"/>
               </a:ext>
             </a:extLst>
           </p:cNvPr>
@@ -467,7 +472,7 @@
           <p:cNvPr id="3" name="直排文字版面配置區 2">
             <a:extLst>
               <a:ext uri="{FF2B5EF4-FFF2-40B4-BE49-F238E27FC236}">
-                <a16:creationId xmlns:a16="http://schemas.microsoft.com/office/drawing/2014/main" id="{E90F7BD7-9129-468F-846C-F9C7C7A0C5B7}"/>
+                <a16:creationId xmlns:a16="http://schemas.microsoft.com/office/drawing/2014/main" xmlns="" id="{E90F7BD7-9129-468F-846C-F9C7C7A0C5B7}"/>
               </a:ext>
             </a:extLst>
           </p:cNvPr>
@@ -524,7 +529,7 @@
           <p:cNvPr id="4" name="日期版面配置區 3">
             <a:extLst>
               <a:ext uri="{FF2B5EF4-FFF2-40B4-BE49-F238E27FC236}">
-                <a16:creationId xmlns:a16="http://schemas.microsoft.com/office/drawing/2014/main" id="{CD887796-9A96-4D52-AD3E-3170EE6B84EC}"/>
+                <a16:creationId xmlns:a16="http://schemas.microsoft.com/office/drawing/2014/main" xmlns="" id="{CD887796-9A96-4D52-AD3E-3170EE6B84EC}"/>
               </a:ext>
             </a:extLst>
           </p:cNvPr>
@@ -542,7 +547,7 @@
           <a:p>
             <a:fld id="{07279BD6-2912-41A3-8E01-0739AEA3BA34}" type="datetimeFigureOut">
               <a:rPr lang="zh-TW" altLang="en-US" smtClean="0"/>
-              <a:t>2025/3/20</a:t>
+              <a:t>2025/3/21</a:t>
             </a:fld>
             <a:endParaRPr lang="zh-TW" altLang="en-US"/>
           </a:p>
@@ -553,7 +558,7 @@
           <p:cNvPr id="5" name="頁尾版面配置區 4">
             <a:extLst>
               <a:ext uri="{FF2B5EF4-FFF2-40B4-BE49-F238E27FC236}">
-                <a16:creationId xmlns:a16="http://schemas.microsoft.com/office/drawing/2014/main" id="{50265CEA-53A5-460E-B7FF-5CF1CA4D683C}"/>
+                <a16:creationId xmlns:a16="http://schemas.microsoft.com/office/drawing/2014/main" xmlns="" id="{50265CEA-53A5-460E-B7FF-5CF1CA4D683C}"/>
               </a:ext>
             </a:extLst>
           </p:cNvPr>
@@ -578,7 +583,7 @@
           <p:cNvPr id="6" name="投影片編號版面配置區 5">
             <a:extLst>
               <a:ext uri="{FF2B5EF4-FFF2-40B4-BE49-F238E27FC236}">
-                <a16:creationId xmlns:a16="http://schemas.microsoft.com/office/drawing/2014/main" id="{57B4397D-C343-4436-8981-18D88DE59A66}"/>
+                <a16:creationId xmlns:a16="http://schemas.microsoft.com/office/drawing/2014/main" xmlns="" id="{57B4397D-C343-4436-8981-18D88DE59A66}"/>
               </a:ext>
             </a:extLst>
           </p:cNvPr>
@@ -637,7 +642,7 @@
           <p:cNvPr id="2" name="直排標題 1">
             <a:extLst>
               <a:ext uri="{FF2B5EF4-FFF2-40B4-BE49-F238E27FC236}">
-                <a16:creationId xmlns:a16="http://schemas.microsoft.com/office/drawing/2014/main" id="{F9F5FCCE-43FA-4E53-AC59-6C520E24F5EE}"/>
+                <a16:creationId xmlns:a16="http://schemas.microsoft.com/office/drawing/2014/main" xmlns="" id="{F9F5FCCE-43FA-4E53-AC59-6C520E24F5EE}"/>
               </a:ext>
             </a:extLst>
           </p:cNvPr>
@@ -670,7 +675,7 @@
           <p:cNvPr id="3" name="直排文字版面配置區 2">
             <a:extLst>
               <a:ext uri="{FF2B5EF4-FFF2-40B4-BE49-F238E27FC236}">
-                <a16:creationId xmlns:a16="http://schemas.microsoft.com/office/drawing/2014/main" id="{5E2BC5F8-548A-45F8-97BF-B17FBE223067}"/>
+                <a16:creationId xmlns:a16="http://schemas.microsoft.com/office/drawing/2014/main" xmlns="" id="{5E2BC5F8-548A-45F8-97BF-B17FBE223067}"/>
               </a:ext>
             </a:extLst>
           </p:cNvPr>
@@ -732,7 +737,7 @@
           <p:cNvPr id="4" name="日期版面配置區 3">
             <a:extLst>
               <a:ext uri="{FF2B5EF4-FFF2-40B4-BE49-F238E27FC236}">
-                <a16:creationId xmlns:a16="http://schemas.microsoft.com/office/drawing/2014/main" id="{B73A4ECE-1607-40A6-9A99-F90C3645802B}"/>
+                <a16:creationId xmlns:a16="http://schemas.microsoft.com/office/drawing/2014/main" xmlns="" id="{B73A4ECE-1607-40A6-9A99-F90C3645802B}"/>
               </a:ext>
             </a:extLst>
           </p:cNvPr>
@@ -750,7 +755,7 @@
           <a:p>
             <a:fld id="{07279BD6-2912-41A3-8E01-0739AEA3BA34}" type="datetimeFigureOut">
               <a:rPr lang="zh-TW" altLang="en-US" smtClean="0"/>
-              <a:t>2025/3/20</a:t>
+              <a:t>2025/3/21</a:t>
             </a:fld>
             <a:endParaRPr lang="zh-TW" altLang="en-US"/>
           </a:p>
@@ -761,7 +766,7 @@
           <p:cNvPr id="5" name="頁尾版面配置區 4">
             <a:extLst>
               <a:ext uri="{FF2B5EF4-FFF2-40B4-BE49-F238E27FC236}">
-                <a16:creationId xmlns:a16="http://schemas.microsoft.com/office/drawing/2014/main" id="{64403E38-6A48-4E2D-93D6-00E95AF3A3B8}"/>
+                <a16:creationId xmlns:a16="http://schemas.microsoft.com/office/drawing/2014/main" xmlns="" id="{64403E38-6A48-4E2D-93D6-00E95AF3A3B8}"/>
               </a:ext>
             </a:extLst>
           </p:cNvPr>
@@ -786,7 +791,7 @@
           <p:cNvPr id="6" name="投影片編號版面配置區 5">
             <a:extLst>
               <a:ext uri="{FF2B5EF4-FFF2-40B4-BE49-F238E27FC236}">
-                <a16:creationId xmlns:a16="http://schemas.microsoft.com/office/drawing/2014/main" id="{0EB5FA33-343E-4F44-B6DE-A19726D27DF7}"/>
+                <a16:creationId xmlns:a16="http://schemas.microsoft.com/office/drawing/2014/main" xmlns="" id="{0EB5FA33-343E-4F44-B6DE-A19726D27DF7}"/>
               </a:ext>
             </a:extLst>
           </p:cNvPr>
@@ -845,7 +850,7 @@
           <p:cNvPr id="2" name="標題 1">
             <a:extLst>
               <a:ext uri="{FF2B5EF4-FFF2-40B4-BE49-F238E27FC236}">
-                <a16:creationId xmlns:a16="http://schemas.microsoft.com/office/drawing/2014/main" id="{AB3E0D98-104E-435C-A085-1D67983258C5}"/>
+                <a16:creationId xmlns:a16="http://schemas.microsoft.com/office/drawing/2014/main" xmlns="" id="{AB3E0D98-104E-435C-A085-1D67983258C5}"/>
               </a:ext>
             </a:extLst>
           </p:cNvPr>
@@ -873,7 +878,7 @@
           <p:cNvPr id="3" name="內容版面配置區 2">
             <a:extLst>
               <a:ext uri="{FF2B5EF4-FFF2-40B4-BE49-F238E27FC236}">
-                <a16:creationId xmlns:a16="http://schemas.microsoft.com/office/drawing/2014/main" id="{05452900-65A8-4E1C-9E23-B81B4BBBFDE7}"/>
+                <a16:creationId xmlns:a16="http://schemas.microsoft.com/office/drawing/2014/main" xmlns="" id="{05452900-65A8-4E1C-9E23-B81B4BBBFDE7}"/>
               </a:ext>
             </a:extLst>
           </p:cNvPr>
@@ -930,7 +935,7 @@
           <p:cNvPr id="4" name="日期版面配置區 3">
             <a:extLst>
               <a:ext uri="{FF2B5EF4-FFF2-40B4-BE49-F238E27FC236}">
-                <a16:creationId xmlns:a16="http://schemas.microsoft.com/office/drawing/2014/main" id="{10D90A56-74DD-4D6D-A7DC-D8532AEF72B7}"/>
+                <a16:creationId xmlns:a16="http://schemas.microsoft.com/office/drawing/2014/main" xmlns="" id="{10D90A56-74DD-4D6D-A7DC-D8532AEF72B7}"/>
               </a:ext>
             </a:extLst>
           </p:cNvPr>
@@ -948,7 +953,7 @@
           <a:p>
             <a:fld id="{07279BD6-2912-41A3-8E01-0739AEA3BA34}" type="datetimeFigureOut">
               <a:rPr lang="zh-TW" altLang="en-US" smtClean="0"/>
-              <a:t>2025/3/20</a:t>
+              <a:t>2025/3/21</a:t>
             </a:fld>
             <a:endParaRPr lang="zh-TW" altLang="en-US"/>
           </a:p>
@@ -959,7 +964,7 @@
           <p:cNvPr id="5" name="頁尾版面配置區 4">
             <a:extLst>
               <a:ext uri="{FF2B5EF4-FFF2-40B4-BE49-F238E27FC236}">
-                <a16:creationId xmlns:a16="http://schemas.microsoft.com/office/drawing/2014/main" id="{1A3C8D74-CAFE-4EF4-9D3D-603182C0A9AF}"/>
+                <a16:creationId xmlns:a16="http://schemas.microsoft.com/office/drawing/2014/main" xmlns="" id="{1A3C8D74-CAFE-4EF4-9D3D-603182C0A9AF}"/>
               </a:ext>
             </a:extLst>
           </p:cNvPr>
@@ -984,7 +989,7 @@
           <p:cNvPr id="6" name="投影片編號版面配置區 5">
             <a:extLst>
               <a:ext uri="{FF2B5EF4-FFF2-40B4-BE49-F238E27FC236}">
-                <a16:creationId xmlns:a16="http://schemas.microsoft.com/office/drawing/2014/main" id="{C19D6552-9B3D-4B3E-A60F-F91CF599F84C}"/>
+                <a16:creationId xmlns:a16="http://schemas.microsoft.com/office/drawing/2014/main" xmlns="" id="{C19D6552-9B3D-4B3E-A60F-F91CF599F84C}"/>
               </a:ext>
             </a:extLst>
           </p:cNvPr>
@@ -1043,7 +1048,7 @@
           <p:cNvPr id="2" name="標題 1">
             <a:extLst>
               <a:ext uri="{FF2B5EF4-FFF2-40B4-BE49-F238E27FC236}">
-                <a16:creationId xmlns:a16="http://schemas.microsoft.com/office/drawing/2014/main" id="{88BA9520-2293-45AF-BB77-815154FFFAE4}"/>
+                <a16:creationId xmlns:a16="http://schemas.microsoft.com/office/drawing/2014/main" xmlns="" id="{88BA9520-2293-45AF-BB77-815154FFFAE4}"/>
               </a:ext>
             </a:extLst>
           </p:cNvPr>
@@ -1080,7 +1085,7 @@
           <p:cNvPr id="3" name="文字版面配置區 2">
             <a:extLst>
               <a:ext uri="{FF2B5EF4-FFF2-40B4-BE49-F238E27FC236}">
-                <a16:creationId xmlns:a16="http://schemas.microsoft.com/office/drawing/2014/main" id="{49818E6C-B299-4240-B5D7-AF100ED7826C}"/>
+                <a16:creationId xmlns:a16="http://schemas.microsoft.com/office/drawing/2014/main" xmlns="" id="{49818E6C-B299-4240-B5D7-AF100ED7826C}"/>
               </a:ext>
             </a:extLst>
           </p:cNvPr>
@@ -1205,7 +1210,7 @@
           <p:cNvPr id="4" name="日期版面配置區 3">
             <a:extLst>
               <a:ext uri="{FF2B5EF4-FFF2-40B4-BE49-F238E27FC236}">
-                <a16:creationId xmlns:a16="http://schemas.microsoft.com/office/drawing/2014/main" id="{172C99F1-2DC0-4704-BBD0-D2D24731578E}"/>
+                <a16:creationId xmlns:a16="http://schemas.microsoft.com/office/drawing/2014/main" xmlns="" id="{172C99F1-2DC0-4704-BBD0-D2D24731578E}"/>
               </a:ext>
             </a:extLst>
           </p:cNvPr>
@@ -1223,7 +1228,7 @@
           <a:p>
             <a:fld id="{07279BD6-2912-41A3-8E01-0739AEA3BA34}" type="datetimeFigureOut">
               <a:rPr lang="zh-TW" altLang="en-US" smtClean="0"/>
-              <a:t>2025/3/20</a:t>
+              <a:t>2025/3/21</a:t>
             </a:fld>
             <a:endParaRPr lang="zh-TW" altLang="en-US"/>
           </a:p>
@@ -1234,7 +1239,7 @@
           <p:cNvPr id="5" name="頁尾版面配置區 4">
             <a:extLst>
               <a:ext uri="{FF2B5EF4-FFF2-40B4-BE49-F238E27FC236}">
-                <a16:creationId xmlns:a16="http://schemas.microsoft.com/office/drawing/2014/main" id="{4021052D-044A-475B-A41F-2B78BF00FFC4}"/>
+                <a16:creationId xmlns:a16="http://schemas.microsoft.com/office/drawing/2014/main" xmlns="" id="{4021052D-044A-475B-A41F-2B78BF00FFC4}"/>
               </a:ext>
             </a:extLst>
           </p:cNvPr>
@@ -1259,7 +1264,7 @@
           <p:cNvPr id="6" name="投影片編號版面配置區 5">
             <a:extLst>
               <a:ext uri="{FF2B5EF4-FFF2-40B4-BE49-F238E27FC236}">
-                <a16:creationId xmlns:a16="http://schemas.microsoft.com/office/drawing/2014/main" id="{B5B4430D-FD7F-4893-AAD3-E8874851E624}"/>
+                <a16:creationId xmlns:a16="http://schemas.microsoft.com/office/drawing/2014/main" xmlns="" id="{B5B4430D-FD7F-4893-AAD3-E8874851E624}"/>
               </a:ext>
             </a:extLst>
           </p:cNvPr>
@@ -1318,7 +1323,7 @@
           <p:cNvPr id="2" name="標題 1">
             <a:extLst>
               <a:ext uri="{FF2B5EF4-FFF2-40B4-BE49-F238E27FC236}">
-                <a16:creationId xmlns:a16="http://schemas.microsoft.com/office/drawing/2014/main" id="{63FA5368-BCD6-4D3A-AAFF-DAD4464C5AD2}"/>
+                <a16:creationId xmlns:a16="http://schemas.microsoft.com/office/drawing/2014/main" xmlns="" id="{63FA5368-BCD6-4D3A-AAFF-DAD4464C5AD2}"/>
               </a:ext>
             </a:extLst>
           </p:cNvPr>
@@ -1346,7 +1351,7 @@
           <p:cNvPr id="3" name="內容版面配置區 2">
             <a:extLst>
               <a:ext uri="{FF2B5EF4-FFF2-40B4-BE49-F238E27FC236}">
-                <a16:creationId xmlns:a16="http://schemas.microsoft.com/office/drawing/2014/main" id="{8834C773-D487-47B7-84D3-02370F611372}"/>
+                <a16:creationId xmlns:a16="http://schemas.microsoft.com/office/drawing/2014/main" xmlns="" id="{8834C773-D487-47B7-84D3-02370F611372}"/>
               </a:ext>
             </a:extLst>
           </p:cNvPr>
@@ -1408,7 +1413,7 @@
           <p:cNvPr id="4" name="內容版面配置區 3">
             <a:extLst>
               <a:ext uri="{FF2B5EF4-FFF2-40B4-BE49-F238E27FC236}">
-                <a16:creationId xmlns:a16="http://schemas.microsoft.com/office/drawing/2014/main" id="{044E5235-2466-48B3-8523-303A95CA1AD0}"/>
+                <a16:creationId xmlns:a16="http://schemas.microsoft.com/office/drawing/2014/main" xmlns="" id="{044E5235-2466-48B3-8523-303A95CA1AD0}"/>
               </a:ext>
             </a:extLst>
           </p:cNvPr>
@@ -1470,7 +1475,7 @@
           <p:cNvPr id="5" name="日期版面配置區 4">
             <a:extLst>
               <a:ext uri="{FF2B5EF4-FFF2-40B4-BE49-F238E27FC236}">
-                <a16:creationId xmlns:a16="http://schemas.microsoft.com/office/drawing/2014/main" id="{2682E3A8-F092-4083-A220-DA909DA0BDEE}"/>
+                <a16:creationId xmlns:a16="http://schemas.microsoft.com/office/drawing/2014/main" xmlns="" id="{2682E3A8-F092-4083-A220-DA909DA0BDEE}"/>
               </a:ext>
             </a:extLst>
           </p:cNvPr>
@@ -1488,7 +1493,7 @@
           <a:p>
             <a:fld id="{07279BD6-2912-41A3-8E01-0739AEA3BA34}" type="datetimeFigureOut">
               <a:rPr lang="zh-TW" altLang="en-US" smtClean="0"/>
-              <a:t>2025/3/20</a:t>
+              <a:t>2025/3/21</a:t>
             </a:fld>
             <a:endParaRPr lang="zh-TW" altLang="en-US"/>
           </a:p>
@@ -1499,7 +1504,7 @@
           <p:cNvPr id="6" name="頁尾版面配置區 5">
             <a:extLst>
               <a:ext uri="{FF2B5EF4-FFF2-40B4-BE49-F238E27FC236}">
-                <a16:creationId xmlns:a16="http://schemas.microsoft.com/office/drawing/2014/main" id="{5BD85D34-BA63-4EF4-BAF6-6FFB9A683117}"/>
+                <a16:creationId xmlns:a16="http://schemas.microsoft.com/office/drawing/2014/main" xmlns="" id="{5BD85D34-BA63-4EF4-BAF6-6FFB9A683117}"/>
               </a:ext>
             </a:extLst>
           </p:cNvPr>
@@ -1524,7 +1529,7 @@
           <p:cNvPr id="7" name="投影片編號版面配置區 6">
             <a:extLst>
               <a:ext uri="{FF2B5EF4-FFF2-40B4-BE49-F238E27FC236}">
-                <a16:creationId xmlns:a16="http://schemas.microsoft.com/office/drawing/2014/main" id="{D9E6988A-579F-4324-99A4-9167DA68D9E2}"/>
+                <a16:creationId xmlns:a16="http://schemas.microsoft.com/office/drawing/2014/main" xmlns="" id="{D9E6988A-579F-4324-99A4-9167DA68D9E2}"/>
               </a:ext>
             </a:extLst>
           </p:cNvPr>
@@ -1583,7 +1588,7 @@
           <p:cNvPr id="2" name="標題 1">
             <a:extLst>
               <a:ext uri="{FF2B5EF4-FFF2-40B4-BE49-F238E27FC236}">
-                <a16:creationId xmlns:a16="http://schemas.microsoft.com/office/drawing/2014/main" id="{0879059B-6102-46E5-A75F-542855474432}"/>
+                <a16:creationId xmlns:a16="http://schemas.microsoft.com/office/drawing/2014/main" xmlns="" id="{0879059B-6102-46E5-A75F-542855474432}"/>
               </a:ext>
             </a:extLst>
           </p:cNvPr>
@@ -1616,7 +1621,7 @@
           <p:cNvPr id="3" name="文字版面配置區 2">
             <a:extLst>
               <a:ext uri="{FF2B5EF4-FFF2-40B4-BE49-F238E27FC236}">
-                <a16:creationId xmlns:a16="http://schemas.microsoft.com/office/drawing/2014/main" id="{E66DCDFE-F5A2-4134-AE9F-4A190CBD522A}"/>
+                <a16:creationId xmlns:a16="http://schemas.microsoft.com/office/drawing/2014/main" xmlns="" id="{E66DCDFE-F5A2-4134-AE9F-4A190CBD522A}"/>
               </a:ext>
             </a:extLst>
           </p:cNvPr>
@@ -1687,7 +1692,7 @@
           <p:cNvPr id="4" name="內容版面配置區 3">
             <a:extLst>
               <a:ext uri="{FF2B5EF4-FFF2-40B4-BE49-F238E27FC236}">
-                <a16:creationId xmlns:a16="http://schemas.microsoft.com/office/drawing/2014/main" id="{DD549BCF-1553-472D-9BCB-F89127DE64D2}"/>
+                <a16:creationId xmlns:a16="http://schemas.microsoft.com/office/drawing/2014/main" xmlns="" id="{DD549BCF-1553-472D-9BCB-F89127DE64D2}"/>
               </a:ext>
             </a:extLst>
           </p:cNvPr>
@@ -1749,7 +1754,7 @@
           <p:cNvPr id="5" name="文字版面配置區 4">
             <a:extLst>
               <a:ext uri="{FF2B5EF4-FFF2-40B4-BE49-F238E27FC236}">
-                <a16:creationId xmlns:a16="http://schemas.microsoft.com/office/drawing/2014/main" id="{48335AA6-3F17-473A-9B65-53F9E13B265E}"/>
+                <a16:creationId xmlns:a16="http://schemas.microsoft.com/office/drawing/2014/main" xmlns="" id="{48335AA6-3F17-473A-9B65-53F9E13B265E}"/>
               </a:ext>
             </a:extLst>
           </p:cNvPr>
@@ -1820,7 +1825,7 @@
           <p:cNvPr id="6" name="內容版面配置區 5">
             <a:extLst>
               <a:ext uri="{FF2B5EF4-FFF2-40B4-BE49-F238E27FC236}">
-                <a16:creationId xmlns:a16="http://schemas.microsoft.com/office/drawing/2014/main" id="{E0BAB4DE-9341-4D0C-9751-28670F1B4D46}"/>
+                <a16:creationId xmlns:a16="http://schemas.microsoft.com/office/drawing/2014/main" xmlns="" id="{E0BAB4DE-9341-4D0C-9751-28670F1B4D46}"/>
               </a:ext>
             </a:extLst>
           </p:cNvPr>
@@ -1882,7 +1887,7 @@
           <p:cNvPr id="7" name="日期版面配置區 6">
             <a:extLst>
               <a:ext uri="{FF2B5EF4-FFF2-40B4-BE49-F238E27FC236}">
-                <a16:creationId xmlns:a16="http://schemas.microsoft.com/office/drawing/2014/main" id="{18C35070-BD9F-4523-B617-FA2F58073DA0}"/>
+                <a16:creationId xmlns:a16="http://schemas.microsoft.com/office/drawing/2014/main" xmlns="" id="{18C35070-BD9F-4523-B617-FA2F58073DA0}"/>
               </a:ext>
             </a:extLst>
           </p:cNvPr>
@@ -1900,7 +1905,7 @@
           <a:p>
             <a:fld id="{07279BD6-2912-41A3-8E01-0739AEA3BA34}" type="datetimeFigureOut">
               <a:rPr lang="zh-TW" altLang="en-US" smtClean="0"/>
-              <a:t>2025/3/20</a:t>
+              <a:t>2025/3/21</a:t>
             </a:fld>
             <a:endParaRPr lang="zh-TW" altLang="en-US"/>
           </a:p>
@@ -1911,7 +1916,7 @@
           <p:cNvPr id="8" name="頁尾版面配置區 7">
             <a:extLst>
               <a:ext uri="{FF2B5EF4-FFF2-40B4-BE49-F238E27FC236}">
-                <a16:creationId xmlns:a16="http://schemas.microsoft.com/office/drawing/2014/main" id="{39070E53-4BF8-4856-8EF1-8F0F968C730A}"/>
+                <a16:creationId xmlns:a16="http://schemas.microsoft.com/office/drawing/2014/main" xmlns="" id="{39070E53-4BF8-4856-8EF1-8F0F968C730A}"/>
               </a:ext>
             </a:extLst>
           </p:cNvPr>
@@ -1936,7 +1941,7 @@
           <p:cNvPr id="9" name="投影片編號版面配置區 8">
             <a:extLst>
               <a:ext uri="{FF2B5EF4-FFF2-40B4-BE49-F238E27FC236}">
-                <a16:creationId xmlns:a16="http://schemas.microsoft.com/office/drawing/2014/main" id="{76413536-225D-4FCB-9E90-E6B1E9384544}"/>
+                <a16:creationId xmlns:a16="http://schemas.microsoft.com/office/drawing/2014/main" xmlns="" id="{76413536-225D-4FCB-9E90-E6B1E9384544}"/>
               </a:ext>
             </a:extLst>
           </p:cNvPr>
@@ -1995,7 +2000,7 @@
           <p:cNvPr id="2" name="標題 1">
             <a:extLst>
               <a:ext uri="{FF2B5EF4-FFF2-40B4-BE49-F238E27FC236}">
-                <a16:creationId xmlns:a16="http://schemas.microsoft.com/office/drawing/2014/main" id="{9DA32EA3-BCDD-4C59-83FC-28C8A9F9BADF}"/>
+                <a16:creationId xmlns:a16="http://schemas.microsoft.com/office/drawing/2014/main" xmlns="" id="{9DA32EA3-BCDD-4C59-83FC-28C8A9F9BADF}"/>
               </a:ext>
             </a:extLst>
           </p:cNvPr>
@@ -2023,7 +2028,7 @@
           <p:cNvPr id="3" name="日期版面配置區 2">
             <a:extLst>
               <a:ext uri="{FF2B5EF4-FFF2-40B4-BE49-F238E27FC236}">
-                <a16:creationId xmlns:a16="http://schemas.microsoft.com/office/drawing/2014/main" id="{B1F24949-B360-4C81-B7D4-7DA9F814EC6C}"/>
+                <a16:creationId xmlns:a16="http://schemas.microsoft.com/office/drawing/2014/main" xmlns="" id="{B1F24949-B360-4C81-B7D4-7DA9F814EC6C}"/>
               </a:ext>
             </a:extLst>
           </p:cNvPr>
@@ -2041,7 +2046,7 @@
           <a:p>
             <a:fld id="{07279BD6-2912-41A3-8E01-0739AEA3BA34}" type="datetimeFigureOut">
               <a:rPr lang="zh-TW" altLang="en-US" smtClean="0"/>
-              <a:t>2025/3/20</a:t>
+              <a:t>2025/3/21</a:t>
             </a:fld>
             <a:endParaRPr lang="zh-TW" altLang="en-US"/>
           </a:p>
@@ -2052,7 +2057,7 @@
           <p:cNvPr id="4" name="頁尾版面配置區 3">
             <a:extLst>
               <a:ext uri="{FF2B5EF4-FFF2-40B4-BE49-F238E27FC236}">
-                <a16:creationId xmlns:a16="http://schemas.microsoft.com/office/drawing/2014/main" id="{B96D77E8-7C59-4540-B4DE-1344E7B59D3D}"/>
+                <a16:creationId xmlns:a16="http://schemas.microsoft.com/office/drawing/2014/main" xmlns="" id="{B96D77E8-7C59-4540-B4DE-1344E7B59D3D}"/>
               </a:ext>
             </a:extLst>
           </p:cNvPr>
@@ -2077,7 +2082,7 @@
           <p:cNvPr id="5" name="投影片編號版面配置區 4">
             <a:extLst>
               <a:ext uri="{FF2B5EF4-FFF2-40B4-BE49-F238E27FC236}">
-                <a16:creationId xmlns:a16="http://schemas.microsoft.com/office/drawing/2014/main" id="{E1484D68-7420-48FE-B876-FB6EC73A261A}"/>
+                <a16:creationId xmlns:a16="http://schemas.microsoft.com/office/drawing/2014/main" xmlns="" id="{E1484D68-7420-48FE-B876-FB6EC73A261A}"/>
               </a:ext>
             </a:extLst>
           </p:cNvPr>
@@ -2136,7 +2141,7 @@
           <p:cNvPr id="2" name="日期版面配置區 1">
             <a:extLst>
               <a:ext uri="{FF2B5EF4-FFF2-40B4-BE49-F238E27FC236}">
-                <a16:creationId xmlns:a16="http://schemas.microsoft.com/office/drawing/2014/main" id="{52D8E118-192F-4416-ABDB-BE0216E3D74F}"/>
+                <a16:creationId xmlns:a16="http://schemas.microsoft.com/office/drawing/2014/main" xmlns="" id="{52D8E118-192F-4416-ABDB-BE0216E3D74F}"/>
               </a:ext>
             </a:extLst>
           </p:cNvPr>
@@ -2154,7 +2159,7 @@
           <a:p>
             <a:fld id="{07279BD6-2912-41A3-8E01-0739AEA3BA34}" type="datetimeFigureOut">
               <a:rPr lang="zh-TW" altLang="en-US" smtClean="0"/>
-              <a:t>2025/3/20</a:t>
+              <a:t>2025/3/21</a:t>
             </a:fld>
             <a:endParaRPr lang="zh-TW" altLang="en-US"/>
           </a:p>
@@ -2165,7 +2170,7 @@
           <p:cNvPr id="3" name="頁尾版面配置區 2">
             <a:extLst>
               <a:ext uri="{FF2B5EF4-FFF2-40B4-BE49-F238E27FC236}">
-                <a16:creationId xmlns:a16="http://schemas.microsoft.com/office/drawing/2014/main" id="{8B500DA0-C47E-4302-BE1D-E7AD3D2DC0CB}"/>
+                <a16:creationId xmlns:a16="http://schemas.microsoft.com/office/drawing/2014/main" xmlns="" id="{8B500DA0-C47E-4302-BE1D-E7AD3D2DC0CB}"/>
               </a:ext>
             </a:extLst>
           </p:cNvPr>
@@ -2190,7 +2195,7 @@
           <p:cNvPr id="4" name="投影片編號版面配置區 3">
             <a:extLst>
               <a:ext uri="{FF2B5EF4-FFF2-40B4-BE49-F238E27FC236}">
-                <a16:creationId xmlns:a16="http://schemas.microsoft.com/office/drawing/2014/main" id="{620F441B-EFC7-4CC2-998B-B5F4CFF5BB7C}"/>
+                <a16:creationId xmlns:a16="http://schemas.microsoft.com/office/drawing/2014/main" xmlns="" id="{620F441B-EFC7-4CC2-998B-B5F4CFF5BB7C}"/>
               </a:ext>
             </a:extLst>
           </p:cNvPr>
@@ -2249,7 +2254,7 @@
           <p:cNvPr id="2" name="標題 1">
             <a:extLst>
               <a:ext uri="{FF2B5EF4-FFF2-40B4-BE49-F238E27FC236}">
-                <a16:creationId xmlns:a16="http://schemas.microsoft.com/office/drawing/2014/main" id="{64FC606E-FA89-4DDC-B525-E9288293020A}"/>
+                <a16:creationId xmlns:a16="http://schemas.microsoft.com/office/drawing/2014/main" xmlns="" id="{64FC606E-FA89-4DDC-B525-E9288293020A}"/>
               </a:ext>
             </a:extLst>
           </p:cNvPr>
@@ -2286,7 +2291,7 @@
           <p:cNvPr id="3" name="內容版面配置區 2">
             <a:extLst>
               <a:ext uri="{FF2B5EF4-FFF2-40B4-BE49-F238E27FC236}">
-                <a16:creationId xmlns:a16="http://schemas.microsoft.com/office/drawing/2014/main" id="{D0EA8274-420B-422F-9939-812E82E50CA1}"/>
+                <a16:creationId xmlns:a16="http://schemas.microsoft.com/office/drawing/2014/main" xmlns="" id="{D0EA8274-420B-422F-9939-812E82E50CA1}"/>
               </a:ext>
             </a:extLst>
           </p:cNvPr>
@@ -2376,7 +2381,7 @@
           <p:cNvPr id="4" name="文字版面配置區 3">
             <a:extLst>
               <a:ext uri="{FF2B5EF4-FFF2-40B4-BE49-F238E27FC236}">
-                <a16:creationId xmlns:a16="http://schemas.microsoft.com/office/drawing/2014/main" id="{2DE014F2-9205-4FBC-A8D5-29F2D56D52D5}"/>
+                <a16:creationId xmlns:a16="http://schemas.microsoft.com/office/drawing/2014/main" xmlns="" id="{2DE014F2-9205-4FBC-A8D5-29F2D56D52D5}"/>
               </a:ext>
             </a:extLst>
           </p:cNvPr>
@@ -2447,7 +2452,7 @@
           <p:cNvPr id="5" name="日期版面配置區 4">
             <a:extLst>
               <a:ext uri="{FF2B5EF4-FFF2-40B4-BE49-F238E27FC236}">
-                <a16:creationId xmlns:a16="http://schemas.microsoft.com/office/drawing/2014/main" id="{F9D57349-B144-4A19-B65A-C487DFF9981A}"/>
+                <a16:creationId xmlns:a16="http://schemas.microsoft.com/office/drawing/2014/main" xmlns="" id="{F9D57349-B144-4A19-B65A-C487DFF9981A}"/>
               </a:ext>
             </a:extLst>
           </p:cNvPr>
@@ -2465,7 +2470,7 @@
           <a:p>
             <a:fld id="{07279BD6-2912-41A3-8E01-0739AEA3BA34}" type="datetimeFigureOut">
               <a:rPr lang="zh-TW" altLang="en-US" smtClean="0"/>
-              <a:t>2025/3/20</a:t>
+              <a:t>2025/3/21</a:t>
             </a:fld>
             <a:endParaRPr lang="zh-TW" altLang="en-US"/>
           </a:p>
@@ -2476,7 +2481,7 @@
           <p:cNvPr id="6" name="頁尾版面配置區 5">
             <a:extLst>
               <a:ext uri="{FF2B5EF4-FFF2-40B4-BE49-F238E27FC236}">
-                <a16:creationId xmlns:a16="http://schemas.microsoft.com/office/drawing/2014/main" id="{01017F0B-76FE-4D76-8B51-05F75B1680F8}"/>
+                <a16:creationId xmlns:a16="http://schemas.microsoft.com/office/drawing/2014/main" xmlns="" id="{01017F0B-76FE-4D76-8B51-05F75B1680F8}"/>
               </a:ext>
             </a:extLst>
           </p:cNvPr>
@@ -2501,7 +2506,7 @@
           <p:cNvPr id="7" name="投影片編號版面配置區 6">
             <a:extLst>
               <a:ext uri="{FF2B5EF4-FFF2-40B4-BE49-F238E27FC236}">
-                <a16:creationId xmlns:a16="http://schemas.microsoft.com/office/drawing/2014/main" id="{2487C382-B5DD-479B-BCC9-C8B77D4C345D}"/>
+                <a16:creationId xmlns:a16="http://schemas.microsoft.com/office/drawing/2014/main" xmlns="" id="{2487C382-B5DD-479B-BCC9-C8B77D4C345D}"/>
               </a:ext>
             </a:extLst>
           </p:cNvPr>
@@ -2560,7 +2565,7 @@
           <p:cNvPr id="2" name="標題 1">
             <a:extLst>
               <a:ext uri="{FF2B5EF4-FFF2-40B4-BE49-F238E27FC236}">
-                <a16:creationId xmlns:a16="http://schemas.microsoft.com/office/drawing/2014/main" id="{39334B04-8F8F-4ED5-B7DC-6AF6CB34B375}"/>
+                <a16:creationId xmlns:a16="http://schemas.microsoft.com/office/drawing/2014/main" xmlns="" id="{39334B04-8F8F-4ED5-B7DC-6AF6CB34B375}"/>
               </a:ext>
             </a:extLst>
           </p:cNvPr>
@@ -2597,7 +2602,7 @@
           <p:cNvPr id="3" name="圖片版面配置區 2">
             <a:extLst>
               <a:ext uri="{FF2B5EF4-FFF2-40B4-BE49-F238E27FC236}">
-                <a16:creationId xmlns:a16="http://schemas.microsoft.com/office/drawing/2014/main" id="{FAC27A32-06F3-48C3-A080-598A6AFB09FF}"/>
+                <a16:creationId xmlns:a16="http://schemas.microsoft.com/office/drawing/2014/main" xmlns="" id="{FAC27A32-06F3-48C3-A080-598A6AFB09FF}"/>
               </a:ext>
             </a:extLst>
           </p:cNvPr>
@@ -2664,7 +2669,7 @@
           <p:cNvPr id="4" name="文字版面配置區 3">
             <a:extLst>
               <a:ext uri="{FF2B5EF4-FFF2-40B4-BE49-F238E27FC236}">
-                <a16:creationId xmlns:a16="http://schemas.microsoft.com/office/drawing/2014/main" id="{0904EBDD-EB23-4953-AA72-3F6B4D9E7C57}"/>
+                <a16:creationId xmlns:a16="http://schemas.microsoft.com/office/drawing/2014/main" xmlns="" id="{0904EBDD-EB23-4953-AA72-3F6B4D9E7C57}"/>
               </a:ext>
             </a:extLst>
           </p:cNvPr>
@@ -2735,7 +2740,7 @@
           <p:cNvPr id="5" name="日期版面配置區 4">
             <a:extLst>
               <a:ext uri="{FF2B5EF4-FFF2-40B4-BE49-F238E27FC236}">
-                <a16:creationId xmlns:a16="http://schemas.microsoft.com/office/drawing/2014/main" id="{303F7EA2-A644-451E-83E5-8369608542A3}"/>
+                <a16:creationId xmlns:a16="http://schemas.microsoft.com/office/drawing/2014/main" xmlns="" id="{303F7EA2-A644-451E-83E5-8369608542A3}"/>
               </a:ext>
             </a:extLst>
           </p:cNvPr>
@@ -2753,7 +2758,7 @@
           <a:p>
             <a:fld id="{07279BD6-2912-41A3-8E01-0739AEA3BA34}" type="datetimeFigureOut">
               <a:rPr lang="zh-TW" altLang="en-US" smtClean="0"/>
-              <a:t>2025/3/20</a:t>
+              <a:t>2025/3/21</a:t>
             </a:fld>
             <a:endParaRPr lang="zh-TW" altLang="en-US"/>
           </a:p>
@@ -2764,7 +2769,7 @@
           <p:cNvPr id="6" name="頁尾版面配置區 5">
             <a:extLst>
               <a:ext uri="{FF2B5EF4-FFF2-40B4-BE49-F238E27FC236}">
-                <a16:creationId xmlns:a16="http://schemas.microsoft.com/office/drawing/2014/main" id="{17486080-6880-43FA-BD12-DF7A79C2B6EF}"/>
+                <a16:creationId xmlns:a16="http://schemas.microsoft.com/office/drawing/2014/main" xmlns="" id="{17486080-6880-43FA-BD12-DF7A79C2B6EF}"/>
               </a:ext>
             </a:extLst>
           </p:cNvPr>
@@ -2789,7 +2794,7 @@
           <p:cNvPr id="7" name="投影片編號版面配置區 6">
             <a:extLst>
               <a:ext uri="{FF2B5EF4-FFF2-40B4-BE49-F238E27FC236}">
-                <a16:creationId xmlns:a16="http://schemas.microsoft.com/office/drawing/2014/main" id="{52C95237-B4C2-418A-8E46-60A4AC65E49E}"/>
+                <a16:creationId xmlns:a16="http://schemas.microsoft.com/office/drawing/2014/main" xmlns="" id="{52C95237-B4C2-418A-8E46-60A4AC65E49E}"/>
               </a:ext>
             </a:extLst>
           </p:cNvPr>
@@ -2853,7 +2858,7 @@
           <p:cNvPr id="2" name="標題版面配置區 1">
             <a:extLst>
               <a:ext uri="{FF2B5EF4-FFF2-40B4-BE49-F238E27FC236}">
-                <a16:creationId xmlns:a16="http://schemas.microsoft.com/office/drawing/2014/main" id="{E966F4BE-A3A4-4908-AFD4-FCEEAC25DDA2}"/>
+                <a16:creationId xmlns:a16="http://schemas.microsoft.com/office/drawing/2014/main" xmlns="" id="{E966F4BE-A3A4-4908-AFD4-FCEEAC25DDA2}"/>
               </a:ext>
             </a:extLst>
           </p:cNvPr>
@@ -2891,7 +2896,7 @@
           <p:cNvPr id="3" name="文字版面配置區 2">
             <a:extLst>
               <a:ext uri="{FF2B5EF4-FFF2-40B4-BE49-F238E27FC236}">
-                <a16:creationId xmlns:a16="http://schemas.microsoft.com/office/drawing/2014/main" id="{EDC94239-FE3E-47DE-AE3B-B89BA534A982}"/>
+                <a16:creationId xmlns:a16="http://schemas.microsoft.com/office/drawing/2014/main" xmlns="" id="{EDC94239-FE3E-47DE-AE3B-B89BA534A982}"/>
               </a:ext>
             </a:extLst>
           </p:cNvPr>
@@ -2958,7 +2963,7 @@
           <p:cNvPr id="4" name="日期版面配置區 3">
             <a:extLst>
               <a:ext uri="{FF2B5EF4-FFF2-40B4-BE49-F238E27FC236}">
-                <a16:creationId xmlns:a16="http://schemas.microsoft.com/office/drawing/2014/main" id="{D47E0EC0-7F2F-42B3-93A8-7445D7451D0B}"/>
+                <a16:creationId xmlns:a16="http://schemas.microsoft.com/office/drawing/2014/main" xmlns="" id="{D47E0EC0-7F2F-42B3-93A8-7445D7451D0B}"/>
               </a:ext>
             </a:extLst>
           </p:cNvPr>
@@ -2994,7 +2999,7 @@
           <a:p>
             <a:fld id="{07279BD6-2912-41A3-8E01-0739AEA3BA34}" type="datetimeFigureOut">
               <a:rPr lang="zh-TW" altLang="en-US" smtClean="0"/>
-              <a:t>2025/3/20</a:t>
+              <a:t>2025/3/21</a:t>
             </a:fld>
             <a:endParaRPr lang="zh-TW" altLang="en-US"/>
           </a:p>
@@ -3005,7 +3010,7 @@
           <p:cNvPr id="5" name="頁尾版面配置區 4">
             <a:extLst>
               <a:ext uri="{FF2B5EF4-FFF2-40B4-BE49-F238E27FC236}">
-                <a16:creationId xmlns:a16="http://schemas.microsoft.com/office/drawing/2014/main" id="{A521D7E1-A695-468D-A64F-3CD9AA8CC070}"/>
+                <a16:creationId xmlns:a16="http://schemas.microsoft.com/office/drawing/2014/main" xmlns="" id="{A521D7E1-A695-468D-A64F-3CD9AA8CC070}"/>
               </a:ext>
             </a:extLst>
           </p:cNvPr>
@@ -3048,7 +3053,7 @@
           <p:cNvPr id="6" name="投影片編號版面配置區 5">
             <a:extLst>
               <a:ext uri="{FF2B5EF4-FFF2-40B4-BE49-F238E27FC236}">
-                <a16:creationId xmlns:a16="http://schemas.microsoft.com/office/drawing/2014/main" id="{8EEAB5F3-5364-4F75-9F30-8ABDCBAE808D}"/>
+                <a16:creationId xmlns:a16="http://schemas.microsoft.com/office/drawing/2014/main" xmlns="" id="{8EEAB5F3-5364-4F75-9F30-8ABDCBAE808D}"/>
               </a:ext>
             </a:extLst>
           </p:cNvPr>
@@ -3416,7 +3421,7 @@
           <p:cNvPr id="4" name="文字方塊 3">
             <a:extLst>
               <a:ext uri="{FF2B5EF4-FFF2-40B4-BE49-F238E27FC236}">
-                <a16:creationId xmlns:a16="http://schemas.microsoft.com/office/drawing/2014/main" id="{BF717898-3041-4020-ABB8-9C22565CAA42}"/>
+                <a16:creationId xmlns:a16="http://schemas.microsoft.com/office/drawing/2014/main" xmlns="" id="{BF717898-3041-4020-ABB8-9C22565CAA42}"/>
               </a:ext>
             </a:extLst>
           </p:cNvPr>
@@ -3471,7 +3476,7 @@
           <p:cNvPr id="5" name="文字方塊 4">
             <a:extLst>
               <a:ext uri="{FF2B5EF4-FFF2-40B4-BE49-F238E27FC236}">
-                <a16:creationId xmlns:a16="http://schemas.microsoft.com/office/drawing/2014/main" id="{1E806B04-B6EE-4CF9-B6DB-0628B041401A}"/>
+                <a16:creationId xmlns:a16="http://schemas.microsoft.com/office/drawing/2014/main" xmlns="" id="{1E806B04-B6EE-4CF9-B6DB-0628B041401A}"/>
               </a:ext>
             </a:extLst>
           </p:cNvPr>
@@ -3513,7 +3518,7 @@
           <p:cNvPr id="9" name="矩形 8">
             <a:extLst>
               <a:ext uri="{FF2B5EF4-FFF2-40B4-BE49-F238E27FC236}">
-                <a16:creationId xmlns:a16="http://schemas.microsoft.com/office/drawing/2014/main" id="{09F1591C-2CA5-3262-D214-EC3B02573240}"/>
+                <a16:creationId xmlns:a16="http://schemas.microsoft.com/office/drawing/2014/main" xmlns="" id="{09F1591C-2CA5-3262-D214-EC3B02573240}"/>
               </a:ext>
             </a:extLst>
           </p:cNvPr>
@@ -3561,7 +3566,7 @@
           <p:cNvPr id="10" name="矩形 9">
             <a:extLst>
               <a:ext uri="{FF2B5EF4-FFF2-40B4-BE49-F238E27FC236}">
-                <a16:creationId xmlns:a16="http://schemas.microsoft.com/office/drawing/2014/main" id="{A12D0B9C-2F67-4B16-AF97-2029B2E3E15A}"/>
+                <a16:creationId xmlns:a16="http://schemas.microsoft.com/office/drawing/2014/main" xmlns="" id="{A12D0B9C-2F67-4B16-AF97-2029B2E3E15A}"/>
               </a:ext>
             </a:extLst>
           </p:cNvPr>
@@ -3609,7 +3614,7 @@
           <p:cNvPr id="11" name="矩形 10">
             <a:extLst>
               <a:ext uri="{FF2B5EF4-FFF2-40B4-BE49-F238E27FC236}">
-                <a16:creationId xmlns:a16="http://schemas.microsoft.com/office/drawing/2014/main" id="{D9D0E4FC-B081-ECA8-82A0-DD3B72C5F7AB}"/>
+                <a16:creationId xmlns:a16="http://schemas.microsoft.com/office/drawing/2014/main" xmlns="" id="{D9D0E4FC-B081-ECA8-82A0-DD3B72C5F7AB}"/>
               </a:ext>
             </a:extLst>
           </p:cNvPr>
@@ -3657,7 +3662,7 @@
           <p:cNvPr id="12" name="矩形 11">
             <a:extLst>
               <a:ext uri="{FF2B5EF4-FFF2-40B4-BE49-F238E27FC236}">
-                <a16:creationId xmlns:a16="http://schemas.microsoft.com/office/drawing/2014/main" id="{0DA922D3-0CFC-BBD1-3DEB-12BD101A726E}"/>
+                <a16:creationId xmlns:a16="http://schemas.microsoft.com/office/drawing/2014/main" xmlns="" id="{0DA922D3-0CFC-BBD1-3DEB-12BD101A726E}"/>
               </a:ext>
             </a:extLst>
           </p:cNvPr>
@@ -3707,7 +3712,7 @@
           <p:cNvPr id="13" name="文字方塊 12">
             <a:extLst>
               <a:ext uri="{FF2B5EF4-FFF2-40B4-BE49-F238E27FC236}">
-                <a16:creationId xmlns:a16="http://schemas.microsoft.com/office/drawing/2014/main" id="{C31EFA1D-836C-ADFD-E6AA-7822934452D8}"/>
+                <a16:creationId xmlns:a16="http://schemas.microsoft.com/office/drawing/2014/main" xmlns="" id="{C31EFA1D-836C-ADFD-E6AA-7822934452D8}"/>
               </a:ext>
             </a:extLst>
           </p:cNvPr>
@@ -3743,7 +3748,7 @@
           <p:cNvPr id="15" name="直線單箭頭接點 14">
             <a:extLst>
               <a:ext uri="{FF2B5EF4-FFF2-40B4-BE49-F238E27FC236}">
-                <a16:creationId xmlns:a16="http://schemas.microsoft.com/office/drawing/2014/main" id="{71749909-B63C-17FF-CBD0-F21EB726B4F7}"/>
+                <a16:creationId xmlns:a16="http://schemas.microsoft.com/office/drawing/2014/main" xmlns="" id="{71749909-B63C-17FF-CBD0-F21EB726B4F7}"/>
               </a:ext>
             </a:extLst>
           </p:cNvPr>
@@ -3786,7 +3791,7 @@
           <p:cNvPr id="16" name="直線單箭頭接點 15">
             <a:extLst>
               <a:ext uri="{FF2B5EF4-FFF2-40B4-BE49-F238E27FC236}">
-                <a16:creationId xmlns:a16="http://schemas.microsoft.com/office/drawing/2014/main" id="{68AF699C-30A3-010D-E6EA-C662B76A848B}"/>
+                <a16:creationId xmlns:a16="http://schemas.microsoft.com/office/drawing/2014/main" xmlns="" id="{68AF699C-30A3-010D-E6EA-C662B76A848B}"/>
               </a:ext>
             </a:extLst>
           </p:cNvPr>
@@ -3830,7 +3835,7 @@
           <p:cNvPr id="19" name="直線單箭頭接點 18">
             <a:extLst>
               <a:ext uri="{FF2B5EF4-FFF2-40B4-BE49-F238E27FC236}">
-                <a16:creationId xmlns:a16="http://schemas.microsoft.com/office/drawing/2014/main" id="{97274120-078C-C386-197B-34650A453BCC}"/>
+                <a16:creationId xmlns:a16="http://schemas.microsoft.com/office/drawing/2014/main" xmlns="" id="{97274120-078C-C386-197B-34650A453BCC}"/>
               </a:ext>
             </a:extLst>
           </p:cNvPr>
@@ -3874,7 +3879,7 @@
           <p:cNvPr id="22" name="語音泡泡: 圓角矩形 21">
             <a:extLst>
               <a:ext uri="{FF2B5EF4-FFF2-40B4-BE49-F238E27FC236}">
-                <a16:creationId xmlns:a16="http://schemas.microsoft.com/office/drawing/2014/main" id="{181F8CAB-F069-BE63-E1E4-D59328F699A3}"/>
+                <a16:creationId xmlns:a16="http://schemas.microsoft.com/office/drawing/2014/main" xmlns="" id="{181F8CAB-F069-BE63-E1E4-D59328F699A3}"/>
               </a:ext>
             </a:extLst>
           </p:cNvPr>
@@ -3926,7 +3931,7 @@
           <p:cNvPr id="23" name="文字方塊 22">
             <a:extLst>
               <a:ext uri="{FF2B5EF4-FFF2-40B4-BE49-F238E27FC236}">
-                <a16:creationId xmlns:a16="http://schemas.microsoft.com/office/drawing/2014/main" id="{2418FE17-C047-4BB0-86B5-1EB00C3016D5}"/>
+                <a16:creationId xmlns:a16="http://schemas.microsoft.com/office/drawing/2014/main" xmlns="" id="{2418FE17-C047-4BB0-86B5-1EB00C3016D5}"/>
               </a:ext>
             </a:extLst>
           </p:cNvPr>
@@ -3989,10 +3994,10 @@
       </p:grpSpPr>
       <p:sp>
         <p:nvSpPr>
-          <p:cNvPr id="2" name="標題 1">
-            <a:extLst>
-              <a:ext uri="{FF2B5EF4-FFF2-40B4-BE49-F238E27FC236}">
-                <a16:creationId xmlns:a16="http://schemas.microsoft.com/office/drawing/2014/main" id="{1ED35935-847C-4C53-9F75-22A728BFD3C1}"/>
+          <p:cNvPr id="6" name="標題 1">
+            <a:extLst>
+              <a:ext uri="{FF2B5EF4-FFF2-40B4-BE49-F238E27FC236}">
+                <a16:creationId xmlns:a16="http://schemas.microsoft.com/office/drawing/2014/main" xmlns="" id="{55C61A07-21F8-459D-917F-7A7AB094CA94}"/>
               </a:ext>
             </a:extLst>
           </p:cNvPr>
@@ -4003,74 +4008,240 @@
             <p:ph type="title"/>
           </p:nvPr>
         </p:nvSpPr>
-        <p:spPr/>
-        <p:txBody>
-          <a:bodyPr/>
-          <a:lstStyle/>
-          <a:p>
-            <a:endParaRPr lang="zh-TW" altLang="en-US"/>
-          </a:p>
-        </p:txBody>
-      </p:sp>
-      <p:sp>
-        <p:nvSpPr>
-          <p:cNvPr id="3" name="內容版面配置區 2">
-            <a:extLst>
-              <a:ext uri="{FF2B5EF4-FFF2-40B4-BE49-F238E27FC236}">
-                <a16:creationId xmlns:a16="http://schemas.microsoft.com/office/drawing/2014/main" id="{ED8305D2-9CBE-4C79-B0C2-D8B2972F81A2}"/>
-              </a:ext>
-            </a:extLst>
-          </p:cNvPr>
-          <p:cNvSpPr>
-            <a:spLocks noGrp="1"/>
-          </p:cNvSpPr>
-          <p:nvPr>
-            <p:ph idx="1"/>
-          </p:nvPr>
-        </p:nvSpPr>
-        <p:spPr/>
-        <p:txBody>
-          <a:bodyPr/>
-          <a:lstStyle/>
-          <a:p>
-            <a:endParaRPr lang="zh-TW" altLang="en-US"/>
+        <p:spPr>
+          <a:xfrm>
+            <a:off x="838200" y="1"/>
+            <a:ext cx="10515600" cy="700517"/>
+          </a:xfrm>
+        </p:spPr>
+        <p:txBody>
+          <a:bodyPr>
+            <a:normAutofit/>
+          </a:bodyPr>
+          <a:lstStyle/>
+          <a:p>
+            <a:pPr algn="ctr"/>
+            <a:r>
+              <a:rPr lang="zh-TW" altLang="en-US" sz="3600" dirty="0" smtClean="0">
+                <a:latin typeface="Times New Roman" panose="02020603050405020304" pitchFamily="18" charset="0"/>
+                <a:ea typeface="標楷體" panose="03000509000000000000" pitchFamily="65" charset="-120"/>
+                <a:cs typeface="Times New Roman" panose="02020603050405020304" pitchFamily="18" charset="0"/>
+              </a:rPr>
+              <a:t>測試 </a:t>
+            </a:r>
+            <a:r>
+              <a:rPr lang="en-US" altLang="zh-TW" sz="3600" dirty="0" smtClean="0">
+                <a:latin typeface="Times New Roman" panose="02020603050405020304" pitchFamily="18" charset="0"/>
+                <a:ea typeface="標楷體" panose="03000509000000000000" pitchFamily="65" charset="-120"/>
+                <a:cs typeface="Times New Roman" panose="02020603050405020304" pitchFamily="18" charset="0"/>
+              </a:rPr>
+              <a:t>RESTful </a:t>
+            </a:r>
+            <a:r>
+              <a:rPr lang="en-US" altLang="zh-TW" sz="3600" dirty="0">
+                <a:latin typeface="Times New Roman" panose="02020603050405020304" pitchFamily="18" charset="0"/>
+                <a:ea typeface="標楷體" panose="03000509000000000000" pitchFamily="65" charset="-120"/>
+                <a:cs typeface="Times New Roman" panose="02020603050405020304" pitchFamily="18" charset="0"/>
+              </a:rPr>
+              <a:t>API </a:t>
+            </a:r>
+            <a:r>
+              <a:rPr lang="zh-TW" altLang="en-US" sz="3600" dirty="0" smtClean="0">
+                <a:latin typeface="Times New Roman" panose="02020603050405020304" pitchFamily="18" charset="0"/>
+                <a:ea typeface="標楷體" panose="03000509000000000000" pitchFamily="65" charset="-120"/>
+                <a:cs typeface="Times New Roman" panose="02020603050405020304" pitchFamily="18" charset="0"/>
+              </a:rPr>
+              <a:t>功能 </a:t>
+            </a:r>
+            <a:r>
+              <a:rPr lang="en-US" altLang="zh-TW" sz="3600" dirty="0" smtClean="0">
+                <a:latin typeface="Times New Roman" panose="02020603050405020304" pitchFamily="18" charset="0"/>
+                <a:ea typeface="標楷體" panose="03000509000000000000" pitchFamily="65" charset="-120"/>
+                <a:cs typeface="Times New Roman" panose="02020603050405020304" pitchFamily="18" charset="0"/>
+              </a:rPr>
+              <a:t>–</a:t>
+            </a:r>
+            <a:r>
+              <a:rPr lang="zh-TW" altLang="en-US" sz="3600" dirty="0" smtClean="0">
+                <a:latin typeface="Times New Roman" panose="02020603050405020304" pitchFamily="18" charset="0"/>
+                <a:ea typeface="標楷體" panose="03000509000000000000" pitchFamily="65" charset="-120"/>
+                <a:cs typeface="Times New Roman" panose="02020603050405020304" pitchFamily="18" charset="0"/>
+              </a:rPr>
+              <a:t> 獲取</a:t>
+            </a:r>
+            <a:r>
+              <a:rPr lang="zh-TW" altLang="en-US" sz="3600" dirty="0">
+                <a:latin typeface="Times New Roman" panose="02020603050405020304" pitchFamily="18" charset="0"/>
+                <a:ea typeface="標楷體" panose="03000509000000000000" pitchFamily="65" charset="-120"/>
+                <a:cs typeface="Times New Roman" panose="02020603050405020304" pitchFamily="18" charset="0"/>
+              </a:rPr>
+              <a:t>用戶列表</a:t>
+            </a:r>
+            <a:endParaRPr lang="zh-TW" altLang="en-US" sz="3600" dirty="0">
+              <a:latin typeface="Times New Roman" panose="02020603050405020304" pitchFamily="18" charset="0"/>
+              <a:ea typeface="標楷體" panose="03000509000000000000" pitchFamily="65" charset="-120"/>
+              <a:cs typeface="Times New Roman" panose="02020603050405020304" pitchFamily="18" charset="0"/>
+            </a:endParaRPr>
           </a:p>
         </p:txBody>
       </p:sp>
       <p:pic>
         <p:nvPicPr>
-          <p:cNvPr id="5" name="圖片 4">
-            <a:extLst>
-              <a:ext uri="{FF2B5EF4-FFF2-40B4-BE49-F238E27FC236}">
-                <a16:creationId xmlns:a16="http://schemas.microsoft.com/office/drawing/2014/main" id="{0CC8E373-1EA2-4710-B484-6C49411E779B}"/>
-              </a:ext>
-            </a:extLst>
-          </p:cNvPr>
+          <p:cNvPr id="5122" name="Picture 2"/>
           <p:cNvPicPr>
-            <a:picLocks noChangeAspect="1"/>
+            <a:picLocks noChangeAspect="1" noChangeArrowheads="1"/>
           </p:cNvPicPr>
           <p:nvPr/>
         </p:nvPicPr>
         <p:blipFill>
-          <a:blip r:embed="rId2"/>
+          <a:blip r:embed="rId2">
+            <a:extLst>
+              <a:ext uri="{28A0092B-C50C-407E-A947-70E740481C1C}">
+                <a14:useLocalDpi xmlns:a14="http://schemas.microsoft.com/office/drawing/2010/main" val="0"/>
+              </a:ext>
+            </a:extLst>
+          </a:blip>
+          <a:srcRect/>
           <a:stretch>
             <a:fillRect/>
           </a:stretch>
         </p:blipFill>
-        <p:spPr>
+        <p:spPr bwMode="auto">
           <a:xfrm>
-            <a:off x="213109" y="0"/>
-            <a:ext cx="11765782" cy="6858000"/>
+            <a:off x="1344813" y="644103"/>
+            <a:ext cx="9286281" cy="6089205"/>
           </a:xfrm>
           <a:prstGeom prst="rect">
             <a:avLst/>
           </a:prstGeom>
+          <a:noFill/>
+          <a:ln>
+            <a:noFill/>
+          </a:ln>
+          <a:effectLst/>
+          <a:extLst>
+            <a:ext uri="{909E8E84-426E-40DD-AFC4-6F175D3DCCD1}">
+              <a14:hiddenFill xmlns:a14="http://schemas.microsoft.com/office/drawing/2010/main">
+                <a:solidFill>
+                  <a:schemeClr val="accent1"/>
+                </a:solidFill>
+              </a14:hiddenFill>
+            </a:ext>
+            <a:ext uri="{91240B29-F687-4F45-9708-019B960494DF}">
+              <a14:hiddenLine xmlns:a14="http://schemas.microsoft.com/office/drawing/2010/main" w="9525">
+                <a:solidFill>
+                  <a:schemeClr val="tx1"/>
+                </a:solidFill>
+                <a:miter lim="800000"/>
+                <a:headEnd/>
+                <a:tailEnd/>
+              </a14:hiddenLine>
+            </a:ext>
+            <a:ext uri="{AF507438-7753-43E0-B8FC-AC1667EBCBE1}">
+              <a14:hiddenEffects xmlns:a14="http://schemas.microsoft.com/office/drawing/2010/main">
+                <a:effectLst>
+                  <a:outerShdw dist="35921" dir="2700000" algn="ctr" rotWithShape="0">
+                    <a:schemeClr val="bg2"/>
+                  </a:outerShdw>
+                </a:effectLst>
+              </a14:hiddenEffects>
+            </a:ext>
+          </a:extLst>
         </p:spPr>
       </p:pic>
+      <p:sp>
+        <p:nvSpPr>
+          <p:cNvPr id="4" name="文字方塊 3"/>
+          <p:cNvSpPr txBox="1"/>
+          <p:nvPr/>
+        </p:nvSpPr>
+        <p:spPr>
+          <a:xfrm>
+            <a:off x="1554479" y="1421475"/>
+            <a:ext cx="4425161" cy="369332"/>
+          </a:xfrm>
+          <a:prstGeom prst="rect">
+            <a:avLst/>
+          </a:prstGeom>
+          <a:noFill/>
+        </p:spPr>
+        <p:txBody>
+          <a:bodyPr wrap="square" rtlCol="0">
+            <a:spAutoFit/>
+          </a:bodyPr>
+          <a:lstStyle/>
+          <a:p>
+            <a:pPr algn="ctr"/>
+            <a:r>
+              <a:rPr lang="zh-TW" altLang="en-US" dirty="0" smtClean="0">
+                <a:solidFill>
+                  <a:srgbClr val="FF0000"/>
+                </a:solidFill>
+                <a:latin typeface="Times New Roman" panose="02020603050405020304" pitchFamily="18" charset="0"/>
+                <a:ea typeface="標楷體" panose="03000509000000000000" pitchFamily="65" charset="-120"/>
+                <a:cs typeface="Times New Roman" panose="02020603050405020304" pitchFamily="18" charset="0"/>
+              </a:rPr>
+              <a:t>用戶點選執行按鈕，獲取用戶列表</a:t>
+            </a:r>
+            <a:endParaRPr lang="zh-TW" altLang="en-US" dirty="0">
+              <a:solidFill>
+                <a:srgbClr val="FF0000"/>
+              </a:solidFill>
+              <a:latin typeface="Times New Roman" panose="02020603050405020304" pitchFamily="18" charset="0"/>
+              <a:ea typeface="標楷體" panose="03000509000000000000" pitchFamily="65" charset="-120"/>
+              <a:cs typeface="Times New Roman" panose="02020603050405020304" pitchFamily="18" charset="0"/>
+            </a:endParaRPr>
+          </a:p>
+        </p:txBody>
+      </p:sp>
+      <p:sp>
+        <p:nvSpPr>
+          <p:cNvPr id="5" name="文字方塊 4"/>
+          <p:cNvSpPr txBox="1"/>
+          <p:nvPr/>
+        </p:nvSpPr>
+        <p:spPr>
+          <a:xfrm>
+            <a:off x="2775853" y="4209008"/>
+            <a:ext cx="6375862" cy="369332"/>
+          </a:xfrm>
+          <a:prstGeom prst="rect">
+            <a:avLst/>
+          </a:prstGeom>
+          <a:noFill/>
+        </p:spPr>
+        <p:txBody>
+          <a:bodyPr wrap="square" rtlCol="0">
+            <a:spAutoFit/>
+          </a:bodyPr>
+          <a:lstStyle/>
+          <a:p>
+            <a:r>
+              <a:rPr lang="zh-TW" altLang="en-US" dirty="0" smtClean="0">
+                <a:solidFill>
+                  <a:srgbClr val="FF0000"/>
+                </a:solidFill>
+                <a:latin typeface="Times New Roman" panose="02020603050405020304" pitchFamily="18" charset="0"/>
+                <a:ea typeface="標楷體" panose="03000509000000000000" pitchFamily="65" charset="-120"/>
+                <a:cs typeface="Times New Roman" panose="02020603050405020304" pitchFamily="18" charset="0"/>
+              </a:rPr>
+              <a:t>獲取列表完成，輸出用戶列表內容</a:t>
+            </a:r>
+            <a:endParaRPr lang="zh-TW" altLang="en-US" dirty="0">
+              <a:solidFill>
+                <a:srgbClr val="FF0000"/>
+              </a:solidFill>
+              <a:latin typeface="Times New Roman" panose="02020603050405020304" pitchFamily="18" charset="0"/>
+              <a:ea typeface="標楷體" panose="03000509000000000000" pitchFamily="65" charset="-120"/>
+              <a:cs typeface="Times New Roman" panose="02020603050405020304" pitchFamily="18" charset="0"/>
+            </a:endParaRPr>
+          </a:p>
+        </p:txBody>
+      </p:sp>
     </p:spTree>
     <p:extLst>
       <p:ext uri="{BB962C8B-B14F-4D97-AF65-F5344CB8AC3E}">
-        <p14:creationId xmlns:p14="http://schemas.microsoft.com/office/powerpoint/2010/main" val="3209305400"/>
+        <p14:creationId xmlns:p14="http://schemas.microsoft.com/office/powerpoint/2010/main" val="1745697110"/>
       </p:ext>
     </p:extLst>
   </p:cSld>
@@ -4099,10 +4270,10 @@
       </p:grpSpPr>
       <p:sp>
         <p:nvSpPr>
-          <p:cNvPr id="2" name="標題 1">
-            <a:extLst>
-              <a:ext uri="{FF2B5EF4-FFF2-40B4-BE49-F238E27FC236}">
-                <a16:creationId xmlns:a16="http://schemas.microsoft.com/office/drawing/2014/main" id="{8AE526B9-F3D4-47BE-A6F2-B2FAFDE7FC5B}"/>
+          <p:cNvPr id="6" name="標題 1">
+            <a:extLst>
+              <a:ext uri="{FF2B5EF4-FFF2-40B4-BE49-F238E27FC236}">
+                <a16:creationId xmlns:a16="http://schemas.microsoft.com/office/drawing/2014/main" xmlns="" id="{55C61A07-21F8-459D-917F-7A7AB094CA94}"/>
               </a:ext>
             </a:extLst>
           </p:cNvPr>
@@ -4113,74 +4284,240 @@
             <p:ph type="title"/>
           </p:nvPr>
         </p:nvSpPr>
-        <p:spPr/>
-        <p:txBody>
-          <a:bodyPr/>
-          <a:lstStyle/>
-          <a:p>
-            <a:endParaRPr lang="zh-TW" altLang="en-US"/>
-          </a:p>
-        </p:txBody>
-      </p:sp>
-      <p:sp>
-        <p:nvSpPr>
-          <p:cNvPr id="3" name="內容版面配置區 2">
-            <a:extLst>
-              <a:ext uri="{FF2B5EF4-FFF2-40B4-BE49-F238E27FC236}">
-                <a16:creationId xmlns:a16="http://schemas.microsoft.com/office/drawing/2014/main" id="{2DA5B455-35B7-4DB4-A0F4-47CA267EF367}"/>
-              </a:ext>
-            </a:extLst>
-          </p:cNvPr>
-          <p:cNvSpPr>
-            <a:spLocks noGrp="1"/>
-          </p:cNvSpPr>
-          <p:nvPr>
-            <p:ph idx="1"/>
-          </p:nvPr>
-        </p:nvSpPr>
-        <p:spPr/>
-        <p:txBody>
-          <a:bodyPr/>
-          <a:lstStyle/>
-          <a:p>
-            <a:endParaRPr lang="zh-TW" altLang="en-US"/>
+        <p:spPr>
+          <a:xfrm>
+            <a:off x="838200" y="1"/>
+            <a:ext cx="10515600" cy="700517"/>
+          </a:xfrm>
+        </p:spPr>
+        <p:txBody>
+          <a:bodyPr>
+            <a:normAutofit/>
+          </a:bodyPr>
+          <a:lstStyle/>
+          <a:p>
+            <a:pPr algn="ctr"/>
+            <a:r>
+              <a:rPr lang="zh-TW" altLang="en-US" sz="3600" dirty="0" smtClean="0">
+                <a:latin typeface="Times New Roman" panose="02020603050405020304" pitchFamily="18" charset="0"/>
+                <a:ea typeface="標楷體" panose="03000509000000000000" pitchFamily="65" charset="-120"/>
+                <a:cs typeface="Times New Roman" panose="02020603050405020304" pitchFamily="18" charset="0"/>
+              </a:rPr>
+              <a:t>測試 </a:t>
+            </a:r>
+            <a:r>
+              <a:rPr lang="en-US" altLang="zh-TW" sz="3600" dirty="0" smtClean="0">
+                <a:latin typeface="Times New Roman" panose="02020603050405020304" pitchFamily="18" charset="0"/>
+                <a:ea typeface="標楷體" panose="03000509000000000000" pitchFamily="65" charset="-120"/>
+                <a:cs typeface="Times New Roman" panose="02020603050405020304" pitchFamily="18" charset="0"/>
+              </a:rPr>
+              <a:t>RESTful </a:t>
+            </a:r>
+            <a:r>
+              <a:rPr lang="en-US" altLang="zh-TW" sz="3600" dirty="0">
+                <a:latin typeface="Times New Roman" panose="02020603050405020304" pitchFamily="18" charset="0"/>
+                <a:ea typeface="標楷體" panose="03000509000000000000" pitchFamily="65" charset="-120"/>
+                <a:cs typeface="Times New Roman" panose="02020603050405020304" pitchFamily="18" charset="0"/>
+              </a:rPr>
+              <a:t>API </a:t>
+            </a:r>
+            <a:r>
+              <a:rPr lang="zh-TW" altLang="en-US" sz="3600" dirty="0" smtClean="0">
+                <a:latin typeface="Times New Roman" panose="02020603050405020304" pitchFamily="18" charset="0"/>
+                <a:ea typeface="標楷體" panose="03000509000000000000" pitchFamily="65" charset="-120"/>
+                <a:cs typeface="Times New Roman" panose="02020603050405020304" pitchFamily="18" charset="0"/>
+              </a:rPr>
+              <a:t>功能 </a:t>
+            </a:r>
+            <a:r>
+              <a:rPr lang="en-US" altLang="zh-TW" sz="3600" dirty="0" smtClean="0">
+                <a:latin typeface="Times New Roman" panose="02020603050405020304" pitchFamily="18" charset="0"/>
+                <a:ea typeface="標楷體" panose="03000509000000000000" pitchFamily="65" charset="-120"/>
+                <a:cs typeface="Times New Roman" panose="02020603050405020304" pitchFamily="18" charset="0"/>
+              </a:rPr>
+              <a:t>–</a:t>
+            </a:r>
+            <a:r>
+              <a:rPr lang="zh-TW" altLang="en-US" sz="3600" dirty="0" smtClean="0">
+                <a:latin typeface="Times New Roman" panose="02020603050405020304" pitchFamily="18" charset="0"/>
+                <a:ea typeface="標楷體" panose="03000509000000000000" pitchFamily="65" charset="-120"/>
+                <a:cs typeface="Times New Roman" panose="02020603050405020304" pitchFamily="18" charset="0"/>
+              </a:rPr>
+              <a:t> 計算</a:t>
+            </a:r>
+            <a:r>
+              <a:rPr lang="zh-TW" altLang="en-US" sz="3600" dirty="0">
+                <a:latin typeface="Times New Roman" panose="02020603050405020304" pitchFamily="18" charset="0"/>
+                <a:ea typeface="標楷體" panose="03000509000000000000" pitchFamily="65" charset="-120"/>
+                <a:cs typeface="Times New Roman" panose="02020603050405020304" pitchFamily="18" charset="0"/>
+              </a:rPr>
+              <a:t>每組用戶平均年齡</a:t>
+            </a:r>
+            <a:endParaRPr lang="zh-TW" altLang="en-US" sz="3600" dirty="0">
+              <a:latin typeface="Times New Roman" panose="02020603050405020304" pitchFamily="18" charset="0"/>
+              <a:ea typeface="標楷體" panose="03000509000000000000" pitchFamily="65" charset="-120"/>
+              <a:cs typeface="Times New Roman" panose="02020603050405020304" pitchFamily="18" charset="0"/>
+            </a:endParaRPr>
           </a:p>
         </p:txBody>
       </p:sp>
       <p:pic>
         <p:nvPicPr>
-          <p:cNvPr id="5" name="圖片 4">
-            <a:extLst>
-              <a:ext uri="{FF2B5EF4-FFF2-40B4-BE49-F238E27FC236}">
-                <a16:creationId xmlns:a16="http://schemas.microsoft.com/office/drawing/2014/main" id="{EBB91997-4893-4FF8-8A53-C075E27BAE66}"/>
-              </a:ext>
-            </a:extLst>
-          </p:cNvPr>
+          <p:cNvPr id="6146" name="Picture 2"/>
           <p:cNvPicPr>
-            <a:picLocks noChangeAspect="1"/>
+            <a:picLocks noChangeAspect="1" noChangeArrowheads="1"/>
           </p:cNvPicPr>
           <p:nvPr/>
         </p:nvPicPr>
         <p:blipFill>
-          <a:blip r:embed="rId2"/>
+          <a:blip r:embed="rId2">
+            <a:extLst>
+              <a:ext uri="{28A0092B-C50C-407E-A947-70E740481C1C}">
+                <a14:useLocalDpi xmlns:a14="http://schemas.microsoft.com/office/drawing/2010/main" val="0"/>
+              </a:ext>
+            </a:extLst>
+          </a:blip>
+          <a:srcRect/>
           <a:stretch>
             <a:fillRect/>
           </a:stretch>
         </p:blipFill>
-        <p:spPr>
+        <p:spPr bwMode="auto">
           <a:xfrm>
-            <a:off x="203290" y="0"/>
-            <a:ext cx="11785420" cy="6858000"/>
+            <a:off x="1040245" y="675794"/>
+            <a:ext cx="10023996" cy="6068171"/>
           </a:xfrm>
           <a:prstGeom prst="rect">
             <a:avLst/>
           </a:prstGeom>
+          <a:noFill/>
+          <a:ln>
+            <a:noFill/>
+          </a:ln>
+          <a:effectLst/>
+          <a:extLst>
+            <a:ext uri="{909E8E84-426E-40DD-AFC4-6F175D3DCCD1}">
+              <a14:hiddenFill xmlns:a14="http://schemas.microsoft.com/office/drawing/2010/main">
+                <a:solidFill>
+                  <a:schemeClr val="accent1"/>
+                </a:solidFill>
+              </a14:hiddenFill>
+            </a:ext>
+            <a:ext uri="{91240B29-F687-4F45-9708-019B960494DF}">
+              <a14:hiddenLine xmlns:a14="http://schemas.microsoft.com/office/drawing/2010/main" w="9525">
+                <a:solidFill>
+                  <a:schemeClr val="tx1"/>
+                </a:solidFill>
+                <a:miter lim="800000"/>
+                <a:headEnd/>
+                <a:tailEnd/>
+              </a14:hiddenLine>
+            </a:ext>
+            <a:ext uri="{AF507438-7753-43E0-B8FC-AC1667EBCBE1}">
+              <a14:hiddenEffects xmlns:a14="http://schemas.microsoft.com/office/drawing/2010/main">
+                <a:effectLst>
+                  <a:outerShdw dist="35921" dir="2700000" algn="ctr" rotWithShape="0">
+                    <a:schemeClr val="bg2"/>
+                  </a:outerShdw>
+                </a:effectLst>
+              </a14:hiddenEffects>
+            </a:ext>
+          </a:extLst>
         </p:spPr>
       </p:pic>
+      <p:sp>
+        <p:nvSpPr>
+          <p:cNvPr id="4" name="文字方塊 3"/>
+          <p:cNvSpPr txBox="1"/>
+          <p:nvPr/>
+        </p:nvSpPr>
+        <p:spPr>
+          <a:xfrm>
+            <a:off x="1271846" y="1537853"/>
+            <a:ext cx="4780397" cy="369332"/>
+          </a:xfrm>
+          <a:prstGeom prst="rect">
+            <a:avLst/>
+          </a:prstGeom>
+          <a:noFill/>
+        </p:spPr>
+        <p:txBody>
+          <a:bodyPr wrap="square" rtlCol="0">
+            <a:spAutoFit/>
+          </a:bodyPr>
+          <a:lstStyle/>
+          <a:p>
+            <a:pPr algn="ctr"/>
+            <a:r>
+              <a:rPr lang="zh-TW" altLang="en-US" dirty="0" smtClean="0">
+                <a:solidFill>
+                  <a:srgbClr val="FF0000"/>
+                </a:solidFill>
+                <a:latin typeface="Times New Roman" panose="02020603050405020304" pitchFamily="18" charset="0"/>
+                <a:ea typeface="標楷體" panose="03000509000000000000" pitchFamily="65" charset="-120"/>
+                <a:cs typeface="Times New Roman" panose="02020603050405020304" pitchFamily="18" charset="0"/>
+              </a:rPr>
+              <a:t>用戶點選執行按鈕，計算每組用戶的平均年齡</a:t>
+            </a:r>
+            <a:endParaRPr lang="zh-TW" altLang="en-US" dirty="0">
+              <a:solidFill>
+                <a:srgbClr val="FF0000"/>
+              </a:solidFill>
+              <a:latin typeface="Times New Roman" panose="02020603050405020304" pitchFamily="18" charset="0"/>
+              <a:ea typeface="標楷體" panose="03000509000000000000" pitchFamily="65" charset="-120"/>
+              <a:cs typeface="Times New Roman" panose="02020603050405020304" pitchFamily="18" charset="0"/>
+            </a:endParaRPr>
+          </a:p>
+        </p:txBody>
+      </p:sp>
+      <p:sp>
+        <p:nvSpPr>
+          <p:cNvPr id="5" name="文字方塊 4"/>
+          <p:cNvSpPr txBox="1"/>
+          <p:nvPr/>
+        </p:nvSpPr>
+        <p:spPr>
+          <a:xfrm>
+            <a:off x="2526471" y="4499953"/>
+            <a:ext cx="6375862" cy="369332"/>
+          </a:xfrm>
+          <a:prstGeom prst="rect">
+            <a:avLst/>
+          </a:prstGeom>
+          <a:noFill/>
+        </p:spPr>
+        <p:txBody>
+          <a:bodyPr wrap="square" rtlCol="0">
+            <a:spAutoFit/>
+          </a:bodyPr>
+          <a:lstStyle/>
+          <a:p>
+            <a:r>
+              <a:rPr lang="zh-TW" altLang="en-US" dirty="0" smtClean="0">
+                <a:solidFill>
+                  <a:srgbClr val="FF0000"/>
+                </a:solidFill>
+                <a:latin typeface="Times New Roman" panose="02020603050405020304" pitchFamily="18" charset="0"/>
+                <a:ea typeface="標楷體" panose="03000509000000000000" pitchFamily="65" charset="-120"/>
+                <a:cs typeface="Times New Roman" panose="02020603050405020304" pitchFamily="18" charset="0"/>
+              </a:rPr>
+              <a:t>計算完成，根據首字母計算每組用戶的平均年齡</a:t>
+            </a:r>
+            <a:endParaRPr lang="zh-TW" altLang="en-US" dirty="0">
+              <a:solidFill>
+                <a:srgbClr val="FF0000"/>
+              </a:solidFill>
+              <a:latin typeface="Times New Roman" panose="02020603050405020304" pitchFamily="18" charset="0"/>
+              <a:ea typeface="標楷體" panose="03000509000000000000" pitchFamily="65" charset="-120"/>
+              <a:cs typeface="Times New Roman" panose="02020603050405020304" pitchFamily="18" charset="0"/>
+            </a:endParaRPr>
+          </a:p>
+        </p:txBody>
+      </p:sp>
     </p:spTree>
     <p:extLst>
       <p:ext uri="{BB962C8B-B14F-4D97-AF65-F5344CB8AC3E}">
-        <p14:creationId xmlns:p14="http://schemas.microsoft.com/office/powerpoint/2010/main" val="1207829254"/>
+        <p14:creationId xmlns:p14="http://schemas.microsoft.com/office/powerpoint/2010/main" val="1745697110"/>
       </p:ext>
     </p:extLst>
   </p:cSld>
@@ -4212,7 +4549,7 @@
           <p:cNvPr id="2" name="標題 1">
             <a:extLst>
               <a:ext uri="{FF2B5EF4-FFF2-40B4-BE49-F238E27FC236}">
-                <a16:creationId xmlns:a16="http://schemas.microsoft.com/office/drawing/2014/main" id="{65AB6F02-D50A-4B21-983E-6388DAE64D74}"/>
+                <a16:creationId xmlns:a16="http://schemas.microsoft.com/office/drawing/2014/main" xmlns="" id="{A52E0534-7897-44A5-A573-56FDC52CC8F5}"/>
               </a:ext>
             </a:extLst>
           </p:cNvPr>
@@ -4228,7 +4565,27 @@
           <a:bodyPr/>
           <a:lstStyle/>
           <a:p>
-            <a:endParaRPr lang="zh-TW" altLang="en-US"/>
+            <a:r>
+              <a:rPr lang="en-US" altLang="zh-TW" dirty="0">
+                <a:latin typeface="Times New Roman" panose="02020603050405020304" pitchFamily="18" charset="0"/>
+                <a:ea typeface="標楷體" panose="03000509000000000000" pitchFamily="65" charset="-120"/>
+                <a:cs typeface="Times New Roman" panose="02020603050405020304" pitchFamily="18" charset="0"/>
+              </a:rPr>
+              <a:t>Bonus Requirement </a:t>
+            </a:r>
+            <a:r>
+              <a:rPr lang="en-US" altLang="zh-TW" dirty="0" smtClean="0">
+                <a:latin typeface="Times New Roman" panose="02020603050405020304" pitchFamily="18" charset="0"/>
+                <a:ea typeface="標楷體" panose="03000509000000000000" pitchFamily="65" charset="-120"/>
+                <a:cs typeface="Times New Roman" panose="02020603050405020304" pitchFamily="18" charset="0"/>
+              </a:rPr>
+              <a:t>#1</a:t>
+            </a:r>
+            <a:endParaRPr lang="zh-TW" altLang="en-US" dirty="0">
+              <a:latin typeface="Times New Roman" panose="02020603050405020304" pitchFamily="18" charset="0"/>
+              <a:ea typeface="標楷體" panose="03000509000000000000" pitchFamily="65" charset="-120"/>
+              <a:cs typeface="Times New Roman" panose="02020603050405020304" pitchFamily="18" charset="0"/>
+            </a:endParaRPr>
           </a:p>
         </p:txBody>
       </p:sp>
@@ -4237,7 +4594,7 @@
           <p:cNvPr id="3" name="內容版面配置區 2">
             <a:extLst>
               <a:ext uri="{FF2B5EF4-FFF2-40B4-BE49-F238E27FC236}">
-                <a16:creationId xmlns:a16="http://schemas.microsoft.com/office/drawing/2014/main" id="{7ADFAE96-5053-44AF-AFA8-4BC0590CB302}"/>
+                <a16:creationId xmlns:a16="http://schemas.microsoft.com/office/drawing/2014/main" xmlns="" id="{39DFB134-D124-431C-8829-EEABDEBC0E07}"/>
               </a:ext>
             </a:extLst>
           </p:cNvPr>
@@ -4253,16 +4610,922 @@
           <a:bodyPr/>
           <a:lstStyle/>
           <a:p>
-            <a:endParaRPr lang="zh-TW" altLang="en-US"/>
+            <a:pPr marL="514350" indent="-514350">
+              <a:buFont typeface="+mj-lt"/>
+              <a:buAutoNum type="arabicPeriod"/>
+            </a:pPr>
+            <a:r>
+              <a:rPr lang="zh-TW" altLang="en-US" dirty="0" smtClean="0">
+                <a:latin typeface="Times New Roman" panose="02020603050405020304" pitchFamily="18" charset="0"/>
+                <a:ea typeface="標楷體" panose="03000509000000000000" pitchFamily="65" charset="-120"/>
+                <a:cs typeface="Times New Roman" panose="02020603050405020304" pitchFamily="18" charset="0"/>
+              </a:rPr>
+              <a:t>用戶名稱為空</a:t>
+            </a:r>
+            <a:endParaRPr lang="en-US" altLang="zh-TW" dirty="0" smtClean="0">
+              <a:latin typeface="Times New Roman" panose="02020603050405020304" pitchFamily="18" charset="0"/>
+              <a:ea typeface="標楷體" panose="03000509000000000000" pitchFamily="65" charset="-120"/>
+              <a:cs typeface="Times New Roman" panose="02020603050405020304" pitchFamily="18" charset="0"/>
+            </a:endParaRPr>
+          </a:p>
+          <a:p>
+            <a:pPr marL="514350" indent="-514350">
+              <a:buFont typeface="+mj-lt"/>
+              <a:buAutoNum type="arabicPeriod"/>
+            </a:pPr>
+            <a:r>
+              <a:rPr lang="zh-TW" altLang="en-US" dirty="0">
+                <a:latin typeface="Times New Roman" panose="02020603050405020304" pitchFamily="18" charset="0"/>
+                <a:ea typeface="標楷體" panose="03000509000000000000" pitchFamily="65" charset="-120"/>
+                <a:cs typeface="Times New Roman" panose="02020603050405020304" pitchFamily="18" charset="0"/>
+              </a:rPr>
+              <a:t>用戶年齡檢查</a:t>
+            </a:r>
+            <a:endParaRPr lang="en-US" altLang="zh-TW" dirty="0" smtClean="0">
+              <a:latin typeface="Times New Roman" panose="02020603050405020304" pitchFamily="18" charset="0"/>
+              <a:ea typeface="標楷體" panose="03000509000000000000" pitchFamily="65" charset="-120"/>
+              <a:cs typeface="Times New Roman" panose="02020603050405020304" pitchFamily="18" charset="0"/>
+            </a:endParaRPr>
+          </a:p>
+        </p:txBody>
+      </p:sp>
+    </p:spTree>
+    <p:extLst>
+      <p:ext uri="{BB962C8B-B14F-4D97-AF65-F5344CB8AC3E}">
+        <p14:creationId xmlns:p14="http://schemas.microsoft.com/office/powerpoint/2010/main" val="1058126806"/>
+      </p:ext>
+    </p:extLst>
+  </p:cSld>
+  <p:clrMapOvr>
+    <a:masterClrMapping/>
+  </p:clrMapOvr>
+</p:sld>
+</file>
+
+<file path=ppt/slides/slide13.xml><?xml version="1.0" encoding="utf-8"?>
+<p:sld xmlns:a="http://schemas.openxmlformats.org/drawingml/2006/main" xmlns:r="http://schemas.openxmlformats.org/officeDocument/2006/relationships" xmlns:p="http://schemas.openxmlformats.org/presentationml/2006/main">
+  <p:cSld>
+    <p:spTree>
+      <p:nvGrpSpPr>
+        <p:cNvPr id="1" name=""/>
+        <p:cNvGrpSpPr/>
+        <p:nvPr/>
+      </p:nvGrpSpPr>
+      <p:grpSpPr>
+        <a:xfrm>
+          <a:off x="0" y="0"/>
+          <a:ext cx="0" cy="0"/>
+          <a:chOff x="0" y="0"/>
+          <a:chExt cx="0" cy="0"/>
+        </a:xfrm>
+      </p:grpSpPr>
+      <p:sp>
+        <p:nvSpPr>
+          <p:cNvPr id="6" name="標題 1">
+            <a:extLst>
+              <a:ext uri="{FF2B5EF4-FFF2-40B4-BE49-F238E27FC236}">
+                <a16:creationId xmlns:a16="http://schemas.microsoft.com/office/drawing/2014/main" xmlns="" id="{55C61A07-21F8-459D-917F-7A7AB094CA94}"/>
+              </a:ext>
+            </a:extLst>
+          </p:cNvPr>
+          <p:cNvSpPr>
+            <a:spLocks noGrp="1"/>
+          </p:cNvSpPr>
+          <p:nvPr>
+            <p:ph type="title"/>
+          </p:nvPr>
+        </p:nvSpPr>
+        <p:spPr>
+          <a:xfrm>
+            <a:off x="838200" y="1"/>
+            <a:ext cx="10515600" cy="700517"/>
+          </a:xfrm>
+        </p:spPr>
+        <p:txBody>
+          <a:bodyPr>
+            <a:normAutofit/>
+          </a:bodyPr>
+          <a:lstStyle/>
+          <a:p>
+            <a:pPr algn="ctr"/>
+            <a:r>
+              <a:rPr lang="en-US" altLang="zh-TW" sz="3600" dirty="0" smtClean="0">
+                <a:latin typeface="Times New Roman" panose="02020603050405020304" pitchFamily="18" charset="0"/>
+                <a:ea typeface="標楷體" panose="03000509000000000000" pitchFamily="65" charset="-120"/>
+                <a:cs typeface="Times New Roman" panose="02020603050405020304" pitchFamily="18" charset="0"/>
+              </a:rPr>
+              <a:t>Bonus Requirement #1 – </a:t>
+            </a:r>
+            <a:r>
+              <a:rPr lang="zh-TW" altLang="en-US" sz="3600" dirty="0" smtClean="0">
+                <a:latin typeface="Times New Roman" panose="02020603050405020304" pitchFamily="18" charset="0"/>
+                <a:ea typeface="標楷體" panose="03000509000000000000" pitchFamily="65" charset="-120"/>
+                <a:cs typeface="Times New Roman" panose="02020603050405020304" pitchFamily="18" charset="0"/>
+              </a:rPr>
+              <a:t>用戶名稱為空</a:t>
+            </a:r>
+            <a:endParaRPr lang="zh-TW" altLang="en-US" sz="3600" dirty="0">
+              <a:latin typeface="Times New Roman" panose="02020603050405020304" pitchFamily="18" charset="0"/>
+              <a:ea typeface="標楷體" panose="03000509000000000000" pitchFamily="65" charset="-120"/>
+              <a:cs typeface="Times New Roman" panose="02020603050405020304" pitchFamily="18" charset="0"/>
+            </a:endParaRPr>
           </a:p>
         </p:txBody>
       </p:sp>
       <p:pic>
         <p:nvPicPr>
-          <p:cNvPr id="5" name="圖片 4">
-            <a:extLst>
-              <a:ext uri="{FF2B5EF4-FFF2-40B4-BE49-F238E27FC236}">
-                <a16:creationId xmlns:a16="http://schemas.microsoft.com/office/drawing/2014/main" id="{869E1BC1-E2A9-4134-AB01-955659F959F3}"/>
+          <p:cNvPr id="7" name="Picture 2"/>
+          <p:cNvPicPr>
+            <a:picLocks noChangeAspect="1" noChangeArrowheads="1"/>
+          </p:cNvPicPr>
+          <p:nvPr/>
+        </p:nvPicPr>
+        <p:blipFill>
+          <a:blip r:embed="rId2">
+            <a:extLst>
+              <a:ext uri="{28A0092B-C50C-407E-A947-70E740481C1C}">
+                <a14:useLocalDpi xmlns:a14="http://schemas.microsoft.com/office/drawing/2010/main" val="0"/>
+              </a:ext>
+            </a:extLst>
+          </a:blip>
+          <a:srcRect/>
+          <a:stretch>
+            <a:fillRect/>
+          </a:stretch>
+        </p:blipFill>
+        <p:spPr bwMode="auto">
+          <a:xfrm>
+            <a:off x="1355693" y="606829"/>
+            <a:ext cx="9400514" cy="6192880"/>
+          </a:xfrm>
+          <a:prstGeom prst="rect">
+            <a:avLst/>
+          </a:prstGeom>
+          <a:noFill/>
+          <a:ln>
+            <a:noFill/>
+          </a:ln>
+          <a:effectLst/>
+          <a:extLst>
+            <a:ext uri="{909E8E84-426E-40DD-AFC4-6F175D3DCCD1}">
+              <a14:hiddenFill xmlns:a14="http://schemas.microsoft.com/office/drawing/2010/main">
+                <a:solidFill>
+                  <a:schemeClr val="accent1"/>
+                </a:solidFill>
+              </a14:hiddenFill>
+            </a:ext>
+            <a:ext uri="{91240B29-F687-4F45-9708-019B960494DF}">
+              <a14:hiddenLine xmlns:a14="http://schemas.microsoft.com/office/drawing/2010/main" w="9525">
+                <a:solidFill>
+                  <a:schemeClr val="tx1"/>
+                </a:solidFill>
+                <a:miter lim="800000"/>
+                <a:headEnd/>
+                <a:tailEnd/>
+              </a14:hiddenLine>
+            </a:ext>
+            <a:ext uri="{AF507438-7753-43E0-B8FC-AC1667EBCBE1}">
+              <a14:hiddenEffects xmlns:a14="http://schemas.microsoft.com/office/drawing/2010/main">
+                <a:effectLst>
+                  <a:outerShdw dist="35921" dir="2700000" algn="ctr" rotWithShape="0">
+                    <a:schemeClr val="bg2"/>
+                  </a:outerShdw>
+                </a:effectLst>
+              </a14:hiddenEffects>
+            </a:ext>
+          </a:extLst>
+        </p:spPr>
+      </p:pic>
+      <p:sp>
+        <p:nvSpPr>
+          <p:cNvPr id="8" name="文字方塊 7"/>
+          <p:cNvSpPr txBox="1"/>
+          <p:nvPr/>
+        </p:nvSpPr>
+        <p:spPr>
+          <a:xfrm>
+            <a:off x="4447308" y="2003367"/>
+            <a:ext cx="6375862" cy="369332"/>
+          </a:xfrm>
+          <a:prstGeom prst="rect">
+            <a:avLst/>
+          </a:prstGeom>
+          <a:noFill/>
+        </p:spPr>
+        <p:txBody>
+          <a:bodyPr wrap="square" rtlCol="0">
+            <a:spAutoFit/>
+          </a:bodyPr>
+          <a:lstStyle/>
+          <a:p>
+            <a:r>
+              <a:rPr lang="zh-TW" altLang="en-US" dirty="0" smtClean="0">
+                <a:solidFill>
+                  <a:srgbClr val="FF0000"/>
+                </a:solidFill>
+                <a:latin typeface="Times New Roman" panose="02020603050405020304" pitchFamily="18" charset="0"/>
+                <a:ea typeface="標楷體" panose="03000509000000000000" pitchFamily="65" charset="-120"/>
+                <a:cs typeface="Times New Roman" panose="02020603050405020304" pitchFamily="18" charset="0"/>
+              </a:rPr>
+              <a:t>用戶名稱空白，程式還是可以執行，但不會新增至用戶列表</a:t>
+            </a:r>
+            <a:endParaRPr lang="zh-TW" altLang="en-US" dirty="0">
+              <a:solidFill>
+                <a:srgbClr val="FF0000"/>
+              </a:solidFill>
+              <a:latin typeface="Times New Roman" panose="02020603050405020304" pitchFamily="18" charset="0"/>
+              <a:ea typeface="標楷體" panose="03000509000000000000" pitchFamily="65" charset="-120"/>
+              <a:cs typeface="Times New Roman" panose="02020603050405020304" pitchFamily="18" charset="0"/>
+            </a:endParaRPr>
+          </a:p>
+        </p:txBody>
+      </p:sp>
+      <p:sp>
+        <p:nvSpPr>
+          <p:cNvPr id="9" name="文字方塊 8"/>
+          <p:cNvSpPr txBox="1"/>
+          <p:nvPr/>
+        </p:nvSpPr>
+        <p:spPr>
+          <a:xfrm>
+            <a:off x="2868019" y="5806838"/>
+            <a:ext cx="6375862" cy="369332"/>
+          </a:xfrm>
+          <a:prstGeom prst="rect">
+            <a:avLst/>
+          </a:prstGeom>
+          <a:noFill/>
+        </p:spPr>
+        <p:txBody>
+          <a:bodyPr wrap="square" rtlCol="0">
+            <a:spAutoFit/>
+          </a:bodyPr>
+          <a:lstStyle/>
+          <a:p>
+            <a:r>
+              <a:rPr lang="zh-TW" altLang="en-US" dirty="0" smtClean="0">
+                <a:solidFill>
+                  <a:srgbClr val="FF0000"/>
+                </a:solidFill>
+                <a:latin typeface="Times New Roman" panose="02020603050405020304" pitchFamily="18" charset="0"/>
+                <a:ea typeface="標楷體" panose="03000509000000000000" pitchFamily="65" charset="-120"/>
+                <a:cs typeface="Times New Roman" panose="02020603050405020304" pitchFamily="18" charset="0"/>
+              </a:rPr>
+              <a:t>用戶名稱仍為必填項目，提示用戶建立但不會新增至用戶列表</a:t>
+            </a:r>
+            <a:endParaRPr lang="zh-TW" altLang="en-US" dirty="0">
+              <a:solidFill>
+                <a:srgbClr val="FF0000"/>
+              </a:solidFill>
+              <a:latin typeface="Times New Roman" panose="02020603050405020304" pitchFamily="18" charset="0"/>
+              <a:ea typeface="標楷體" panose="03000509000000000000" pitchFamily="65" charset="-120"/>
+              <a:cs typeface="Times New Roman" panose="02020603050405020304" pitchFamily="18" charset="0"/>
+            </a:endParaRPr>
+          </a:p>
+        </p:txBody>
+      </p:sp>
+    </p:spTree>
+    <p:extLst>
+      <p:ext uri="{BB962C8B-B14F-4D97-AF65-F5344CB8AC3E}">
+        <p14:creationId xmlns:p14="http://schemas.microsoft.com/office/powerpoint/2010/main" val="2375972329"/>
+      </p:ext>
+    </p:extLst>
+  </p:cSld>
+  <p:clrMapOvr>
+    <a:masterClrMapping/>
+  </p:clrMapOvr>
+</p:sld>
+</file>
+
+<file path=ppt/slides/slide14.xml><?xml version="1.0" encoding="utf-8"?>
+<p:sld xmlns:a="http://schemas.openxmlformats.org/drawingml/2006/main" xmlns:r="http://schemas.openxmlformats.org/officeDocument/2006/relationships" xmlns:p="http://schemas.openxmlformats.org/presentationml/2006/main">
+  <p:cSld>
+    <p:spTree>
+      <p:nvGrpSpPr>
+        <p:cNvPr id="1" name=""/>
+        <p:cNvGrpSpPr/>
+        <p:nvPr/>
+      </p:nvGrpSpPr>
+      <p:grpSpPr>
+        <a:xfrm>
+          <a:off x="0" y="0"/>
+          <a:ext cx="0" cy="0"/>
+          <a:chOff x="0" y="0"/>
+          <a:chExt cx="0" cy="0"/>
+        </a:xfrm>
+      </p:grpSpPr>
+      <p:sp>
+        <p:nvSpPr>
+          <p:cNvPr id="6" name="標題 1">
+            <a:extLst>
+              <a:ext uri="{FF2B5EF4-FFF2-40B4-BE49-F238E27FC236}">
+                <a16:creationId xmlns:a16="http://schemas.microsoft.com/office/drawing/2014/main" xmlns="" id="{55C61A07-21F8-459D-917F-7A7AB094CA94}"/>
+              </a:ext>
+            </a:extLst>
+          </p:cNvPr>
+          <p:cNvSpPr>
+            <a:spLocks noGrp="1"/>
+          </p:cNvSpPr>
+          <p:nvPr>
+            <p:ph type="title"/>
+          </p:nvPr>
+        </p:nvSpPr>
+        <p:spPr>
+          <a:xfrm>
+            <a:off x="838200" y="1"/>
+            <a:ext cx="10515600" cy="700517"/>
+          </a:xfrm>
+        </p:spPr>
+        <p:txBody>
+          <a:bodyPr>
+            <a:normAutofit/>
+          </a:bodyPr>
+          <a:lstStyle/>
+          <a:p>
+            <a:pPr algn="ctr"/>
+            <a:r>
+              <a:rPr lang="en-US" altLang="zh-TW" sz="3600" dirty="0" smtClean="0">
+                <a:latin typeface="Times New Roman" panose="02020603050405020304" pitchFamily="18" charset="0"/>
+                <a:ea typeface="標楷體" panose="03000509000000000000" pitchFamily="65" charset="-120"/>
+                <a:cs typeface="Times New Roman" panose="02020603050405020304" pitchFamily="18" charset="0"/>
+              </a:rPr>
+              <a:t>Bonus Requirement #1 – </a:t>
+            </a:r>
+            <a:r>
+              <a:rPr lang="zh-TW" altLang="en-US" sz="3600" dirty="0" smtClean="0">
+                <a:latin typeface="Times New Roman" panose="02020603050405020304" pitchFamily="18" charset="0"/>
+                <a:ea typeface="標楷體" panose="03000509000000000000" pitchFamily="65" charset="-120"/>
+                <a:cs typeface="Times New Roman" panose="02020603050405020304" pitchFamily="18" charset="0"/>
+              </a:rPr>
+              <a:t>用戶年齡檢查</a:t>
+            </a:r>
+            <a:endParaRPr lang="zh-TW" altLang="en-US" sz="3600" dirty="0">
+              <a:latin typeface="Times New Roman" panose="02020603050405020304" pitchFamily="18" charset="0"/>
+              <a:ea typeface="標楷體" panose="03000509000000000000" pitchFamily="65" charset="-120"/>
+              <a:cs typeface="Times New Roman" panose="02020603050405020304" pitchFamily="18" charset="0"/>
+            </a:endParaRPr>
+          </a:p>
+        </p:txBody>
+      </p:sp>
+      <p:pic>
+        <p:nvPicPr>
+          <p:cNvPr id="8194" name="Picture 2"/>
+          <p:cNvPicPr>
+            <a:picLocks noChangeAspect="1" noChangeArrowheads="1"/>
+          </p:cNvPicPr>
+          <p:nvPr/>
+        </p:nvPicPr>
+        <p:blipFill>
+          <a:blip r:embed="rId2">
+            <a:extLst>
+              <a:ext uri="{28A0092B-C50C-407E-A947-70E740481C1C}">
+                <a14:useLocalDpi xmlns:a14="http://schemas.microsoft.com/office/drawing/2010/main" val="0"/>
+              </a:ext>
+            </a:extLst>
+          </a:blip>
+          <a:srcRect/>
+          <a:stretch>
+            <a:fillRect/>
+          </a:stretch>
+        </p:blipFill>
+        <p:spPr bwMode="auto">
+          <a:xfrm>
+            <a:off x="1356666" y="582186"/>
+            <a:ext cx="9403291" cy="6275811"/>
+          </a:xfrm>
+          <a:prstGeom prst="rect">
+            <a:avLst/>
+          </a:prstGeom>
+          <a:noFill/>
+          <a:ln>
+            <a:noFill/>
+          </a:ln>
+          <a:effectLst/>
+          <a:extLst>
+            <a:ext uri="{909E8E84-426E-40DD-AFC4-6F175D3DCCD1}">
+              <a14:hiddenFill xmlns:a14="http://schemas.microsoft.com/office/drawing/2010/main">
+                <a:solidFill>
+                  <a:schemeClr val="accent1"/>
+                </a:solidFill>
+              </a14:hiddenFill>
+            </a:ext>
+            <a:ext uri="{91240B29-F687-4F45-9708-019B960494DF}">
+              <a14:hiddenLine xmlns:a14="http://schemas.microsoft.com/office/drawing/2010/main" w="9525">
+                <a:solidFill>
+                  <a:schemeClr val="tx1"/>
+                </a:solidFill>
+                <a:miter lim="800000"/>
+                <a:headEnd/>
+                <a:tailEnd/>
+              </a14:hiddenLine>
+            </a:ext>
+            <a:ext uri="{AF507438-7753-43E0-B8FC-AC1667EBCBE1}">
+              <a14:hiddenEffects xmlns:a14="http://schemas.microsoft.com/office/drawing/2010/main">
+                <a:effectLst>
+                  <a:outerShdw dist="35921" dir="2700000" algn="ctr" rotWithShape="0">
+                    <a:schemeClr val="bg2"/>
+                  </a:outerShdw>
+                </a:effectLst>
+              </a14:hiddenEffects>
+            </a:ext>
+          </a:extLst>
+        </p:spPr>
+      </p:pic>
+      <p:sp>
+        <p:nvSpPr>
+          <p:cNvPr id="8" name="文字方塊 7"/>
+          <p:cNvSpPr txBox="1"/>
+          <p:nvPr/>
+        </p:nvSpPr>
+        <p:spPr>
+          <a:xfrm>
+            <a:off x="4447308" y="2668407"/>
+            <a:ext cx="6375862" cy="369332"/>
+          </a:xfrm>
+          <a:prstGeom prst="rect">
+            <a:avLst/>
+          </a:prstGeom>
+          <a:noFill/>
+        </p:spPr>
+        <p:txBody>
+          <a:bodyPr wrap="square" rtlCol="0">
+            <a:spAutoFit/>
+          </a:bodyPr>
+          <a:lstStyle/>
+          <a:p>
+            <a:r>
+              <a:rPr lang="zh-TW" altLang="en-US" dirty="0">
+                <a:solidFill>
+                  <a:srgbClr val="FF0000"/>
+                </a:solidFill>
+                <a:latin typeface="Times New Roman" panose="02020603050405020304" pitchFamily="18" charset="0"/>
+                <a:ea typeface="標楷體" panose="03000509000000000000" pitchFamily="65" charset="-120"/>
+                <a:cs typeface="Times New Roman" panose="02020603050405020304" pitchFamily="18" charset="0"/>
+              </a:rPr>
+              <a:t>輸入</a:t>
+            </a:r>
+            <a:r>
+              <a:rPr lang="zh-TW" altLang="en-US" dirty="0" smtClean="0">
+                <a:solidFill>
+                  <a:srgbClr val="FF0000"/>
+                </a:solidFill>
+                <a:latin typeface="Times New Roman" panose="02020603050405020304" pitchFamily="18" charset="0"/>
+                <a:ea typeface="標楷體" panose="03000509000000000000" pitchFamily="65" charset="-120"/>
+                <a:cs typeface="Times New Roman" panose="02020603050405020304" pitchFamily="18" charset="0"/>
+              </a:rPr>
+              <a:t>年齡範圍不合理</a:t>
+            </a:r>
+            <a:r>
+              <a:rPr lang="en-US" altLang="zh-TW" dirty="0" smtClean="0">
+                <a:solidFill>
+                  <a:srgbClr val="FF0000"/>
+                </a:solidFill>
+                <a:latin typeface="Times New Roman" panose="02020603050405020304" pitchFamily="18" charset="0"/>
+                <a:ea typeface="標楷體" panose="03000509000000000000" pitchFamily="65" charset="-120"/>
+                <a:cs typeface="Times New Roman" panose="02020603050405020304" pitchFamily="18" charset="0"/>
+              </a:rPr>
+              <a:t>(0</a:t>
+            </a:r>
+            <a:r>
+              <a:rPr lang="zh-TW" altLang="en-US" dirty="0" smtClean="0">
+                <a:solidFill>
+                  <a:srgbClr val="FF0000"/>
+                </a:solidFill>
+                <a:latin typeface="Times New Roman" panose="02020603050405020304" pitchFamily="18" charset="0"/>
+                <a:ea typeface="標楷體" panose="03000509000000000000" pitchFamily="65" charset="-120"/>
+                <a:cs typeface="Times New Roman" panose="02020603050405020304" pitchFamily="18" charset="0"/>
+              </a:rPr>
+              <a:t>至</a:t>
+            </a:r>
+            <a:r>
+              <a:rPr lang="en-US" altLang="zh-TW" dirty="0" smtClean="0">
+                <a:solidFill>
+                  <a:srgbClr val="FF0000"/>
+                </a:solidFill>
+                <a:latin typeface="Times New Roman" panose="02020603050405020304" pitchFamily="18" charset="0"/>
+                <a:ea typeface="標楷體" panose="03000509000000000000" pitchFamily="65" charset="-120"/>
+                <a:cs typeface="Times New Roman" panose="02020603050405020304" pitchFamily="18" charset="0"/>
+              </a:rPr>
+              <a:t>125</a:t>
+            </a:r>
+            <a:r>
+              <a:rPr lang="zh-TW" altLang="en-US" dirty="0" smtClean="0">
+                <a:solidFill>
+                  <a:srgbClr val="FF0000"/>
+                </a:solidFill>
+                <a:latin typeface="Times New Roman" panose="02020603050405020304" pitchFamily="18" charset="0"/>
+                <a:ea typeface="標楷體" panose="03000509000000000000" pitchFamily="65" charset="-120"/>
+                <a:cs typeface="Times New Roman" panose="02020603050405020304" pitchFamily="18" charset="0"/>
+              </a:rPr>
+              <a:t>之間的整數</a:t>
+            </a:r>
+            <a:r>
+              <a:rPr lang="en-US" altLang="zh-TW" dirty="0" smtClean="0">
+                <a:solidFill>
+                  <a:srgbClr val="FF0000"/>
+                </a:solidFill>
+                <a:latin typeface="Times New Roman" panose="02020603050405020304" pitchFamily="18" charset="0"/>
+                <a:ea typeface="標楷體" panose="03000509000000000000" pitchFamily="65" charset="-120"/>
+                <a:cs typeface="Times New Roman" panose="02020603050405020304" pitchFamily="18" charset="0"/>
+              </a:rPr>
+              <a:t>)</a:t>
+            </a:r>
+            <a:r>
+              <a:rPr lang="zh-TW" altLang="en-US" dirty="0" smtClean="0">
+                <a:solidFill>
+                  <a:srgbClr val="FF0000"/>
+                </a:solidFill>
+                <a:latin typeface="Times New Roman" panose="02020603050405020304" pitchFamily="18" charset="0"/>
+                <a:ea typeface="標楷體" panose="03000509000000000000" pitchFamily="65" charset="-120"/>
+                <a:cs typeface="Times New Roman" panose="02020603050405020304" pitchFamily="18" charset="0"/>
+              </a:rPr>
+              <a:t>，回報錯誤訊息</a:t>
+            </a:r>
+            <a:endParaRPr lang="zh-TW" altLang="en-US" dirty="0">
+              <a:solidFill>
+                <a:srgbClr val="FF0000"/>
+              </a:solidFill>
+              <a:latin typeface="Times New Roman" panose="02020603050405020304" pitchFamily="18" charset="0"/>
+              <a:ea typeface="標楷體" panose="03000509000000000000" pitchFamily="65" charset="-120"/>
+              <a:cs typeface="Times New Roman" panose="02020603050405020304" pitchFamily="18" charset="0"/>
+            </a:endParaRPr>
+          </a:p>
+        </p:txBody>
+      </p:sp>
+      <p:sp>
+        <p:nvSpPr>
+          <p:cNvPr id="9" name="文字方塊 8"/>
+          <p:cNvSpPr txBox="1"/>
+          <p:nvPr/>
+        </p:nvSpPr>
+        <p:spPr>
+          <a:xfrm>
+            <a:off x="3075837" y="5969333"/>
+            <a:ext cx="6375862" cy="369332"/>
+          </a:xfrm>
+          <a:prstGeom prst="rect">
+            <a:avLst/>
+          </a:prstGeom>
+          <a:noFill/>
+        </p:spPr>
+        <p:txBody>
+          <a:bodyPr wrap="square" rtlCol="0">
+            <a:spAutoFit/>
+          </a:bodyPr>
+          <a:lstStyle/>
+          <a:p>
+            <a:r>
+              <a:rPr lang="zh-TW" altLang="en-US" dirty="0" smtClean="0">
+                <a:solidFill>
+                  <a:srgbClr val="FF0000"/>
+                </a:solidFill>
+                <a:latin typeface="Times New Roman" panose="02020603050405020304" pitchFamily="18" charset="0"/>
+                <a:ea typeface="標楷體" panose="03000509000000000000" pitchFamily="65" charset="-120"/>
+                <a:cs typeface="Times New Roman" panose="02020603050405020304" pitchFamily="18" charset="0"/>
+              </a:rPr>
+              <a:t>錯誤訊息</a:t>
+            </a:r>
+            <a:r>
+              <a:rPr lang="en-US" altLang="zh-TW" dirty="0" smtClean="0">
+                <a:solidFill>
+                  <a:srgbClr val="FF0000"/>
+                </a:solidFill>
+                <a:latin typeface="Times New Roman" panose="02020603050405020304" pitchFamily="18" charset="0"/>
+                <a:ea typeface="標楷體" panose="03000509000000000000" pitchFamily="65" charset="-120"/>
+                <a:cs typeface="Times New Roman" panose="02020603050405020304" pitchFamily="18" charset="0"/>
+              </a:rPr>
+              <a:t>:</a:t>
+            </a:r>
+            <a:r>
+              <a:rPr lang="zh-TW" altLang="en-US" dirty="0" smtClean="0">
+                <a:solidFill>
+                  <a:srgbClr val="FF0000"/>
+                </a:solidFill>
+                <a:latin typeface="Times New Roman" panose="02020603050405020304" pitchFamily="18" charset="0"/>
+                <a:ea typeface="標楷體" panose="03000509000000000000" pitchFamily="65" charset="-120"/>
+                <a:cs typeface="Times New Roman" panose="02020603050405020304" pitchFamily="18" charset="0"/>
+              </a:rPr>
+              <a:t> </a:t>
+            </a:r>
+            <a:r>
+              <a:rPr lang="en-US" altLang="zh-TW" dirty="0" smtClean="0">
+                <a:solidFill>
+                  <a:srgbClr val="FF0000"/>
+                </a:solidFill>
+                <a:latin typeface="Times New Roman" panose="02020603050405020304" pitchFamily="18" charset="0"/>
+                <a:ea typeface="標楷體" panose="03000509000000000000" pitchFamily="65" charset="-120"/>
+                <a:cs typeface="Times New Roman" panose="02020603050405020304" pitchFamily="18" charset="0"/>
+              </a:rPr>
+              <a:t>Age out of range </a:t>
+            </a:r>
+            <a:r>
+              <a:rPr lang="zh-TW" altLang="en-US" dirty="0" smtClean="0">
+                <a:solidFill>
+                  <a:srgbClr val="FF0000"/>
+                </a:solidFill>
+                <a:latin typeface="Times New Roman" panose="02020603050405020304" pitchFamily="18" charset="0"/>
+                <a:ea typeface="標楷體" panose="03000509000000000000" pitchFamily="65" charset="-120"/>
+                <a:cs typeface="Times New Roman" panose="02020603050405020304" pitchFamily="18" charset="0"/>
+              </a:rPr>
+              <a:t>且不會寫入用戶列表</a:t>
+            </a:r>
+            <a:endParaRPr lang="zh-TW" altLang="en-US" dirty="0">
+              <a:solidFill>
+                <a:srgbClr val="FF0000"/>
+              </a:solidFill>
+              <a:latin typeface="Times New Roman" panose="02020603050405020304" pitchFamily="18" charset="0"/>
+              <a:ea typeface="標楷體" panose="03000509000000000000" pitchFamily="65" charset="-120"/>
+              <a:cs typeface="Times New Roman" panose="02020603050405020304" pitchFamily="18" charset="0"/>
+            </a:endParaRPr>
+          </a:p>
+        </p:txBody>
+      </p:sp>
+    </p:spTree>
+    <p:extLst>
+      <p:ext uri="{BB962C8B-B14F-4D97-AF65-F5344CB8AC3E}">
+        <p14:creationId xmlns:p14="http://schemas.microsoft.com/office/powerpoint/2010/main" val="1669281137"/>
+      </p:ext>
+    </p:extLst>
+  </p:cSld>
+  <p:clrMapOvr>
+    <a:masterClrMapping/>
+  </p:clrMapOvr>
+</p:sld>
+</file>
+
+<file path=ppt/slides/slide15.xml><?xml version="1.0" encoding="utf-8"?>
+<p:sld xmlns:a="http://schemas.openxmlformats.org/drawingml/2006/main" xmlns:r="http://schemas.openxmlformats.org/officeDocument/2006/relationships" xmlns:p="http://schemas.openxmlformats.org/presentationml/2006/main">
+  <p:cSld>
+    <p:spTree>
+      <p:nvGrpSpPr>
+        <p:cNvPr id="1" name=""/>
+        <p:cNvGrpSpPr/>
+        <p:nvPr/>
+      </p:nvGrpSpPr>
+      <p:grpSpPr>
+        <a:xfrm>
+          <a:off x="0" y="0"/>
+          <a:ext cx="0" cy="0"/>
+          <a:chOff x="0" y="0"/>
+          <a:chExt cx="0" cy="0"/>
+        </a:xfrm>
+      </p:grpSpPr>
+      <p:sp>
+        <p:nvSpPr>
+          <p:cNvPr id="2" name="標題 1">
+            <a:extLst>
+              <a:ext uri="{FF2B5EF4-FFF2-40B4-BE49-F238E27FC236}">
+                <a16:creationId xmlns:a16="http://schemas.microsoft.com/office/drawing/2014/main" xmlns="" id="{A52E0534-7897-44A5-A573-56FDC52CC8F5}"/>
+              </a:ext>
+            </a:extLst>
+          </p:cNvPr>
+          <p:cNvSpPr>
+            <a:spLocks noGrp="1"/>
+          </p:cNvSpPr>
+          <p:nvPr>
+            <p:ph type="title"/>
+          </p:nvPr>
+        </p:nvSpPr>
+        <p:spPr/>
+        <p:txBody>
+          <a:bodyPr/>
+          <a:lstStyle/>
+          <a:p>
+            <a:r>
+              <a:rPr lang="en-US" altLang="zh-TW" dirty="0">
+                <a:latin typeface="Times New Roman" panose="02020603050405020304" pitchFamily="18" charset="0"/>
+                <a:ea typeface="標楷體" panose="03000509000000000000" pitchFamily="65" charset="-120"/>
+                <a:cs typeface="Times New Roman" panose="02020603050405020304" pitchFamily="18" charset="0"/>
+              </a:rPr>
+              <a:t>Bonus Requirement #2</a:t>
+            </a:r>
+            <a:endParaRPr lang="zh-TW" altLang="en-US" dirty="0">
+              <a:latin typeface="Times New Roman" panose="02020603050405020304" pitchFamily="18" charset="0"/>
+              <a:ea typeface="標楷體" panose="03000509000000000000" pitchFamily="65" charset="-120"/>
+              <a:cs typeface="Times New Roman" panose="02020603050405020304" pitchFamily="18" charset="0"/>
+            </a:endParaRPr>
+          </a:p>
+        </p:txBody>
+      </p:sp>
+      <p:sp>
+        <p:nvSpPr>
+          <p:cNvPr id="3" name="內容版面配置區 2">
+            <a:extLst>
+              <a:ext uri="{FF2B5EF4-FFF2-40B4-BE49-F238E27FC236}">
+                <a16:creationId xmlns:a16="http://schemas.microsoft.com/office/drawing/2014/main" xmlns="" id="{39DFB134-D124-431C-8829-EEABDEBC0E07}"/>
+              </a:ext>
+            </a:extLst>
+          </p:cNvPr>
+          <p:cNvSpPr>
+            <a:spLocks noGrp="1"/>
+          </p:cNvSpPr>
+          <p:nvPr>
+            <p:ph idx="1"/>
+          </p:nvPr>
+        </p:nvSpPr>
+        <p:spPr/>
+        <p:txBody>
+          <a:bodyPr/>
+          <a:lstStyle/>
+          <a:p>
+            <a:pPr marL="514350" indent="-514350">
+              <a:buFont typeface="+mj-lt"/>
+              <a:buAutoNum type="arabicPeriod"/>
+            </a:pPr>
+            <a:r>
+              <a:rPr lang="zh-TW" altLang="en-US" dirty="0" smtClean="0">
+                <a:latin typeface="Times New Roman" panose="02020603050405020304" pitchFamily="18" charset="0"/>
+                <a:ea typeface="標楷體" panose="03000509000000000000" pitchFamily="65" charset="-120"/>
+                <a:cs typeface="Times New Roman" panose="02020603050405020304" pitchFamily="18" charset="0"/>
+              </a:rPr>
+              <a:t>建立 </a:t>
+            </a:r>
+            <a:r>
+              <a:rPr lang="en-US" altLang="zh-TW" dirty="0" err="1" smtClean="0">
+                <a:latin typeface="Times New Roman" panose="02020603050405020304" pitchFamily="18" charset="0"/>
+                <a:ea typeface="標楷體" panose="03000509000000000000" pitchFamily="65" charset="-120"/>
+                <a:cs typeface="Times New Roman" panose="02020603050405020304" pitchFamily="18" charset="0"/>
+              </a:rPr>
+              <a:t>Dockerfile</a:t>
+            </a:r>
+            <a:endParaRPr lang="en-US" altLang="zh-TW" dirty="0" smtClean="0">
+              <a:latin typeface="Times New Roman" panose="02020603050405020304" pitchFamily="18" charset="0"/>
+              <a:ea typeface="標楷體" panose="03000509000000000000" pitchFamily="65" charset="-120"/>
+              <a:cs typeface="Times New Roman" panose="02020603050405020304" pitchFamily="18" charset="0"/>
+            </a:endParaRPr>
+          </a:p>
+          <a:p>
+            <a:pPr marL="514350" indent="-514350">
+              <a:buFont typeface="+mj-lt"/>
+              <a:buAutoNum type="arabicPeriod"/>
+            </a:pPr>
+            <a:r>
+              <a:rPr lang="zh-TW" altLang="en-US" dirty="0" smtClean="0">
+                <a:latin typeface="Times New Roman" panose="02020603050405020304" pitchFamily="18" charset="0"/>
+                <a:ea typeface="標楷體" panose="03000509000000000000" pitchFamily="65" charset="-120"/>
+                <a:cs typeface="Times New Roman" panose="02020603050405020304" pitchFamily="18" charset="0"/>
+              </a:rPr>
+              <a:t>建立 </a:t>
+            </a:r>
+            <a:r>
+              <a:rPr lang="en-US" altLang="zh-TW" dirty="0" smtClean="0">
+                <a:latin typeface="Times New Roman" panose="02020603050405020304" pitchFamily="18" charset="0"/>
+                <a:ea typeface="標楷體" panose="03000509000000000000" pitchFamily="65" charset="-120"/>
+                <a:cs typeface="Times New Roman" panose="02020603050405020304" pitchFamily="18" charset="0"/>
+              </a:rPr>
+              <a:t>requirement.txt</a:t>
+            </a:r>
+          </a:p>
+          <a:p>
+            <a:pPr marL="514350" indent="-514350">
+              <a:buFont typeface="+mj-lt"/>
+              <a:buAutoNum type="arabicPeriod"/>
+            </a:pPr>
+            <a:r>
+              <a:rPr lang="zh-TW" altLang="en-US" dirty="0" smtClean="0">
+                <a:latin typeface="Times New Roman" panose="02020603050405020304" pitchFamily="18" charset="0"/>
+                <a:ea typeface="標楷體" panose="03000509000000000000" pitchFamily="65" charset="-120"/>
+                <a:cs typeface="Times New Roman" panose="02020603050405020304" pitchFamily="18" charset="0"/>
+              </a:rPr>
+              <a:t>建立 </a:t>
+            </a:r>
+            <a:r>
+              <a:rPr lang="en-US" altLang="zh-TW" dirty="0" smtClean="0">
+                <a:latin typeface="Times New Roman" panose="02020603050405020304" pitchFamily="18" charset="0"/>
+                <a:ea typeface="標楷體" panose="03000509000000000000" pitchFamily="65" charset="-120"/>
+                <a:cs typeface="Times New Roman" panose="02020603050405020304" pitchFamily="18" charset="0"/>
+              </a:rPr>
+              <a:t>Docker compose</a:t>
+            </a:r>
+          </a:p>
+          <a:p>
+            <a:pPr marL="514350" indent="-514350">
+              <a:buFont typeface="+mj-lt"/>
+              <a:buAutoNum type="arabicPeriod"/>
+            </a:pPr>
+            <a:r>
+              <a:rPr lang="zh-TW" altLang="en-US" dirty="0" smtClean="0">
+                <a:latin typeface="Times New Roman" panose="02020603050405020304" pitchFamily="18" charset="0"/>
+                <a:ea typeface="標楷體" panose="03000509000000000000" pitchFamily="65" charset="-120"/>
+                <a:cs typeface="Times New Roman" panose="02020603050405020304" pitchFamily="18" charset="0"/>
+              </a:rPr>
+              <a:t>建立 </a:t>
+            </a:r>
+            <a:r>
+              <a:rPr lang="en-US" altLang="zh-TW" dirty="0" smtClean="0">
+                <a:latin typeface="Times New Roman" panose="02020603050405020304" pitchFamily="18" charset="0"/>
+                <a:ea typeface="標楷體" panose="03000509000000000000" pitchFamily="65" charset="-120"/>
+                <a:cs typeface="Times New Roman" panose="02020603050405020304" pitchFamily="18" charset="0"/>
+              </a:rPr>
+              <a:t>Docker </a:t>
+            </a:r>
+            <a:r>
+              <a:rPr lang="zh-TW" altLang="en-US" dirty="0" smtClean="0">
+                <a:latin typeface="Times New Roman" panose="02020603050405020304" pitchFamily="18" charset="0"/>
+                <a:ea typeface="標楷體" panose="03000509000000000000" pitchFamily="65" charset="-120"/>
+                <a:cs typeface="Times New Roman" panose="02020603050405020304" pitchFamily="18" charset="0"/>
+              </a:rPr>
+              <a:t>映像檔</a:t>
+            </a:r>
+            <a:endParaRPr lang="en-US" altLang="zh-TW" dirty="0">
+              <a:latin typeface="Times New Roman" panose="02020603050405020304" pitchFamily="18" charset="0"/>
+              <a:ea typeface="標楷體" panose="03000509000000000000" pitchFamily="65" charset="-120"/>
+              <a:cs typeface="Times New Roman" panose="02020603050405020304" pitchFamily="18" charset="0"/>
+            </a:endParaRPr>
+          </a:p>
+          <a:p>
+            <a:pPr marL="514350" indent="-514350">
+              <a:buFont typeface="+mj-lt"/>
+              <a:buAutoNum type="arabicPeriod"/>
+            </a:pPr>
+            <a:r>
+              <a:rPr lang="zh-TW" altLang="en-US" dirty="0" smtClean="0">
+                <a:latin typeface="Times New Roman" panose="02020603050405020304" pitchFamily="18" charset="0"/>
+                <a:ea typeface="標楷體" panose="03000509000000000000" pitchFamily="65" charset="-120"/>
+                <a:cs typeface="Times New Roman" panose="02020603050405020304" pitchFamily="18" charset="0"/>
+              </a:rPr>
+              <a:t>執行 </a:t>
+            </a:r>
+            <a:r>
+              <a:rPr lang="en-US" altLang="zh-TW" dirty="0" smtClean="0">
+                <a:latin typeface="Times New Roman" panose="02020603050405020304" pitchFamily="18" charset="0"/>
+                <a:ea typeface="標楷體" panose="03000509000000000000" pitchFamily="65" charset="-120"/>
+                <a:cs typeface="Times New Roman" panose="02020603050405020304" pitchFamily="18" charset="0"/>
+              </a:rPr>
+              <a:t>Docker </a:t>
+            </a:r>
+            <a:r>
+              <a:rPr lang="zh-TW" altLang="en-US" dirty="0" smtClean="0">
+                <a:latin typeface="Times New Roman" panose="02020603050405020304" pitchFamily="18" charset="0"/>
+                <a:ea typeface="標楷體" panose="03000509000000000000" pitchFamily="65" charset="-120"/>
+                <a:cs typeface="Times New Roman" panose="02020603050405020304" pitchFamily="18" charset="0"/>
+              </a:rPr>
+              <a:t>容器</a:t>
+            </a:r>
+            <a:endParaRPr lang="en-US" altLang="zh-TW" dirty="0" smtClean="0">
+              <a:latin typeface="Times New Roman" panose="02020603050405020304" pitchFamily="18" charset="0"/>
+              <a:ea typeface="標楷體" panose="03000509000000000000" pitchFamily="65" charset="-120"/>
+              <a:cs typeface="Times New Roman" panose="02020603050405020304" pitchFamily="18" charset="0"/>
+            </a:endParaRPr>
+          </a:p>
+          <a:p>
+            <a:pPr marL="0" indent="0">
+              <a:buNone/>
+            </a:pPr>
+            <a:r>
+              <a:rPr lang="en-US" altLang="zh-TW" dirty="0" smtClean="0">
+                <a:latin typeface="Times New Roman" panose="02020603050405020304" pitchFamily="18" charset="0"/>
+                <a:ea typeface="標楷體" panose="03000509000000000000" pitchFamily="65" charset="-120"/>
+                <a:cs typeface="Times New Roman" panose="02020603050405020304" pitchFamily="18" charset="0"/>
+              </a:rPr>
+              <a:t>(</a:t>
+            </a:r>
+            <a:r>
+              <a:rPr lang="zh-TW" altLang="en-US" dirty="0" smtClean="0">
+                <a:latin typeface="Times New Roman" panose="02020603050405020304" pitchFamily="18" charset="0"/>
+                <a:ea typeface="標楷體" panose="03000509000000000000" pitchFamily="65" charset="-120"/>
+                <a:cs typeface="Times New Roman" panose="02020603050405020304" pitchFamily="18" charset="0"/>
+              </a:rPr>
+              <a:t>利用 </a:t>
+            </a:r>
+            <a:r>
+              <a:rPr lang="en-US" altLang="zh-TW" dirty="0" smtClean="0">
+                <a:latin typeface="Times New Roman" panose="02020603050405020304" pitchFamily="18" charset="0"/>
+                <a:ea typeface="標楷體" panose="03000509000000000000" pitchFamily="65" charset="-120"/>
+                <a:cs typeface="Times New Roman" panose="02020603050405020304" pitchFamily="18" charset="0"/>
+              </a:rPr>
+              <a:t>Docker Desktop </a:t>
+            </a:r>
+            <a:r>
+              <a:rPr lang="zh-TW" altLang="en-US" dirty="0" smtClean="0">
+                <a:latin typeface="Times New Roman" panose="02020603050405020304" pitchFamily="18" charset="0"/>
+                <a:ea typeface="標楷體" panose="03000509000000000000" pitchFamily="65" charset="-120"/>
+                <a:cs typeface="Times New Roman" panose="02020603050405020304" pitchFamily="18" charset="0"/>
+              </a:rPr>
+              <a:t>點選即可啟用</a:t>
+            </a:r>
+            <a:r>
+              <a:rPr lang="en-US" altLang="zh-TW" dirty="0" smtClean="0">
+                <a:latin typeface="Times New Roman" panose="02020603050405020304" pitchFamily="18" charset="0"/>
+                <a:ea typeface="標楷體" panose="03000509000000000000" pitchFamily="65" charset="-120"/>
+                <a:cs typeface="Times New Roman" panose="02020603050405020304" pitchFamily="18" charset="0"/>
+              </a:rPr>
+              <a:t>)</a:t>
+            </a:r>
+            <a:endParaRPr lang="en-US" altLang="zh-TW" dirty="0" smtClean="0">
+              <a:latin typeface="Times New Roman" panose="02020603050405020304" pitchFamily="18" charset="0"/>
+              <a:ea typeface="標楷體" panose="03000509000000000000" pitchFamily="65" charset="-120"/>
+              <a:cs typeface="Times New Roman" panose="02020603050405020304" pitchFamily="18" charset="0"/>
+            </a:endParaRPr>
+          </a:p>
+        </p:txBody>
+      </p:sp>
+      <p:pic>
+        <p:nvPicPr>
+          <p:cNvPr id="4" name="內容版面配置區 6">
+            <a:extLst>
+              <a:ext uri="{FF2B5EF4-FFF2-40B4-BE49-F238E27FC236}">
+                <a16:creationId xmlns:a16="http://schemas.microsoft.com/office/drawing/2014/main" xmlns="" id="{664BB96F-A986-447F-9602-2CA36DD86B7B}"/>
               </a:ext>
             </a:extLst>
           </p:cNvPr>
@@ -4279,8 +5542,607 @@
         </p:blipFill>
         <p:spPr>
           <a:xfrm>
-            <a:off x="0" y="513245"/>
-            <a:ext cx="12192000" cy="5831510"/>
+            <a:off x="7398326" y="4040306"/>
+            <a:ext cx="4635721" cy="1049136"/>
+          </a:xfrm>
+          <a:prstGeom prst="rect">
+            <a:avLst/>
+          </a:prstGeom>
+        </p:spPr>
+      </p:pic>
+      <p:pic>
+        <p:nvPicPr>
+          <p:cNvPr id="5" name="圖片 4">
+            <a:extLst>
+              <a:ext uri="{FF2B5EF4-FFF2-40B4-BE49-F238E27FC236}">
+                <a16:creationId xmlns:a16="http://schemas.microsoft.com/office/drawing/2014/main" xmlns="" id="{DC0C9BB0-279F-4D2D-8BA9-5DB94A407B69}"/>
+              </a:ext>
+            </a:extLst>
+          </p:cNvPr>
+          <p:cNvPicPr>
+            <a:picLocks noChangeAspect="1"/>
+          </p:cNvPicPr>
+          <p:nvPr/>
+        </p:nvPicPr>
+        <p:blipFill>
+          <a:blip r:embed="rId3"/>
+          <a:stretch>
+            <a:fillRect/>
+          </a:stretch>
+        </p:blipFill>
+        <p:spPr>
+          <a:xfrm>
+            <a:off x="7398327" y="193471"/>
+            <a:ext cx="4635721" cy="3846835"/>
+          </a:xfrm>
+          <a:prstGeom prst="rect">
+            <a:avLst/>
+          </a:prstGeom>
+        </p:spPr>
+      </p:pic>
+      <p:pic>
+        <p:nvPicPr>
+          <p:cNvPr id="6" name="圖片 5">
+            <a:extLst>
+              <a:ext uri="{FF2B5EF4-FFF2-40B4-BE49-F238E27FC236}">
+                <a16:creationId xmlns:a16="http://schemas.microsoft.com/office/drawing/2014/main" xmlns="" id="{4E56974C-E3E6-4828-885F-14DC77696B30}"/>
+              </a:ext>
+            </a:extLst>
+          </p:cNvPr>
+          <p:cNvPicPr>
+            <a:picLocks noChangeAspect="1"/>
+          </p:cNvPicPr>
+          <p:nvPr/>
+        </p:nvPicPr>
+        <p:blipFill>
+          <a:blip r:embed="rId4"/>
+          <a:stretch>
+            <a:fillRect/>
+          </a:stretch>
+        </p:blipFill>
+        <p:spPr>
+          <a:xfrm>
+            <a:off x="921320" y="5129460"/>
+            <a:ext cx="7898497" cy="1695288"/>
+          </a:xfrm>
+          <a:prstGeom prst="rect">
+            <a:avLst/>
+          </a:prstGeom>
+        </p:spPr>
+      </p:pic>
+      <p:sp>
+        <p:nvSpPr>
+          <p:cNvPr id="7" name="橢圓 6"/>
+          <p:cNvSpPr/>
+          <p:nvPr/>
+        </p:nvSpPr>
+        <p:spPr>
+          <a:xfrm>
+            <a:off x="7730837" y="6168043"/>
+            <a:ext cx="706581" cy="656705"/>
+          </a:xfrm>
+          <a:prstGeom prst="ellipse">
+            <a:avLst/>
+          </a:prstGeom>
+          <a:noFill/>
+          <a:ln w="38100">
+            <a:solidFill>
+              <a:srgbClr val="FF0000"/>
+            </a:solidFill>
+          </a:ln>
+        </p:spPr>
+        <p:style>
+          <a:lnRef idx="2">
+            <a:schemeClr val="accent1">
+              <a:shade val="50000"/>
+            </a:schemeClr>
+          </a:lnRef>
+          <a:fillRef idx="1">
+            <a:schemeClr val="accent1"/>
+          </a:fillRef>
+          <a:effectRef idx="0">
+            <a:schemeClr val="accent1"/>
+          </a:effectRef>
+          <a:fontRef idx="minor">
+            <a:schemeClr val="lt1"/>
+          </a:fontRef>
+        </p:style>
+        <p:txBody>
+          <a:bodyPr rtlCol="0" anchor="ctr"/>
+          <a:lstStyle/>
+          <a:p>
+            <a:pPr algn="ctr"/>
+            <a:endParaRPr lang="zh-TW" altLang="en-US">
+              <a:latin typeface="Times New Roman" panose="02020603050405020304" pitchFamily="18" charset="0"/>
+              <a:ea typeface="標楷體" panose="03000509000000000000" pitchFamily="65" charset="-120"/>
+              <a:cs typeface="Times New Roman" panose="02020603050405020304" pitchFamily="18" charset="0"/>
+            </a:endParaRPr>
+          </a:p>
+        </p:txBody>
+      </p:sp>
+      <p:sp>
+        <p:nvSpPr>
+          <p:cNvPr id="8" name="文字方塊 7"/>
+          <p:cNvSpPr txBox="1"/>
+          <p:nvPr/>
+        </p:nvSpPr>
+        <p:spPr>
+          <a:xfrm>
+            <a:off x="8907087" y="6265562"/>
+            <a:ext cx="2880360" cy="461665"/>
+          </a:xfrm>
+          <a:prstGeom prst="rect">
+            <a:avLst/>
+          </a:prstGeom>
+          <a:noFill/>
+        </p:spPr>
+        <p:txBody>
+          <a:bodyPr wrap="square" rtlCol="0">
+            <a:spAutoFit/>
+          </a:bodyPr>
+          <a:lstStyle/>
+          <a:p>
+            <a:r>
+              <a:rPr lang="zh-TW" altLang="en-US" sz="2400" dirty="0" smtClean="0">
+                <a:latin typeface="Times New Roman" panose="02020603050405020304" pitchFamily="18" charset="0"/>
+                <a:ea typeface="標楷體" panose="03000509000000000000" pitchFamily="65" charset="-120"/>
+                <a:cs typeface="Times New Roman" panose="02020603050405020304" pitchFamily="18" charset="0"/>
+              </a:rPr>
+              <a:t>按下即可啟用服務</a:t>
+            </a:r>
+            <a:endParaRPr lang="zh-TW" altLang="en-US" sz="2400" dirty="0">
+              <a:latin typeface="Times New Roman" panose="02020603050405020304" pitchFamily="18" charset="0"/>
+              <a:ea typeface="標楷體" panose="03000509000000000000" pitchFamily="65" charset="-120"/>
+              <a:cs typeface="Times New Roman" panose="02020603050405020304" pitchFamily="18" charset="0"/>
+            </a:endParaRPr>
+          </a:p>
+        </p:txBody>
+      </p:sp>
+    </p:spTree>
+    <p:extLst>
+      <p:ext uri="{BB962C8B-B14F-4D97-AF65-F5344CB8AC3E}">
+        <p14:creationId xmlns:p14="http://schemas.microsoft.com/office/powerpoint/2010/main" val="3650574691"/>
+      </p:ext>
+    </p:extLst>
+  </p:cSld>
+  <p:clrMapOvr>
+    <a:masterClrMapping/>
+  </p:clrMapOvr>
+</p:sld>
+</file>
+
+<file path=ppt/slides/slide16.xml><?xml version="1.0" encoding="utf-8"?>
+<p:sld xmlns:a="http://schemas.openxmlformats.org/drawingml/2006/main" xmlns:r="http://schemas.openxmlformats.org/officeDocument/2006/relationships" xmlns:p="http://schemas.openxmlformats.org/presentationml/2006/main">
+  <p:cSld>
+    <p:spTree>
+      <p:nvGrpSpPr>
+        <p:cNvPr id="1" name=""/>
+        <p:cNvGrpSpPr/>
+        <p:nvPr/>
+      </p:nvGrpSpPr>
+      <p:grpSpPr>
+        <a:xfrm>
+          <a:off x="0" y="0"/>
+          <a:ext cx="0" cy="0"/>
+          <a:chOff x="0" y="0"/>
+          <a:chExt cx="0" cy="0"/>
+        </a:xfrm>
+      </p:grpSpPr>
+      <p:sp>
+        <p:nvSpPr>
+          <p:cNvPr id="2" name="標題 1">
+            <a:extLst>
+              <a:ext uri="{FF2B5EF4-FFF2-40B4-BE49-F238E27FC236}">
+                <a16:creationId xmlns:a16="http://schemas.microsoft.com/office/drawing/2014/main" xmlns="" id="{A5C642C5-FAD1-4ECF-B5EE-FBD5CC07D320}"/>
+              </a:ext>
+            </a:extLst>
+          </p:cNvPr>
+          <p:cNvSpPr>
+            <a:spLocks noGrp="1"/>
+          </p:cNvSpPr>
+          <p:nvPr>
+            <p:ph type="title"/>
+          </p:nvPr>
+        </p:nvSpPr>
+        <p:spPr/>
+        <p:txBody>
+          <a:bodyPr/>
+          <a:lstStyle/>
+          <a:p>
+            <a:r>
+              <a:rPr lang="en-US" altLang="zh-TW" dirty="0" err="1" smtClean="0">
+                <a:latin typeface="Times New Roman" panose="02020603050405020304" pitchFamily="18" charset="0"/>
+                <a:ea typeface="標楷體" panose="03000509000000000000" pitchFamily="65" charset="-120"/>
+                <a:cs typeface="Times New Roman" panose="02020603050405020304" pitchFamily="18" charset="0"/>
+              </a:rPr>
+              <a:t>Roo</a:t>
+            </a:r>
+            <a:r>
+              <a:rPr lang="en-US" altLang="zh-TW" dirty="0" smtClean="0">
+                <a:latin typeface="Times New Roman" panose="02020603050405020304" pitchFamily="18" charset="0"/>
+                <a:ea typeface="標楷體" panose="03000509000000000000" pitchFamily="65" charset="-120"/>
+                <a:cs typeface="Times New Roman" panose="02020603050405020304" pitchFamily="18" charset="0"/>
+              </a:rPr>
+              <a:t> Code</a:t>
+            </a:r>
+            <a:endParaRPr lang="zh-TW" altLang="en-US" dirty="0">
+              <a:latin typeface="Times New Roman" panose="02020603050405020304" pitchFamily="18" charset="0"/>
+              <a:ea typeface="標楷體" panose="03000509000000000000" pitchFamily="65" charset="-120"/>
+              <a:cs typeface="Times New Roman" panose="02020603050405020304" pitchFamily="18" charset="0"/>
+            </a:endParaRPr>
+          </a:p>
+        </p:txBody>
+      </p:sp>
+      <p:sp>
+        <p:nvSpPr>
+          <p:cNvPr id="3" name="內容版面配置區 2">
+            <a:extLst>
+              <a:ext uri="{FF2B5EF4-FFF2-40B4-BE49-F238E27FC236}">
+                <a16:creationId xmlns:a16="http://schemas.microsoft.com/office/drawing/2014/main" xmlns="" id="{954DDD3D-676A-4DBC-B618-1474DC50F96B}"/>
+              </a:ext>
+            </a:extLst>
+          </p:cNvPr>
+          <p:cNvSpPr>
+            <a:spLocks noGrp="1"/>
+          </p:cNvSpPr>
+          <p:nvPr>
+            <p:ph idx="1"/>
+          </p:nvPr>
+        </p:nvSpPr>
+        <p:spPr/>
+        <p:txBody>
+          <a:bodyPr>
+            <a:normAutofit/>
+          </a:bodyPr>
+          <a:lstStyle/>
+          <a:p>
+            <a:r>
+              <a:rPr lang="zh-TW" altLang="en-US" dirty="0" smtClean="0">
+                <a:latin typeface="Times New Roman" panose="02020603050405020304" pitchFamily="18" charset="0"/>
+                <a:ea typeface="標楷體" panose="03000509000000000000" pitchFamily="65" charset="-120"/>
+                <a:cs typeface="Times New Roman" panose="02020603050405020304" pitchFamily="18" charset="0"/>
+              </a:rPr>
+              <a:t>優點</a:t>
+            </a:r>
+            <a:endParaRPr lang="en-US" altLang="zh-TW" dirty="0" smtClean="0">
+              <a:latin typeface="Times New Roman" panose="02020603050405020304" pitchFamily="18" charset="0"/>
+              <a:ea typeface="標楷體" panose="03000509000000000000" pitchFamily="65" charset="-120"/>
+              <a:cs typeface="Times New Roman" panose="02020603050405020304" pitchFamily="18" charset="0"/>
+            </a:endParaRPr>
+          </a:p>
+          <a:p>
+            <a:pPr lvl="1"/>
+            <a:r>
+              <a:rPr lang="zh-TW" altLang="en-US" dirty="0" smtClean="0">
+                <a:latin typeface="Times New Roman" panose="02020603050405020304" pitchFamily="18" charset="0"/>
+                <a:ea typeface="標楷體" panose="03000509000000000000" pitchFamily="65" charset="-120"/>
+                <a:cs typeface="Times New Roman" panose="02020603050405020304" pitchFamily="18" charset="0"/>
+              </a:rPr>
+              <a:t>優</a:t>
+            </a:r>
+            <a:r>
+              <a:rPr lang="zh-TW" altLang="en-US" dirty="0">
+                <a:latin typeface="Times New Roman" panose="02020603050405020304" pitchFamily="18" charset="0"/>
+                <a:ea typeface="標楷體" panose="03000509000000000000" pitchFamily="65" charset="-120"/>
+                <a:cs typeface="Times New Roman" panose="02020603050405020304" pitchFamily="18" charset="0"/>
+              </a:rPr>
+              <a:t>化</a:t>
+            </a:r>
+            <a:r>
+              <a:rPr lang="zh-TW" altLang="en-US" dirty="0" smtClean="0">
+                <a:latin typeface="Times New Roman" panose="02020603050405020304" pitchFamily="18" charset="0"/>
+                <a:ea typeface="標楷體" panose="03000509000000000000" pitchFamily="65" charset="-120"/>
+                <a:cs typeface="Times New Roman" panose="02020603050405020304" pitchFamily="18" charset="0"/>
+              </a:rPr>
+              <a:t>程式碼，</a:t>
+            </a:r>
+            <a:r>
+              <a:rPr lang="zh-TW" altLang="en-US" dirty="0" smtClean="0">
+                <a:latin typeface="Times New Roman" panose="02020603050405020304" pitchFamily="18" charset="0"/>
+                <a:ea typeface="標楷體" panose="03000509000000000000" pitchFamily="65" charset="-120"/>
+                <a:cs typeface="Times New Roman" panose="02020603050405020304" pitchFamily="18" charset="0"/>
+              </a:rPr>
+              <a:t>新增</a:t>
+            </a:r>
+            <a:r>
+              <a:rPr lang="zh-TW" altLang="en-US" dirty="0">
+                <a:latin typeface="Times New Roman" panose="02020603050405020304" pitchFamily="18" charset="0"/>
+                <a:ea typeface="標楷體" panose="03000509000000000000" pitchFamily="65" charset="-120"/>
+                <a:cs typeface="Times New Roman" panose="02020603050405020304" pitchFamily="18" charset="0"/>
+              </a:rPr>
+              <a:t>錯誤</a:t>
+            </a:r>
+            <a:r>
+              <a:rPr lang="zh-TW" altLang="en-US" dirty="0" smtClean="0">
+                <a:latin typeface="Times New Roman" panose="02020603050405020304" pitchFamily="18" charset="0"/>
+                <a:ea typeface="標楷體" panose="03000509000000000000" pitchFamily="65" charset="-120"/>
+                <a:cs typeface="Times New Roman" panose="02020603050405020304" pitchFamily="18" charset="0"/>
+              </a:rPr>
+              <a:t>處理機制 </a:t>
+            </a:r>
+            <a:r>
+              <a:rPr lang="en-US" altLang="zh-TW" dirty="0" smtClean="0">
+                <a:latin typeface="Times New Roman" panose="02020603050405020304" pitchFamily="18" charset="0"/>
+                <a:ea typeface="標楷體" panose="03000509000000000000" pitchFamily="65" charset="-120"/>
+                <a:cs typeface="Times New Roman" panose="02020603050405020304" pitchFamily="18" charset="0"/>
+              </a:rPr>
+              <a:t>(</a:t>
+            </a:r>
+            <a:r>
+              <a:rPr lang="en-US" altLang="zh-TW" dirty="0">
+                <a:latin typeface="Times New Roman" panose="02020603050405020304" pitchFamily="18" charset="0"/>
+                <a:ea typeface="標楷體" panose="03000509000000000000" pitchFamily="65" charset="-120"/>
+                <a:cs typeface="Times New Roman" panose="02020603050405020304" pitchFamily="18" charset="0"/>
+              </a:rPr>
+              <a:t>try/except)</a:t>
+            </a:r>
+          </a:p>
+          <a:p>
+            <a:pPr lvl="1"/>
+            <a:r>
+              <a:rPr lang="zh-TW" altLang="en-US" dirty="0" smtClean="0">
+                <a:latin typeface="Times New Roman" panose="02020603050405020304" pitchFamily="18" charset="0"/>
+                <a:ea typeface="標楷體" panose="03000509000000000000" pitchFamily="65" charset="-120"/>
+                <a:cs typeface="Times New Roman" panose="02020603050405020304" pitchFamily="18" charset="0"/>
+              </a:rPr>
+              <a:t>將程式碼</a:t>
+            </a:r>
+            <a:r>
+              <a:rPr lang="zh-TW" altLang="en-US" dirty="0" smtClean="0">
+                <a:latin typeface="Times New Roman" panose="02020603050405020304" pitchFamily="18" charset="0"/>
+                <a:ea typeface="標楷體" panose="03000509000000000000" pitchFamily="65" charset="-120"/>
+                <a:cs typeface="Times New Roman" panose="02020603050405020304" pitchFamily="18" charset="0"/>
+              </a:rPr>
+              <a:t>分段逐步分析，註解詳細</a:t>
+            </a:r>
+            <a:endParaRPr lang="en-US" altLang="zh-TW" dirty="0">
+              <a:latin typeface="Times New Roman" panose="02020603050405020304" pitchFamily="18" charset="0"/>
+              <a:ea typeface="標楷體" panose="03000509000000000000" pitchFamily="65" charset="-120"/>
+              <a:cs typeface="Times New Roman" panose="02020603050405020304" pitchFamily="18" charset="0"/>
+            </a:endParaRPr>
+          </a:p>
+          <a:p>
+            <a:pPr lvl="1"/>
+            <a:r>
+              <a:rPr lang="zh-TW" altLang="en-US" dirty="0">
+                <a:latin typeface="Times New Roman" panose="02020603050405020304" pitchFamily="18" charset="0"/>
+                <a:ea typeface="標楷體" panose="03000509000000000000" pitchFamily="65" charset="-120"/>
+                <a:cs typeface="Times New Roman" panose="02020603050405020304" pitchFamily="18" charset="0"/>
+              </a:rPr>
+              <a:t>互動性強，可以清楚看到修改了</a:t>
+            </a:r>
+            <a:r>
+              <a:rPr lang="zh-TW" altLang="en-US" dirty="0" smtClean="0">
+                <a:latin typeface="Times New Roman" panose="02020603050405020304" pitchFamily="18" charset="0"/>
+                <a:ea typeface="標楷體" panose="03000509000000000000" pitchFamily="65" charset="-120"/>
+                <a:cs typeface="Times New Roman" panose="02020603050405020304" pitchFamily="18" charset="0"/>
+              </a:rPr>
+              <a:t>哪些部分</a:t>
+            </a:r>
+            <a:endParaRPr lang="en-US" altLang="zh-TW" dirty="0">
+              <a:latin typeface="Times New Roman" panose="02020603050405020304" pitchFamily="18" charset="0"/>
+              <a:ea typeface="標楷體" panose="03000509000000000000" pitchFamily="65" charset="-120"/>
+              <a:cs typeface="Times New Roman" panose="02020603050405020304" pitchFamily="18" charset="0"/>
+            </a:endParaRPr>
+          </a:p>
+          <a:p>
+            <a:r>
+              <a:rPr lang="zh-TW" altLang="en-US" dirty="0" smtClean="0">
+                <a:latin typeface="Times New Roman" panose="02020603050405020304" pitchFamily="18" charset="0"/>
+                <a:ea typeface="標楷體" panose="03000509000000000000" pitchFamily="65" charset="-120"/>
+                <a:cs typeface="Times New Roman" panose="02020603050405020304" pitchFamily="18" charset="0"/>
+              </a:rPr>
+              <a:t>缺點</a:t>
+            </a:r>
+            <a:endParaRPr lang="en-US" altLang="zh-TW" dirty="0" smtClean="0">
+              <a:latin typeface="Times New Roman" panose="02020603050405020304" pitchFamily="18" charset="0"/>
+              <a:ea typeface="標楷體" panose="03000509000000000000" pitchFamily="65" charset="-120"/>
+              <a:cs typeface="Times New Roman" panose="02020603050405020304" pitchFamily="18" charset="0"/>
+            </a:endParaRPr>
+          </a:p>
+          <a:p>
+            <a:pPr lvl="1"/>
+            <a:r>
+              <a:rPr lang="zh-TW" altLang="en-US" dirty="0" smtClean="0">
+                <a:latin typeface="Times New Roman" panose="02020603050405020304" pitchFamily="18" charset="0"/>
+                <a:ea typeface="標楷體" panose="03000509000000000000" pitchFamily="65" charset="-120"/>
+                <a:cs typeface="Times New Roman" panose="02020603050405020304" pitchFamily="18" charset="0"/>
+              </a:rPr>
+              <a:t>大部分服務都需要付費 </a:t>
+            </a:r>
+            <a:r>
+              <a:rPr lang="en-US" altLang="zh-TW" dirty="0" smtClean="0">
+                <a:latin typeface="Times New Roman" panose="02020603050405020304" pitchFamily="18" charset="0"/>
+                <a:ea typeface="標楷體" panose="03000509000000000000" pitchFamily="65" charset="-120"/>
+                <a:cs typeface="Times New Roman" panose="02020603050405020304" pitchFamily="18" charset="0"/>
+              </a:rPr>
+              <a:t>(</a:t>
+            </a:r>
+            <a:r>
+              <a:rPr lang="zh-TW" altLang="en-US" dirty="0" smtClean="0">
+                <a:latin typeface="Times New Roman" panose="02020603050405020304" pitchFamily="18" charset="0"/>
+                <a:ea typeface="標楷體" panose="03000509000000000000" pitchFamily="65" charset="-120"/>
+                <a:cs typeface="Times New Roman" panose="02020603050405020304" pitchFamily="18" charset="0"/>
+              </a:rPr>
+              <a:t>本次實作使用 </a:t>
+            </a:r>
+            <a:r>
+              <a:rPr lang="en-US" altLang="zh-TW" dirty="0" smtClean="0">
+                <a:latin typeface="Times New Roman" panose="02020603050405020304" pitchFamily="18" charset="0"/>
+                <a:ea typeface="標楷體" panose="03000509000000000000" pitchFamily="65" charset="-120"/>
+                <a:cs typeface="Times New Roman" panose="02020603050405020304" pitchFamily="18" charset="0"/>
+              </a:rPr>
+              <a:t>Google Gemini</a:t>
+            </a:r>
+            <a:r>
+              <a:rPr lang="zh-TW" altLang="en-US" dirty="0" smtClean="0">
+                <a:latin typeface="Times New Roman" panose="02020603050405020304" pitchFamily="18" charset="0"/>
+                <a:ea typeface="標楷體" panose="03000509000000000000" pitchFamily="65" charset="-120"/>
+                <a:cs typeface="Times New Roman" panose="02020603050405020304" pitchFamily="18" charset="0"/>
+              </a:rPr>
+              <a:t> 提供的免費額度</a:t>
+            </a:r>
+            <a:r>
+              <a:rPr lang="en-US" altLang="zh-TW" dirty="0" smtClean="0">
+                <a:latin typeface="Times New Roman" panose="02020603050405020304" pitchFamily="18" charset="0"/>
+                <a:ea typeface="標楷體" panose="03000509000000000000" pitchFamily="65" charset="-120"/>
+                <a:cs typeface="Times New Roman" panose="02020603050405020304" pitchFamily="18" charset="0"/>
+              </a:rPr>
+              <a:t>)</a:t>
+            </a:r>
+          </a:p>
+          <a:p>
+            <a:pPr lvl="1"/>
+            <a:r>
+              <a:rPr lang="zh-TW" altLang="en-US" dirty="0" smtClean="0">
+                <a:latin typeface="Times New Roman" panose="02020603050405020304" pitchFamily="18" charset="0"/>
+                <a:ea typeface="標楷體" panose="03000509000000000000" pitchFamily="65" charset="-120"/>
+                <a:cs typeface="Times New Roman" panose="02020603050405020304" pitchFamily="18" charset="0"/>
+              </a:rPr>
+              <a:t>每次詢問得到的結果有所不同，有時候修改後的程式碼無法正確執行</a:t>
+            </a:r>
+            <a:endParaRPr lang="en-US" altLang="zh-TW" dirty="0">
+              <a:latin typeface="Times New Roman" panose="02020603050405020304" pitchFamily="18" charset="0"/>
+              <a:ea typeface="標楷體" panose="03000509000000000000" pitchFamily="65" charset="-120"/>
+              <a:cs typeface="Times New Roman" panose="02020603050405020304" pitchFamily="18" charset="0"/>
+            </a:endParaRPr>
+          </a:p>
+          <a:p>
+            <a:r>
+              <a:rPr lang="zh-TW" altLang="en-US" dirty="0">
+                <a:latin typeface="Times New Roman" panose="02020603050405020304" pitchFamily="18" charset="0"/>
+                <a:ea typeface="標楷體" panose="03000509000000000000" pitchFamily="65" charset="-120"/>
+                <a:cs typeface="Times New Roman" panose="02020603050405020304" pitchFamily="18" charset="0"/>
+              </a:rPr>
+              <a:t>怎麼用會更好</a:t>
+            </a:r>
+            <a:endParaRPr lang="en-US" altLang="zh-TW" dirty="0">
+              <a:latin typeface="Times New Roman" panose="02020603050405020304" pitchFamily="18" charset="0"/>
+              <a:ea typeface="標楷體" panose="03000509000000000000" pitchFamily="65" charset="-120"/>
+              <a:cs typeface="Times New Roman" panose="02020603050405020304" pitchFamily="18" charset="0"/>
+            </a:endParaRPr>
+          </a:p>
+          <a:p>
+            <a:pPr lvl="1"/>
+            <a:r>
+              <a:rPr lang="zh-TW" altLang="en-US" dirty="0">
+                <a:latin typeface="Times New Roman" panose="02020603050405020304" pitchFamily="18" charset="0"/>
+                <a:ea typeface="標楷體" panose="03000509000000000000" pitchFamily="65" charset="-120"/>
+                <a:cs typeface="Times New Roman" panose="02020603050405020304" pitchFamily="18" charset="0"/>
+              </a:rPr>
+              <a:t>合理</a:t>
+            </a:r>
+            <a:r>
+              <a:rPr lang="zh-TW" altLang="en-US" dirty="0" smtClean="0">
+                <a:latin typeface="Times New Roman" panose="02020603050405020304" pitchFamily="18" charset="0"/>
+                <a:ea typeface="標楷體" panose="03000509000000000000" pitchFamily="65" charset="-120"/>
+                <a:cs typeface="Times New Roman" panose="02020603050405020304" pitchFamily="18" charset="0"/>
+              </a:rPr>
+              <a:t>選擇 </a:t>
+            </a:r>
+            <a:r>
+              <a:rPr lang="en-US" altLang="zh-TW" dirty="0" err="1" smtClean="0">
+                <a:latin typeface="Times New Roman" panose="02020603050405020304" pitchFamily="18" charset="0"/>
+                <a:ea typeface="標楷體" panose="03000509000000000000" pitchFamily="65" charset="-120"/>
+                <a:cs typeface="Times New Roman" panose="02020603050405020304" pitchFamily="18" charset="0"/>
+              </a:rPr>
+              <a:t>Roo</a:t>
+            </a:r>
+            <a:r>
+              <a:rPr lang="en-US" altLang="zh-TW" dirty="0" smtClean="0">
+                <a:latin typeface="Times New Roman" panose="02020603050405020304" pitchFamily="18" charset="0"/>
+                <a:ea typeface="標楷體" panose="03000509000000000000" pitchFamily="65" charset="-120"/>
+                <a:cs typeface="Times New Roman" panose="02020603050405020304" pitchFamily="18" charset="0"/>
+              </a:rPr>
+              <a:t> code</a:t>
+            </a:r>
+            <a:r>
+              <a:rPr lang="zh-TW" altLang="en-US" dirty="0" smtClean="0">
+                <a:latin typeface="Times New Roman" panose="02020603050405020304" pitchFamily="18" charset="0"/>
+                <a:ea typeface="標楷體" panose="03000509000000000000" pitchFamily="65" charset="-120"/>
+                <a:cs typeface="Times New Roman" panose="02020603050405020304" pitchFamily="18" charset="0"/>
+              </a:rPr>
+              <a:t> 生成的程式碼，確保程式能順利執行</a:t>
+            </a:r>
+            <a:endParaRPr lang="en-US" altLang="zh-TW" dirty="0" smtClean="0">
+              <a:latin typeface="Times New Roman" panose="02020603050405020304" pitchFamily="18" charset="0"/>
+              <a:ea typeface="標楷體" panose="03000509000000000000" pitchFamily="65" charset="-120"/>
+              <a:cs typeface="Times New Roman" panose="02020603050405020304" pitchFamily="18" charset="0"/>
+            </a:endParaRPr>
+          </a:p>
+          <a:p>
+            <a:pPr lvl="1"/>
+            <a:r>
+              <a:rPr lang="en-US" altLang="zh-TW" dirty="0" err="1" smtClean="0">
+                <a:latin typeface="Times New Roman" panose="02020603050405020304" pitchFamily="18" charset="0"/>
+                <a:ea typeface="標楷體" panose="03000509000000000000" pitchFamily="65" charset="-120"/>
+                <a:cs typeface="Times New Roman" panose="02020603050405020304" pitchFamily="18" charset="0"/>
+              </a:rPr>
+              <a:t>Roo</a:t>
+            </a:r>
+            <a:r>
+              <a:rPr lang="en-US" altLang="zh-TW" dirty="0" smtClean="0">
+                <a:latin typeface="Times New Roman" panose="02020603050405020304" pitchFamily="18" charset="0"/>
+                <a:ea typeface="標楷體" panose="03000509000000000000" pitchFamily="65" charset="-120"/>
+                <a:cs typeface="Times New Roman" panose="02020603050405020304" pitchFamily="18" charset="0"/>
+              </a:rPr>
+              <a:t> code</a:t>
+            </a:r>
+            <a:r>
+              <a:rPr lang="zh-TW" altLang="en-US" dirty="0" smtClean="0">
+                <a:latin typeface="Times New Roman" panose="02020603050405020304" pitchFamily="18" charset="0"/>
+                <a:ea typeface="標楷體" panose="03000509000000000000" pitchFamily="65" charset="-120"/>
+                <a:cs typeface="Times New Roman" panose="02020603050405020304" pitchFamily="18" charset="0"/>
+              </a:rPr>
+              <a:t> 適合生成程式架構，其餘程式碼由 </a:t>
+            </a:r>
+            <a:r>
+              <a:rPr lang="en-US" altLang="zh-TW" dirty="0" smtClean="0">
+                <a:latin typeface="Times New Roman" panose="02020603050405020304" pitchFamily="18" charset="0"/>
+                <a:ea typeface="標楷體" panose="03000509000000000000" pitchFamily="65" charset="-120"/>
+                <a:cs typeface="Times New Roman" panose="02020603050405020304" pitchFamily="18" charset="0"/>
+              </a:rPr>
+              <a:t>Copilot</a:t>
+            </a:r>
+            <a:r>
+              <a:rPr lang="zh-TW" altLang="en-US" dirty="0" smtClean="0">
+                <a:latin typeface="Times New Roman" panose="02020603050405020304" pitchFamily="18" charset="0"/>
+                <a:ea typeface="標楷體" panose="03000509000000000000" pitchFamily="65" charset="-120"/>
+                <a:cs typeface="Times New Roman" panose="02020603050405020304" pitchFamily="18" charset="0"/>
+              </a:rPr>
+              <a:t> 進行補全和修改</a:t>
+            </a:r>
+            <a:endParaRPr lang="en-US" altLang="zh-TW" dirty="0">
+              <a:latin typeface="Times New Roman" panose="02020603050405020304" pitchFamily="18" charset="0"/>
+              <a:ea typeface="標楷體" panose="03000509000000000000" pitchFamily="65" charset="-120"/>
+              <a:cs typeface="Times New Roman" panose="02020603050405020304" pitchFamily="18" charset="0"/>
+            </a:endParaRPr>
+          </a:p>
+        </p:txBody>
+      </p:sp>
+      <p:pic>
+        <p:nvPicPr>
+          <p:cNvPr id="4" name="圖片 3">
+            <a:extLst>
+              <a:ext uri="{FF2B5EF4-FFF2-40B4-BE49-F238E27FC236}">
+                <a16:creationId xmlns:a16="http://schemas.microsoft.com/office/drawing/2014/main" xmlns="" id="{869E1BC1-E2A9-4134-AB01-955659F959F3}"/>
+              </a:ext>
+            </a:extLst>
+          </p:cNvPr>
+          <p:cNvPicPr>
+            <a:picLocks noChangeAspect="1"/>
+          </p:cNvPicPr>
+          <p:nvPr/>
+        </p:nvPicPr>
+        <p:blipFill rotWithShape="1">
+          <a:blip r:embed="rId2"/>
+          <a:srcRect l="32279" t="11192" r="19403" b="13474"/>
+          <a:stretch/>
+        </p:blipFill>
+        <p:spPr>
+          <a:xfrm>
+            <a:off x="7417287" y="77893"/>
+            <a:ext cx="4699899" cy="3504892"/>
           </a:xfrm>
           <a:prstGeom prst="rect">
             <a:avLst/>
@@ -4290,7 +6152,348 @@
     </p:spTree>
     <p:extLst>
       <p:ext uri="{BB962C8B-B14F-4D97-AF65-F5344CB8AC3E}">
-        <p14:creationId xmlns:p14="http://schemas.microsoft.com/office/powerpoint/2010/main" val="3003405644"/>
+        <p14:creationId xmlns:p14="http://schemas.microsoft.com/office/powerpoint/2010/main" val="3391465237"/>
+      </p:ext>
+    </p:extLst>
+  </p:cSld>
+  <p:clrMapOvr>
+    <a:masterClrMapping/>
+  </p:clrMapOvr>
+</p:sld>
+</file>
+
+<file path=ppt/slides/slide17.xml><?xml version="1.0" encoding="utf-8"?>
+<p:sld xmlns:a="http://schemas.openxmlformats.org/drawingml/2006/main" xmlns:r="http://schemas.openxmlformats.org/officeDocument/2006/relationships" xmlns:p="http://schemas.openxmlformats.org/presentationml/2006/main">
+  <p:cSld>
+    <p:spTree>
+      <p:nvGrpSpPr>
+        <p:cNvPr id="1" name=""/>
+        <p:cNvGrpSpPr/>
+        <p:nvPr/>
+      </p:nvGrpSpPr>
+      <p:grpSpPr>
+        <a:xfrm>
+          <a:off x="0" y="0"/>
+          <a:ext cx="0" cy="0"/>
+          <a:chOff x="0" y="0"/>
+          <a:chExt cx="0" cy="0"/>
+        </a:xfrm>
+      </p:grpSpPr>
+      <p:sp>
+        <p:nvSpPr>
+          <p:cNvPr id="2" name="標題 1">
+            <a:extLst>
+              <a:ext uri="{FF2B5EF4-FFF2-40B4-BE49-F238E27FC236}">
+                <a16:creationId xmlns:a16="http://schemas.microsoft.com/office/drawing/2014/main" xmlns="" id="{1ED35935-847C-4C53-9F75-22A728BFD3C1}"/>
+              </a:ext>
+            </a:extLst>
+          </p:cNvPr>
+          <p:cNvSpPr>
+            <a:spLocks noGrp="1"/>
+          </p:cNvSpPr>
+          <p:nvPr>
+            <p:ph type="title"/>
+          </p:nvPr>
+        </p:nvSpPr>
+        <p:spPr/>
+        <p:txBody>
+          <a:bodyPr/>
+          <a:lstStyle/>
+          <a:p>
+            <a:endParaRPr lang="zh-TW" altLang="en-US"/>
+          </a:p>
+        </p:txBody>
+      </p:sp>
+      <p:sp>
+        <p:nvSpPr>
+          <p:cNvPr id="3" name="內容版面配置區 2">
+            <a:extLst>
+              <a:ext uri="{FF2B5EF4-FFF2-40B4-BE49-F238E27FC236}">
+                <a16:creationId xmlns:a16="http://schemas.microsoft.com/office/drawing/2014/main" xmlns="" id="{ED8305D2-9CBE-4C79-B0C2-D8B2972F81A2}"/>
+              </a:ext>
+            </a:extLst>
+          </p:cNvPr>
+          <p:cNvSpPr>
+            <a:spLocks noGrp="1"/>
+          </p:cNvSpPr>
+          <p:nvPr>
+            <p:ph idx="1"/>
+          </p:nvPr>
+        </p:nvSpPr>
+        <p:spPr/>
+        <p:txBody>
+          <a:bodyPr/>
+          <a:lstStyle/>
+          <a:p>
+            <a:endParaRPr lang="zh-TW" altLang="en-US"/>
+          </a:p>
+        </p:txBody>
+      </p:sp>
+      <p:pic>
+        <p:nvPicPr>
+          <p:cNvPr id="5" name="圖片 4">
+            <a:extLst>
+              <a:ext uri="{FF2B5EF4-FFF2-40B4-BE49-F238E27FC236}">
+                <a16:creationId xmlns:a16="http://schemas.microsoft.com/office/drawing/2014/main" xmlns="" id="{0CC8E373-1EA2-4710-B484-6C49411E779B}"/>
+              </a:ext>
+            </a:extLst>
+          </p:cNvPr>
+          <p:cNvPicPr>
+            <a:picLocks noChangeAspect="1"/>
+          </p:cNvPicPr>
+          <p:nvPr/>
+        </p:nvPicPr>
+        <p:blipFill>
+          <a:blip r:embed="rId2"/>
+          <a:stretch>
+            <a:fillRect/>
+          </a:stretch>
+        </p:blipFill>
+        <p:spPr>
+          <a:xfrm>
+            <a:off x="196485" y="0"/>
+            <a:ext cx="11765782" cy="6858000"/>
+          </a:xfrm>
+          <a:prstGeom prst="rect">
+            <a:avLst/>
+          </a:prstGeom>
+        </p:spPr>
+      </p:pic>
+      <p:sp>
+        <p:nvSpPr>
+          <p:cNvPr id="6" name="文字方塊 5"/>
+          <p:cNvSpPr txBox="1"/>
+          <p:nvPr/>
+        </p:nvSpPr>
+        <p:spPr>
+          <a:xfrm>
+            <a:off x="196485" y="1779725"/>
+            <a:ext cx="2555028" cy="369332"/>
+          </a:xfrm>
+          <a:prstGeom prst="rect">
+            <a:avLst/>
+          </a:prstGeom>
+          <a:noFill/>
+        </p:spPr>
+        <p:txBody>
+          <a:bodyPr wrap="square" rtlCol="0">
+            <a:spAutoFit/>
+          </a:bodyPr>
+          <a:lstStyle/>
+          <a:p>
+            <a:r>
+              <a:rPr lang="en-US" altLang="zh-TW" dirty="0" smtClean="0">
+                <a:solidFill>
+                  <a:srgbClr val="FF0000"/>
+                </a:solidFill>
+                <a:latin typeface="Times New Roman" panose="02020603050405020304" pitchFamily="18" charset="0"/>
+                <a:ea typeface="標楷體" panose="03000509000000000000" pitchFamily="65" charset="-120"/>
+                <a:cs typeface="Times New Roman" panose="02020603050405020304" pitchFamily="18" charset="0"/>
+              </a:rPr>
+              <a:t>Gemini </a:t>
+            </a:r>
+            <a:r>
+              <a:rPr lang="zh-TW" altLang="en-US" dirty="0" smtClean="0">
+                <a:solidFill>
+                  <a:srgbClr val="FF0000"/>
+                </a:solidFill>
+                <a:latin typeface="Times New Roman" panose="02020603050405020304" pitchFamily="18" charset="0"/>
+                <a:ea typeface="標楷體" panose="03000509000000000000" pitchFamily="65" charset="-120"/>
+                <a:cs typeface="Times New Roman" panose="02020603050405020304" pitchFamily="18" charset="0"/>
+              </a:rPr>
+              <a:t>提供免費</a:t>
+            </a:r>
+            <a:r>
+              <a:rPr lang="en-US" altLang="zh-TW" dirty="0" smtClean="0">
+                <a:solidFill>
+                  <a:srgbClr val="FF0000"/>
+                </a:solidFill>
+                <a:latin typeface="Times New Roman" panose="02020603050405020304" pitchFamily="18" charset="0"/>
+                <a:ea typeface="標楷體" panose="03000509000000000000" pitchFamily="65" charset="-120"/>
+                <a:cs typeface="Times New Roman" panose="02020603050405020304" pitchFamily="18" charset="0"/>
+              </a:rPr>
+              <a:t>Tokens</a:t>
+            </a:r>
+            <a:endParaRPr lang="zh-TW" altLang="en-US" dirty="0">
+              <a:solidFill>
+                <a:srgbClr val="FF0000"/>
+              </a:solidFill>
+              <a:latin typeface="Times New Roman" panose="02020603050405020304" pitchFamily="18" charset="0"/>
+              <a:ea typeface="標楷體" panose="03000509000000000000" pitchFamily="65" charset="-120"/>
+              <a:cs typeface="Times New Roman" panose="02020603050405020304" pitchFamily="18" charset="0"/>
+            </a:endParaRPr>
+          </a:p>
+        </p:txBody>
+      </p:sp>
+      <p:sp>
+        <p:nvSpPr>
+          <p:cNvPr id="7" name="文字方塊 6"/>
+          <p:cNvSpPr txBox="1"/>
+          <p:nvPr/>
+        </p:nvSpPr>
+        <p:spPr>
+          <a:xfrm>
+            <a:off x="196485" y="3943805"/>
+            <a:ext cx="2555028" cy="369332"/>
+          </a:xfrm>
+          <a:prstGeom prst="rect">
+            <a:avLst/>
+          </a:prstGeom>
+          <a:noFill/>
+        </p:spPr>
+        <p:txBody>
+          <a:bodyPr wrap="square" rtlCol="0">
+            <a:spAutoFit/>
+          </a:bodyPr>
+          <a:lstStyle/>
+          <a:p>
+            <a:r>
+              <a:rPr lang="zh-TW" altLang="en-US" dirty="0" smtClean="0">
+                <a:solidFill>
+                  <a:srgbClr val="FF0000"/>
+                </a:solidFill>
+                <a:latin typeface="Times New Roman" panose="02020603050405020304" pitchFamily="18" charset="0"/>
+                <a:ea typeface="標楷體" panose="03000509000000000000" pitchFamily="65" charset="-120"/>
+                <a:cs typeface="Times New Roman" panose="02020603050405020304" pitchFamily="18" charset="0"/>
+              </a:rPr>
+              <a:t>分段檢查並修改程式碼</a:t>
+            </a:r>
+            <a:endParaRPr lang="zh-TW" altLang="en-US" dirty="0">
+              <a:solidFill>
+                <a:srgbClr val="FF0000"/>
+              </a:solidFill>
+              <a:latin typeface="Times New Roman" panose="02020603050405020304" pitchFamily="18" charset="0"/>
+              <a:ea typeface="標楷體" panose="03000509000000000000" pitchFamily="65" charset="-120"/>
+              <a:cs typeface="Times New Roman" panose="02020603050405020304" pitchFamily="18" charset="0"/>
+            </a:endParaRPr>
+          </a:p>
+        </p:txBody>
+      </p:sp>
+      <p:sp>
+        <p:nvSpPr>
+          <p:cNvPr id="8" name="文字方塊 7"/>
+          <p:cNvSpPr txBox="1"/>
+          <p:nvPr/>
+        </p:nvSpPr>
+        <p:spPr>
+          <a:xfrm>
+            <a:off x="4801862" y="438864"/>
+            <a:ext cx="2555028" cy="369332"/>
+          </a:xfrm>
+          <a:prstGeom prst="rect">
+            <a:avLst/>
+          </a:prstGeom>
+          <a:noFill/>
+        </p:spPr>
+        <p:txBody>
+          <a:bodyPr wrap="square" rtlCol="0">
+            <a:spAutoFit/>
+          </a:bodyPr>
+          <a:lstStyle/>
+          <a:p>
+            <a:r>
+              <a:rPr lang="en-US" altLang="zh-TW" dirty="0" smtClean="0">
+                <a:solidFill>
+                  <a:srgbClr val="FF0000"/>
+                </a:solidFill>
+                <a:latin typeface="Times New Roman" panose="02020603050405020304" pitchFamily="18" charset="0"/>
+                <a:ea typeface="標楷體" panose="03000509000000000000" pitchFamily="65" charset="-120"/>
+                <a:cs typeface="Times New Roman" panose="02020603050405020304" pitchFamily="18" charset="0"/>
+              </a:rPr>
+              <a:t>Google Copilot</a:t>
+            </a:r>
+            <a:r>
+              <a:rPr lang="zh-TW" altLang="en-US" dirty="0" smtClean="0">
+                <a:solidFill>
+                  <a:srgbClr val="FF0000"/>
+                </a:solidFill>
+                <a:latin typeface="Times New Roman" panose="02020603050405020304" pitchFamily="18" charset="0"/>
+                <a:ea typeface="標楷體" panose="03000509000000000000" pitchFamily="65" charset="-120"/>
+                <a:cs typeface="Times New Roman" panose="02020603050405020304" pitchFamily="18" charset="0"/>
+              </a:rPr>
+              <a:t> 生成</a:t>
+            </a:r>
+            <a:endParaRPr lang="zh-TW" altLang="en-US" dirty="0">
+              <a:solidFill>
+                <a:srgbClr val="FF0000"/>
+              </a:solidFill>
+              <a:latin typeface="Times New Roman" panose="02020603050405020304" pitchFamily="18" charset="0"/>
+              <a:ea typeface="標楷體" panose="03000509000000000000" pitchFamily="65" charset="-120"/>
+              <a:cs typeface="Times New Roman" panose="02020603050405020304" pitchFamily="18" charset="0"/>
+            </a:endParaRPr>
+          </a:p>
+        </p:txBody>
+      </p:sp>
+      <p:sp>
+        <p:nvSpPr>
+          <p:cNvPr id="9" name="文字方塊 8"/>
+          <p:cNvSpPr txBox="1"/>
+          <p:nvPr/>
+        </p:nvSpPr>
+        <p:spPr>
+          <a:xfrm>
+            <a:off x="9321089" y="352529"/>
+            <a:ext cx="2555028" cy="369332"/>
+          </a:xfrm>
+          <a:prstGeom prst="rect">
+            <a:avLst/>
+          </a:prstGeom>
+          <a:noFill/>
+        </p:spPr>
+        <p:txBody>
+          <a:bodyPr wrap="square" rtlCol="0">
+            <a:spAutoFit/>
+          </a:bodyPr>
+          <a:lstStyle/>
+          <a:p>
+            <a:r>
+              <a:rPr lang="en-US" altLang="zh-TW" dirty="0" err="1" smtClean="0">
+                <a:solidFill>
+                  <a:srgbClr val="FF0000"/>
+                </a:solidFill>
+                <a:latin typeface="Times New Roman" panose="02020603050405020304" pitchFamily="18" charset="0"/>
+                <a:ea typeface="標楷體" panose="03000509000000000000" pitchFamily="65" charset="-120"/>
+                <a:cs typeface="Times New Roman" panose="02020603050405020304" pitchFamily="18" charset="0"/>
+              </a:rPr>
+              <a:t>Roo</a:t>
+            </a:r>
+            <a:r>
+              <a:rPr lang="en-US" altLang="zh-TW" dirty="0" smtClean="0">
+                <a:solidFill>
+                  <a:srgbClr val="FF0000"/>
+                </a:solidFill>
+                <a:latin typeface="Times New Roman" panose="02020603050405020304" pitchFamily="18" charset="0"/>
+                <a:ea typeface="標楷體" panose="03000509000000000000" pitchFamily="65" charset="-120"/>
+                <a:cs typeface="Times New Roman" panose="02020603050405020304" pitchFamily="18" charset="0"/>
+              </a:rPr>
+              <a:t> Code</a:t>
+            </a:r>
+            <a:r>
+              <a:rPr lang="zh-TW" altLang="en-US" dirty="0" smtClean="0">
+                <a:solidFill>
+                  <a:srgbClr val="FF0000"/>
+                </a:solidFill>
+                <a:latin typeface="Times New Roman" panose="02020603050405020304" pitchFamily="18" charset="0"/>
+                <a:ea typeface="標楷體" panose="03000509000000000000" pitchFamily="65" charset="-120"/>
+                <a:cs typeface="Times New Roman" panose="02020603050405020304" pitchFamily="18" charset="0"/>
+              </a:rPr>
+              <a:t> 生成</a:t>
+            </a:r>
+            <a:endParaRPr lang="zh-TW" altLang="en-US" dirty="0">
+              <a:solidFill>
+                <a:srgbClr val="FF0000"/>
+              </a:solidFill>
+              <a:latin typeface="Times New Roman" panose="02020603050405020304" pitchFamily="18" charset="0"/>
+              <a:ea typeface="標楷體" panose="03000509000000000000" pitchFamily="65" charset="-120"/>
+              <a:cs typeface="Times New Roman" panose="02020603050405020304" pitchFamily="18" charset="0"/>
+            </a:endParaRPr>
+          </a:p>
+        </p:txBody>
+      </p:sp>
+    </p:spTree>
+    <p:extLst>
+      <p:ext uri="{BB962C8B-B14F-4D97-AF65-F5344CB8AC3E}">
+        <p14:creationId xmlns:p14="http://schemas.microsoft.com/office/powerpoint/2010/main" val="3209305400"/>
       </p:ext>
     </p:extLst>
   </p:cSld>
@@ -4330,7 +6533,7 @@
           <p:cNvPr id="4" name="文字方塊 3">
             <a:extLst>
               <a:ext uri="{FF2B5EF4-FFF2-40B4-BE49-F238E27FC236}">
-                <a16:creationId xmlns:a16="http://schemas.microsoft.com/office/drawing/2014/main" id="{BF717898-3041-4020-ABB8-9C22565CAA42}"/>
+                <a16:creationId xmlns:a16="http://schemas.microsoft.com/office/drawing/2014/main" xmlns="" id="{BF717898-3041-4020-ABB8-9C22565CAA42}"/>
               </a:ext>
             </a:extLst>
           </p:cNvPr>
@@ -4385,7 +6588,7 @@
           <p:cNvPr id="5" name="文字方塊 4">
             <a:extLst>
               <a:ext uri="{FF2B5EF4-FFF2-40B4-BE49-F238E27FC236}">
-                <a16:creationId xmlns:a16="http://schemas.microsoft.com/office/drawing/2014/main" id="{1E806B04-B6EE-4CF9-B6DB-0628B041401A}"/>
+                <a16:creationId xmlns:a16="http://schemas.microsoft.com/office/drawing/2014/main" xmlns="" id="{1E806B04-B6EE-4CF9-B6DB-0628B041401A}"/>
               </a:ext>
             </a:extLst>
           </p:cNvPr>
@@ -4575,7 +6778,7 @@
           <p:cNvPr id="6" name="群組 5">
             <a:extLst>
               <a:ext uri="{FF2B5EF4-FFF2-40B4-BE49-F238E27FC236}">
-                <a16:creationId xmlns:a16="http://schemas.microsoft.com/office/drawing/2014/main" id="{0DBA70B5-9A1B-4FD4-9B21-E4ABAA17EB73}"/>
+                <a16:creationId xmlns:a16="http://schemas.microsoft.com/office/drawing/2014/main" xmlns="" id="{0DBA70B5-9A1B-4FD4-9B21-E4ABAA17EB73}"/>
               </a:ext>
             </a:extLst>
           </p:cNvPr>
@@ -4595,7 +6798,7 @@
             <p:cNvPr id="8" name="文字方塊 7">
               <a:extLst>
                 <a:ext uri="{FF2B5EF4-FFF2-40B4-BE49-F238E27FC236}">
-                  <a16:creationId xmlns:a16="http://schemas.microsoft.com/office/drawing/2014/main" id="{A2212B04-8D08-456C-9D17-9D0F2B045B51}"/>
+                  <a16:creationId xmlns:a16="http://schemas.microsoft.com/office/drawing/2014/main" xmlns="" id="{A2212B04-8D08-456C-9D17-9D0F2B045B51}"/>
                 </a:ext>
               </a:extLst>
             </p:cNvPr>
@@ -4640,7 +6843,7 @@
             <p:cNvPr id="3" name="圖片 2">
               <a:extLst>
                 <a:ext uri="{FF2B5EF4-FFF2-40B4-BE49-F238E27FC236}">
-                  <a16:creationId xmlns:a16="http://schemas.microsoft.com/office/drawing/2014/main" id="{02B301C8-98D9-42CB-8D56-2866F2C977CE}"/>
+                  <a16:creationId xmlns:a16="http://schemas.microsoft.com/office/drawing/2014/main" xmlns="" id="{02B301C8-98D9-42CB-8D56-2866F2C977CE}"/>
                 </a:ext>
               </a:extLst>
             </p:cNvPr>
@@ -4677,7 +6880,7 @@
           <p:cNvPr id="2" name="文字方塊 1">
             <a:extLst>
               <a:ext uri="{FF2B5EF4-FFF2-40B4-BE49-F238E27FC236}">
-                <a16:creationId xmlns:a16="http://schemas.microsoft.com/office/drawing/2014/main" id="{5602AAEB-64E7-4B99-B07E-028CDF9EA74A}"/>
+                <a16:creationId xmlns:a16="http://schemas.microsoft.com/office/drawing/2014/main" xmlns="" id="{5602AAEB-64E7-4B99-B07E-028CDF9EA74A}"/>
               </a:ext>
             </a:extLst>
           </p:cNvPr>
@@ -4750,7 +6953,7 @@
                 <a:hlinkClick r:id="rId4">
                   <a:extLst>
                     <a:ext uri="{A12FA001-AC4F-418D-AE19-62706E023703}">
-                      <ahyp:hlinkClr xmlns:ahyp="http://schemas.microsoft.com/office/drawing/2018/hyperlinkcolor" val="tx"/>
+                      <ahyp:hlinkClr xmlns:ahyp="http://schemas.microsoft.com/office/drawing/2018/hyperlinkcolor" xmlns="" val="tx"/>
                     </a:ext>
                   </a:extLst>
                 </a:hlinkClick>
@@ -4809,7 +7012,7 @@
           <p:cNvPr id="7" name="物件 6">
             <a:extLst>
               <a:ext uri="{FF2B5EF4-FFF2-40B4-BE49-F238E27FC236}">
-                <a16:creationId xmlns:a16="http://schemas.microsoft.com/office/drawing/2014/main" id="{48E6211F-7651-40DD-A1BC-76B676329D4C}"/>
+                <a16:creationId xmlns:a16="http://schemas.microsoft.com/office/drawing/2014/main" xmlns="" id="{48E6211F-7651-40DD-A1BC-76B676329D4C}"/>
               </a:ext>
             </a:extLst>
           </p:cNvPr>
@@ -4832,7 +7035,7 @@
           <a:graphicData uri="http://schemas.openxmlformats.org/presentationml/2006/ole">
             <mc:AlternateContent xmlns:mc="http://schemas.openxmlformats.org/markup-compatibility/2006">
               <mc:Choice xmlns:v="urn:schemas-microsoft-com:vml" Requires="v">
-                <p:oleObj spid="_x0000_s1035" name="Macro-Enabled Worksheet" showAsIcon="1" r:id="rId5" imgW="870480" imgH="732960" progId="Excel.SheetMacroEnabled.12">
+                <p:oleObj spid="_x0000_s1068" name="Macro-Enabled Worksheet" showAsIcon="1" r:id="rId5" imgW="870480" imgH="732960" progId="Excel.SheetMacroEnabled.12">
                   <p:embed/>
                 </p:oleObj>
               </mc:Choice>
@@ -4844,7 +7047,7 @@
                       <p:cNvPr id="7" name="物件 6">
                         <a:extLst>
                           <a:ext uri="{FF2B5EF4-FFF2-40B4-BE49-F238E27FC236}">
-                            <a16:creationId xmlns:a16="http://schemas.microsoft.com/office/drawing/2014/main" id="{48E6211F-7651-40DD-A1BC-76B676329D4C}"/>
+                            <a16:creationId xmlns:a16="http://schemas.microsoft.com/office/drawing/2014/main" xmlns="" id="{48E6211F-7651-40DD-A1BC-76B676329D4C}"/>
                           </a:ext>
                         </a:extLst>
                       </p:cNvPr>
@@ -4911,7 +7114,7 @@
           <p:cNvPr id="4" name="文字方塊 3">
             <a:extLst>
               <a:ext uri="{FF2B5EF4-FFF2-40B4-BE49-F238E27FC236}">
-                <a16:creationId xmlns:a16="http://schemas.microsoft.com/office/drawing/2014/main" id="{BF717898-3041-4020-ABB8-9C22565CAA42}"/>
+                <a16:creationId xmlns:a16="http://schemas.microsoft.com/office/drawing/2014/main" xmlns="" id="{BF717898-3041-4020-ABB8-9C22565CAA42}"/>
               </a:ext>
             </a:extLst>
           </p:cNvPr>
@@ -4966,7 +7169,7 @@
           <p:cNvPr id="2" name="文字方塊 1">
             <a:extLst>
               <a:ext uri="{FF2B5EF4-FFF2-40B4-BE49-F238E27FC236}">
-                <a16:creationId xmlns:a16="http://schemas.microsoft.com/office/drawing/2014/main" id="{02089B70-66E4-45A7-64C4-25D73BB4C35E}"/>
+                <a16:creationId xmlns:a16="http://schemas.microsoft.com/office/drawing/2014/main" xmlns="" id="{02089B70-66E4-45A7-64C4-25D73BB4C35E}"/>
               </a:ext>
             </a:extLst>
           </p:cNvPr>
@@ -5072,7 +7275,7 @@
           <p:cNvPr id="4" name="文字方塊 3">
             <a:extLst>
               <a:ext uri="{FF2B5EF4-FFF2-40B4-BE49-F238E27FC236}">
-                <a16:creationId xmlns:a16="http://schemas.microsoft.com/office/drawing/2014/main" id="{BF717898-3041-4020-ABB8-9C22565CAA42}"/>
+                <a16:creationId xmlns:a16="http://schemas.microsoft.com/office/drawing/2014/main" xmlns="" id="{BF717898-3041-4020-ABB8-9C22565CAA42}"/>
               </a:ext>
             </a:extLst>
           </p:cNvPr>
@@ -5127,7 +7330,7 @@
           <p:cNvPr id="2" name="文字方塊 1">
             <a:extLst>
               <a:ext uri="{FF2B5EF4-FFF2-40B4-BE49-F238E27FC236}">
-                <a16:creationId xmlns:a16="http://schemas.microsoft.com/office/drawing/2014/main" id="{02089B70-66E4-45A7-64C4-25D73BB4C35E}"/>
+                <a16:creationId xmlns:a16="http://schemas.microsoft.com/office/drawing/2014/main" xmlns="" id="{02089B70-66E4-45A7-64C4-25D73BB4C35E}"/>
               </a:ext>
             </a:extLst>
           </p:cNvPr>
@@ -5202,7 +7405,7 @@
           <p:cNvPr id="2" name="標題 1">
             <a:extLst>
               <a:ext uri="{FF2B5EF4-FFF2-40B4-BE49-F238E27FC236}">
-                <a16:creationId xmlns:a16="http://schemas.microsoft.com/office/drawing/2014/main" id="{A52E0534-7897-44A5-A573-56FDC52CC8F5}"/>
+                <a16:creationId xmlns:a16="http://schemas.microsoft.com/office/drawing/2014/main" xmlns="" id="{A52E0534-7897-44A5-A573-56FDC52CC8F5}"/>
               </a:ext>
             </a:extLst>
           </p:cNvPr>
@@ -5218,7 +7421,19 @@
           <a:bodyPr/>
           <a:lstStyle/>
           <a:p>
-            <a:endParaRPr lang="zh-TW" altLang="en-US" dirty="0"/>
+            <a:r>
+              <a:rPr lang="zh-TW" altLang="en-US" dirty="0" smtClean="0">
+                <a:latin typeface="Times New Roman" panose="02020603050405020304" pitchFamily="18" charset="0"/>
+                <a:ea typeface="標楷體" panose="03000509000000000000" pitchFamily="65" charset="-120"/>
+                <a:cs typeface="Times New Roman" panose="02020603050405020304" pitchFamily="18" charset="0"/>
+              </a:rPr>
+              <a:t>功能開發與部署流程</a:t>
+            </a:r>
+            <a:endParaRPr lang="zh-TW" altLang="en-US" dirty="0">
+              <a:latin typeface="Times New Roman" panose="02020603050405020304" pitchFamily="18" charset="0"/>
+              <a:ea typeface="標楷體" panose="03000509000000000000" pitchFamily="65" charset="-120"/>
+              <a:cs typeface="Times New Roman" panose="02020603050405020304" pitchFamily="18" charset="0"/>
+            </a:endParaRPr>
           </a:p>
         </p:txBody>
       </p:sp>
@@ -5227,7 +7442,7 @@
           <p:cNvPr id="3" name="內容版面配置區 2">
             <a:extLst>
               <a:ext uri="{FF2B5EF4-FFF2-40B4-BE49-F238E27FC236}">
-                <a16:creationId xmlns:a16="http://schemas.microsoft.com/office/drawing/2014/main" id="{39DFB134-D124-431C-8829-EEABDEBC0E07}"/>
+                <a16:creationId xmlns:a16="http://schemas.microsoft.com/office/drawing/2014/main" xmlns="" id="{39DFB134-D124-431C-8829-EEABDEBC0E07}"/>
               </a:ext>
             </a:extLst>
           </p:cNvPr>
@@ -5240,172 +7455,526 @@
         </p:nvSpPr>
         <p:spPr/>
         <p:txBody>
-          <a:bodyPr/>
-          <a:lstStyle/>
-          <a:p>
-            <a:r>
-              <a:rPr lang="zh-TW" altLang="en-US" dirty="0"/>
-              <a:t>把簡報題目丟給</a:t>
-            </a:r>
-            <a:r>
-              <a:rPr lang="en-US" altLang="zh-TW" dirty="0"/>
-              <a:t>GPT</a:t>
-            </a:r>
-            <a:r>
-              <a:rPr lang="zh-TW" altLang="en-US" dirty="0"/>
-              <a:t>，修改為適合問</a:t>
-            </a:r>
-            <a:r>
-              <a:rPr lang="en-US" altLang="zh-TW" dirty="0"/>
+          <a:bodyPr>
+            <a:normAutofit/>
+          </a:bodyPr>
+          <a:lstStyle/>
+          <a:p>
+            <a:r>
+              <a:rPr lang="zh-TW" altLang="en-US" dirty="0">
+                <a:latin typeface="Times New Roman" panose="02020603050405020304" pitchFamily="18" charset="0"/>
+                <a:ea typeface="標楷體" panose="03000509000000000000" pitchFamily="65" charset="-120"/>
+                <a:cs typeface="Times New Roman" panose="02020603050405020304" pitchFamily="18" charset="0"/>
+              </a:rPr>
+              <a:t>根據簡報中的題目，將需求轉換為適合向 </a:t>
+            </a:r>
+            <a:r>
+              <a:rPr lang="en-US" altLang="zh-TW" dirty="0">
+                <a:latin typeface="Times New Roman" panose="02020603050405020304" pitchFamily="18" charset="0"/>
+                <a:ea typeface="標楷體" panose="03000509000000000000" pitchFamily="65" charset="-120"/>
+                <a:cs typeface="Times New Roman" panose="02020603050405020304" pitchFamily="18" charset="0"/>
+              </a:rPr>
+              <a:t>Copilot </a:t>
+            </a:r>
+            <a:r>
+              <a:rPr lang="zh-TW" altLang="en-US" dirty="0">
+                <a:latin typeface="Times New Roman" panose="02020603050405020304" pitchFamily="18" charset="0"/>
+                <a:ea typeface="標楷體" panose="03000509000000000000" pitchFamily="65" charset="-120"/>
+                <a:cs typeface="Times New Roman" panose="02020603050405020304" pitchFamily="18" charset="0"/>
+              </a:rPr>
+              <a:t>提問的</a:t>
+            </a:r>
+            <a:r>
+              <a:rPr lang="zh-TW" altLang="en-US" dirty="0" smtClean="0">
+                <a:latin typeface="Times New Roman" panose="02020603050405020304" pitchFamily="18" charset="0"/>
+                <a:ea typeface="標楷體" panose="03000509000000000000" pitchFamily="65" charset="-120"/>
+                <a:cs typeface="Times New Roman" panose="02020603050405020304" pitchFamily="18" charset="0"/>
+              </a:rPr>
+              <a:t>格式</a:t>
+            </a:r>
+            <a:endParaRPr lang="en-US" altLang="zh-TW" dirty="0" smtClean="0">
+              <a:latin typeface="Times New Roman" panose="02020603050405020304" pitchFamily="18" charset="0"/>
+              <a:ea typeface="標楷體" panose="03000509000000000000" pitchFamily="65" charset="-120"/>
+              <a:cs typeface="Times New Roman" panose="02020603050405020304" pitchFamily="18" charset="0"/>
+            </a:endParaRPr>
+          </a:p>
+          <a:p>
+            <a:r>
+              <a:rPr lang="zh-TW" altLang="en-US" dirty="0" smtClean="0">
+                <a:latin typeface="Times New Roman" panose="02020603050405020304" pitchFamily="18" charset="0"/>
+                <a:ea typeface="標楷體" panose="03000509000000000000" pitchFamily="65" charset="-120"/>
+                <a:cs typeface="Times New Roman" panose="02020603050405020304" pitchFamily="18" charset="0"/>
+              </a:rPr>
+              <a:t>使用 </a:t>
+            </a:r>
+            <a:r>
+              <a:rPr lang="en-US" altLang="zh-TW" dirty="0" smtClean="0">
+                <a:latin typeface="Times New Roman" panose="02020603050405020304" pitchFamily="18" charset="0"/>
+                <a:ea typeface="標楷體" panose="03000509000000000000" pitchFamily="65" charset="-120"/>
+                <a:cs typeface="Times New Roman" panose="02020603050405020304" pitchFamily="18" charset="0"/>
+              </a:rPr>
               <a:t>Copilot</a:t>
             </a:r>
             <a:r>
-              <a:rPr lang="zh-TW" altLang="en-US" dirty="0"/>
-              <a:t>的格式</a:t>
-            </a:r>
-            <a:r>
-              <a:rPr lang="en-US" altLang="zh-TW" dirty="0"/>
-              <a:t>(</a:t>
-            </a:r>
-            <a:r>
-              <a:rPr lang="zh-TW" altLang="en-US" dirty="0"/>
-              <a:t>條列</a:t>
-            </a:r>
-            <a:r>
-              <a:rPr lang="en-US" altLang="zh-TW" dirty="0"/>
-              <a:t>)</a:t>
-            </a:r>
-          </a:p>
-          <a:p>
-            <a:r>
-              <a:rPr lang="en-US" altLang="zh-TW" dirty="0"/>
-              <a:t>Copilot</a:t>
-            </a:r>
-            <a:r>
-              <a:rPr lang="zh-TW" altLang="en-US" dirty="0"/>
-              <a:t>生成程式碼，根據</a:t>
-            </a:r>
-            <a:r>
-              <a:rPr lang="en-US" altLang="zh-TW" dirty="0"/>
+              <a:rPr lang="zh-TW" altLang="en-US" dirty="0" smtClean="0">
+                <a:latin typeface="Times New Roman" panose="02020603050405020304" pitchFamily="18" charset="0"/>
+                <a:ea typeface="標楷體" panose="03000509000000000000" pitchFamily="65" charset="-120"/>
+                <a:cs typeface="Times New Roman" panose="02020603050405020304" pitchFamily="18" charset="0"/>
+              </a:rPr>
+              <a:t> 生成程式碼，根據 </a:t>
+            </a:r>
+            <a:r>
+              <a:rPr lang="en-US" altLang="zh-TW" dirty="0" smtClean="0">
+                <a:latin typeface="Times New Roman" panose="02020603050405020304" pitchFamily="18" charset="0"/>
+                <a:ea typeface="標楷體" panose="03000509000000000000" pitchFamily="65" charset="-120"/>
+                <a:cs typeface="Times New Roman" panose="02020603050405020304" pitchFamily="18" charset="0"/>
+              </a:rPr>
               <a:t>CSV</a:t>
             </a:r>
             <a:r>
-              <a:rPr lang="zh-TW" altLang="en-US" dirty="0"/>
-              <a:t>格式和題目需求進行程式碼修改</a:t>
-            </a:r>
-            <a:endParaRPr lang="en-US" altLang="zh-TW" dirty="0"/>
-          </a:p>
-          <a:p>
-            <a:r>
-              <a:rPr lang="zh-TW" altLang="en-US" dirty="0"/>
-              <a:t>測試功能、撰寫單元測試</a:t>
-            </a:r>
-            <a:r>
-              <a:rPr lang="en-US" altLang="zh-TW" dirty="0"/>
-              <a:t>(</a:t>
-            </a:r>
-            <a:r>
-              <a:rPr lang="zh-TW" altLang="en-US" dirty="0"/>
-              <a:t>名稱為空、年齡不合理</a:t>
-            </a:r>
-            <a:r>
-              <a:rPr lang="en-US" altLang="zh-TW" dirty="0"/>
-              <a:t>)</a:t>
-            </a:r>
-          </a:p>
-          <a:p>
-            <a:r>
-              <a:rPr lang="zh-TW" altLang="en-US" dirty="0"/>
-              <a:t>修改名稱為選填，但如果留空會跳出提示，不會進到</a:t>
-            </a:r>
-            <a:r>
-              <a:rPr lang="en-US" altLang="zh-TW" dirty="0"/>
+              <a:rPr lang="zh-TW" altLang="en-US" dirty="0" smtClean="0">
+                <a:latin typeface="Times New Roman" panose="02020603050405020304" pitchFamily="18" charset="0"/>
+                <a:ea typeface="標楷體" panose="03000509000000000000" pitchFamily="65" charset="-120"/>
+                <a:cs typeface="Times New Roman" panose="02020603050405020304" pitchFamily="18" charset="0"/>
+              </a:rPr>
+              <a:t> 格式與題目需求修改程式碼</a:t>
+            </a:r>
+            <a:endParaRPr lang="en-US" altLang="zh-TW" dirty="0" smtClean="0">
+              <a:latin typeface="Times New Roman" panose="02020603050405020304" pitchFamily="18" charset="0"/>
+              <a:ea typeface="標楷體" panose="03000509000000000000" pitchFamily="65" charset="-120"/>
+              <a:cs typeface="Times New Roman" panose="02020603050405020304" pitchFamily="18" charset="0"/>
+            </a:endParaRPr>
+          </a:p>
+          <a:p>
+            <a:r>
+              <a:rPr lang="zh-TW" altLang="en-US" dirty="0" smtClean="0">
+                <a:latin typeface="Times New Roman" panose="02020603050405020304" pitchFamily="18" charset="0"/>
+                <a:ea typeface="標楷體" panose="03000509000000000000" pitchFamily="65" charset="-120"/>
+                <a:cs typeface="Times New Roman" panose="02020603050405020304" pitchFamily="18" charset="0"/>
+              </a:rPr>
+              <a:t>測試 </a:t>
+            </a:r>
+            <a:r>
+              <a:rPr lang="en-US" altLang="zh-TW" dirty="0" smtClean="0">
+                <a:latin typeface="Times New Roman" panose="02020603050405020304" pitchFamily="18" charset="0"/>
+                <a:ea typeface="標楷體" panose="03000509000000000000" pitchFamily="65" charset="-120"/>
+                <a:cs typeface="Times New Roman" panose="02020603050405020304" pitchFamily="18" charset="0"/>
+              </a:rPr>
+              <a:t>Restful API</a:t>
+            </a:r>
+            <a:r>
+              <a:rPr lang="zh-TW" altLang="en-US" dirty="0" smtClean="0">
+                <a:latin typeface="Times New Roman" panose="02020603050405020304" pitchFamily="18" charset="0"/>
+                <a:ea typeface="標楷體" panose="03000509000000000000" pitchFamily="65" charset="-120"/>
+                <a:cs typeface="Times New Roman" panose="02020603050405020304" pitchFamily="18" charset="0"/>
+              </a:rPr>
+              <a:t> 功能</a:t>
+            </a:r>
+            <a:r>
+              <a:rPr lang="zh-TW" altLang="en-US" dirty="0">
+                <a:latin typeface="Times New Roman" panose="02020603050405020304" pitchFamily="18" charset="0"/>
+                <a:ea typeface="標楷體" panose="03000509000000000000" pitchFamily="65" charset="-120"/>
+                <a:cs typeface="Times New Roman" panose="02020603050405020304" pitchFamily="18" charset="0"/>
+              </a:rPr>
+              <a:t>、</a:t>
+            </a:r>
+            <a:r>
+              <a:rPr lang="zh-TW" altLang="en-US" dirty="0" smtClean="0">
+                <a:latin typeface="Times New Roman" panose="02020603050405020304" pitchFamily="18" charset="0"/>
+                <a:ea typeface="標楷體" panose="03000509000000000000" pitchFamily="65" charset="-120"/>
+                <a:cs typeface="Times New Roman" panose="02020603050405020304" pitchFamily="18" charset="0"/>
+              </a:rPr>
+              <a:t>撰寫</a:t>
+            </a:r>
+            <a:r>
+              <a:rPr lang="en-US" altLang="zh-TW" dirty="0" smtClean="0">
+                <a:latin typeface="Times New Roman" panose="02020603050405020304" pitchFamily="18" charset="0"/>
+                <a:ea typeface="標楷體" panose="03000509000000000000" pitchFamily="65" charset="-120"/>
+                <a:cs typeface="Times New Roman" panose="02020603050405020304" pitchFamily="18" charset="0"/>
+              </a:rPr>
+              <a:t>2</a:t>
+            </a:r>
+            <a:r>
+              <a:rPr lang="zh-TW" altLang="en-US" dirty="0" smtClean="0">
+                <a:latin typeface="Times New Roman" panose="02020603050405020304" pitchFamily="18" charset="0"/>
+                <a:ea typeface="標楷體" panose="03000509000000000000" pitchFamily="65" charset="-120"/>
+                <a:cs typeface="Times New Roman" panose="02020603050405020304" pitchFamily="18" charset="0"/>
+              </a:rPr>
+              <a:t>項單元測試 </a:t>
+            </a:r>
+            <a:r>
+              <a:rPr lang="en-US" altLang="zh-TW" dirty="0" smtClean="0">
+                <a:latin typeface="Times New Roman" panose="02020603050405020304" pitchFamily="18" charset="0"/>
+                <a:ea typeface="標楷體" panose="03000509000000000000" pitchFamily="65" charset="-120"/>
+                <a:cs typeface="Times New Roman" panose="02020603050405020304" pitchFamily="18" charset="0"/>
+              </a:rPr>
+              <a:t>(Bonus Requirement #1)</a:t>
+            </a:r>
+          </a:p>
+          <a:p>
+            <a:pPr marL="914400" lvl="1" indent="-457200">
+              <a:buFont typeface="+mj-lt"/>
+              <a:buAutoNum type="arabicPeriod"/>
+            </a:pPr>
+            <a:r>
+              <a:rPr lang="zh-TW" altLang="en-US" dirty="0" smtClean="0">
+                <a:latin typeface="Times New Roman" panose="02020603050405020304" pitchFamily="18" charset="0"/>
+                <a:ea typeface="標楷體" panose="03000509000000000000" pitchFamily="65" charset="-120"/>
+                <a:cs typeface="Times New Roman" panose="02020603050405020304" pitchFamily="18" charset="0"/>
+              </a:rPr>
+              <a:t>名稱處理</a:t>
+            </a:r>
+            <a:r>
+              <a:rPr lang="en-US" altLang="zh-TW" dirty="0" smtClean="0">
+                <a:latin typeface="Times New Roman" panose="02020603050405020304" pitchFamily="18" charset="0"/>
+                <a:ea typeface="標楷體" panose="03000509000000000000" pitchFamily="65" charset="-120"/>
+                <a:cs typeface="Times New Roman" panose="02020603050405020304" pitchFamily="18" charset="0"/>
+              </a:rPr>
+              <a:t>:</a:t>
+            </a:r>
+            <a:r>
+              <a:rPr lang="zh-TW" altLang="en-US" dirty="0" smtClean="0">
+                <a:latin typeface="Times New Roman" panose="02020603050405020304" pitchFamily="18" charset="0"/>
+                <a:ea typeface="標楷體" panose="03000509000000000000" pitchFamily="65" charset="-120"/>
+                <a:cs typeface="Times New Roman" panose="02020603050405020304" pitchFamily="18" charset="0"/>
+              </a:rPr>
+              <a:t> 若名稱為空</a:t>
+            </a:r>
+            <a:r>
+              <a:rPr lang="zh-TW" altLang="en-US" dirty="0">
+                <a:latin typeface="Times New Roman" panose="02020603050405020304" pitchFamily="18" charset="0"/>
+                <a:ea typeface="標楷體" panose="03000509000000000000" pitchFamily="65" charset="-120"/>
+                <a:cs typeface="Times New Roman" panose="02020603050405020304" pitchFamily="18" charset="0"/>
+              </a:rPr>
+              <a:t>，</a:t>
+            </a:r>
+            <a:r>
+              <a:rPr lang="zh-TW" altLang="en-US" dirty="0" smtClean="0">
+                <a:latin typeface="Times New Roman" panose="02020603050405020304" pitchFamily="18" charset="0"/>
+                <a:ea typeface="標楷體" panose="03000509000000000000" pitchFamily="65" charset="-120"/>
+                <a:cs typeface="Times New Roman" panose="02020603050405020304" pitchFamily="18" charset="0"/>
+              </a:rPr>
+              <a:t>將提示用戶名稱為必須，不會寫進 </a:t>
+            </a:r>
+            <a:r>
+              <a:rPr lang="en-US" altLang="zh-TW" dirty="0" smtClean="0">
+                <a:latin typeface="Times New Roman" panose="02020603050405020304" pitchFamily="18" charset="0"/>
+                <a:ea typeface="標楷體" panose="03000509000000000000" pitchFamily="65" charset="-120"/>
+                <a:cs typeface="Times New Roman" panose="02020603050405020304" pitchFamily="18" charset="0"/>
+              </a:rPr>
               <a:t>user</a:t>
             </a:r>
             <a:r>
-              <a:rPr lang="zh-TW" altLang="en-US" dirty="0"/>
-              <a:t>列表</a:t>
-            </a:r>
-            <a:endParaRPr lang="en-US" altLang="zh-TW" dirty="0"/>
-          </a:p>
-          <a:p>
-            <a:r>
-              <a:rPr lang="zh-TW" altLang="en-US" dirty="0"/>
-              <a:t>年齡不合理直接報錯</a:t>
-            </a:r>
-            <a:r>
-              <a:rPr lang="en-US" altLang="zh-TW" dirty="0"/>
-              <a:t>(Age out of range)</a:t>
-            </a:r>
-            <a:r>
-              <a:rPr lang="zh-TW" altLang="en-US" dirty="0"/>
-              <a:t> 合理範圍為</a:t>
-            </a:r>
-            <a:r>
-              <a:rPr lang="en-US" altLang="zh-TW" dirty="0"/>
-              <a:t>0</a:t>
-            </a:r>
-            <a:r>
-              <a:rPr lang="zh-TW" altLang="en-US" dirty="0"/>
-              <a:t>至</a:t>
-            </a:r>
-            <a:r>
-              <a:rPr lang="en-US" altLang="zh-TW" dirty="0"/>
+              <a:rPr lang="zh-TW" altLang="en-US" dirty="0" smtClean="0">
+                <a:latin typeface="Times New Roman" panose="02020603050405020304" pitchFamily="18" charset="0"/>
+                <a:ea typeface="標楷體" panose="03000509000000000000" pitchFamily="65" charset="-120"/>
+                <a:cs typeface="Times New Roman" panose="02020603050405020304" pitchFamily="18" charset="0"/>
+              </a:rPr>
+              <a:t> 列表</a:t>
+            </a:r>
+            <a:endParaRPr lang="en-US" altLang="zh-TW" dirty="0">
+              <a:latin typeface="Times New Roman" panose="02020603050405020304" pitchFamily="18" charset="0"/>
+              <a:ea typeface="標楷體" panose="03000509000000000000" pitchFamily="65" charset="-120"/>
+              <a:cs typeface="Times New Roman" panose="02020603050405020304" pitchFamily="18" charset="0"/>
+            </a:endParaRPr>
+          </a:p>
+          <a:p>
+            <a:pPr marL="914400" lvl="1" indent="-457200">
+              <a:buFont typeface="+mj-lt"/>
+              <a:buAutoNum type="arabicPeriod"/>
+            </a:pPr>
+            <a:r>
+              <a:rPr lang="zh-TW" altLang="en-US" dirty="0" smtClean="0">
+                <a:latin typeface="Times New Roman" panose="02020603050405020304" pitchFamily="18" charset="0"/>
+                <a:ea typeface="標楷體" panose="03000509000000000000" pitchFamily="65" charset="-120"/>
+                <a:cs typeface="Times New Roman" panose="02020603050405020304" pitchFamily="18" charset="0"/>
+              </a:rPr>
+              <a:t>年齡檢查</a:t>
+            </a:r>
+            <a:r>
+              <a:rPr lang="en-US" altLang="zh-TW" dirty="0" smtClean="0">
+                <a:latin typeface="Times New Roman" panose="02020603050405020304" pitchFamily="18" charset="0"/>
+                <a:ea typeface="標楷體" panose="03000509000000000000" pitchFamily="65" charset="-120"/>
+                <a:cs typeface="Times New Roman" panose="02020603050405020304" pitchFamily="18" charset="0"/>
+              </a:rPr>
+              <a:t>:</a:t>
+            </a:r>
+            <a:r>
+              <a:rPr lang="zh-TW" altLang="en-US" dirty="0" smtClean="0">
+                <a:latin typeface="Times New Roman" panose="02020603050405020304" pitchFamily="18" charset="0"/>
+                <a:ea typeface="標楷體" panose="03000509000000000000" pitchFamily="65" charset="-120"/>
+                <a:cs typeface="Times New Roman" panose="02020603050405020304" pitchFamily="18" charset="0"/>
+              </a:rPr>
+              <a:t> </a:t>
+            </a:r>
+            <a:r>
+              <a:rPr lang="zh-TW" altLang="en-US" dirty="0" smtClean="0">
+                <a:latin typeface="Times New Roman" panose="02020603050405020304" pitchFamily="18" charset="0"/>
+                <a:ea typeface="標楷體" panose="03000509000000000000" pitchFamily="65" charset="-120"/>
+                <a:cs typeface="Times New Roman" panose="02020603050405020304" pitchFamily="18" charset="0"/>
+              </a:rPr>
+              <a:t>設置</a:t>
+            </a:r>
+            <a:r>
+              <a:rPr lang="zh-TW" altLang="en-US" dirty="0">
+                <a:latin typeface="Times New Roman" panose="02020603050405020304" pitchFamily="18" charset="0"/>
+                <a:ea typeface="標楷體" panose="03000509000000000000" pitchFamily="65" charset="-120"/>
+                <a:cs typeface="Times New Roman" panose="02020603050405020304" pitchFamily="18" charset="0"/>
+              </a:rPr>
+              <a:t>年齡合理範圍為 </a:t>
+            </a:r>
+            <a:r>
+              <a:rPr lang="en-US" altLang="zh-TW" dirty="0">
+                <a:latin typeface="Times New Roman" panose="02020603050405020304" pitchFamily="18" charset="0"/>
+                <a:ea typeface="標楷體" panose="03000509000000000000" pitchFamily="65" charset="-120"/>
+                <a:cs typeface="Times New Roman" panose="02020603050405020304" pitchFamily="18" charset="0"/>
+              </a:rPr>
+              <a:t>0 </a:t>
+            </a:r>
+            <a:r>
+              <a:rPr lang="zh-TW" altLang="en-US" dirty="0">
+                <a:latin typeface="Times New Roman" panose="02020603050405020304" pitchFamily="18" charset="0"/>
+                <a:ea typeface="標楷體" panose="03000509000000000000" pitchFamily="65" charset="-120"/>
+                <a:cs typeface="Times New Roman" panose="02020603050405020304" pitchFamily="18" charset="0"/>
+              </a:rPr>
+              <a:t>至 </a:t>
+            </a:r>
+            <a:r>
+              <a:rPr lang="en-US" altLang="zh-TW" dirty="0">
+                <a:latin typeface="Times New Roman" panose="02020603050405020304" pitchFamily="18" charset="0"/>
+                <a:ea typeface="標楷體" panose="03000509000000000000" pitchFamily="65" charset="-120"/>
+                <a:cs typeface="Times New Roman" panose="02020603050405020304" pitchFamily="18" charset="0"/>
+              </a:rPr>
               <a:t>125</a:t>
             </a:r>
             <a:r>
-              <a:rPr lang="zh-TW" altLang="en-US" dirty="0"/>
-              <a:t>的整數</a:t>
-            </a:r>
-            <a:endParaRPr lang="en-US" altLang="zh-TW" dirty="0"/>
-          </a:p>
-          <a:p>
-            <a:r>
-              <a:rPr lang="zh-TW" altLang="en-US" dirty="0"/>
-              <a:t>將整個流程寫入</a:t>
-            </a:r>
-            <a:r>
-              <a:rPr lang="en-US" altLang="zh-TW" dirty="0"/>
-              <a:t>docker(</a:t>
-            </a:r>
-            <a:r>
-              <a:rPr lang="zh-TW" altLang="en-US" dirty="0"/>
-              <a:t>安裝</a:t>
-            </a:r>
-            <a:r>
-              <a:rPr lang="en-US" altLang="zh-TW" dirty="0"/>
-              <a:t>docker desktop</a:t>
-            </a:r>
-            <a:r>
-              <a:rPr lang="zh-TW" altLang="en-US" dirty="0"/>
-              <a:t>到本機</a:t>
-            </a:r>
-            <a:r>
-              <a:rPr lang="en-US" altLang="zh-TW" dirty="0"/>
-              <a:t>)</a:t>
-            </a:r>
-          </a:p>
-          <a:p>
-            <a:r>
-              <a:rPr lang="zh-TW" altLang="en-US" dirty="0"/>
-              <a:t>安裝</a:t>
-            </a:r>
-            <a:r>
-              <a:rPr lang="en-US" altLang="zh-TW" dirty="0" err="1"/>
-              <a:t>roo</a:t>
-            </a:r>
-            <a:r>
-              <a:rPr lang="en-US" altLang="zh-TW" dirty="0"/>
-              <a:t> code</a:t>
-            </a:r>
-            <a:r>
-              <a:rPr lang="zh-TW" altLang="en-US" dirty="0"/>
-              <a:t>套件，模型選擇</a:t>
-            </a:r>
-            <a:r>
-              <a:rPr lang="en-US" altLang="zh-TW" dirty="0"/>
-              <a:t>Google Gemini</a:t>
-            </a:r>
+              <a:rPr lang="zh-TW" altLang="en-US" dirty="0">
+                <a:latin typeface="Times New Roman" panose="02020603050405020304" pitchFamily="18" charset="0"/>
+                <a:ea typeface="標楷體" panose="03000509000000000000" pitchFamily="65" charset="-120"/>
+                <a:cs typeface="Times New Roman" panose="02020603050405020304" pitchFamily="18" charset="0"/>
+              </a:rPr>
+              <a:t>，若年齡不在範圍</a:t>
+            </a:r>
+            <a:r>
+              <a:rPr lang="zh-TW" altLang="en-US" dirty="0" smtClean="0">
+                <a:latin typeface="Times New Roman" panose="02020603050405020304" pitchFamily="18" charset="0"/>
+                <a:ea typeface="標楷體" panose="03000509000000000000" pitchFamily="65" charset="-120"/>
+                <a:cs typeface="Times New Roman" panose="02020603050405020304" pitchFamily="18" charset="0"/>
+              </a:rPr>
+              <a:t>內則報錯</a:t>
+            </a:r>
+            <a:endParaRPr lang="en-US" altLang="zh-TW" dirty="0">
+              <a:latin typeface="Times New Roman" panose="02020603050405020304" pitchFamily="18" charset="0"/>
+              <a:ea typeface="標楷體" panose="03000509000000000000" pitchFamily="65" charset="-120"/>
+              <a:cs typeface="Times New Roman" panose="02020603050405020304" pitchFamily="18" charset="0"/>
+            </a:endParaRPr>
+          </a:p>
+          <a:p>
+            <a:r>
+              <a:rPr lang="en-US" altLang="zh-TW" dirty="0" smtClean="0">
+                <a:latin typeface="Times New Roman" panose="02020603050405020304" pitchFamily="18" charset="0"/>
+                <a:ea typeface="標楷體" panose="03000509000000000000" pitchFamily="65" charset="-120"/>
+                <a:cs typeface="Times New Roman" panose="02020603050405020304" pitchFamily="18" charset="0"/>
+              </a:rPr>
+              <a:t>Docker </a:t>
+            </a:r>
+            <a:r>
+              <a:rPr lang="zh-TW" altLang="en-US" dirty="0" smtClean="0">
+                <a:latin typeface="Times New Roman" panose="02020603050405020304" pitchFamily="18" charset="0"/>
+                <a:ea typeface="標楷體" panose="03000509000000000000" pitchFamily="65" charset="-120"/>
+                <a:cs typeface="Times New Roman" panose="02020603050405020304" pitchFamily="18" charset="0"/>
+              </a:rPr>
+              <a:t>容器化部署 </a:t>
+            </a:r>
+            <a:r>
+              <a:rPr lang="en-US" altLang="zh-TW" dirty="0">
+                <a:latin typeface="Times New Roman" panose="02020603050405020304" pitchFamily="18" charset="0"/>
+                <a:ea typeface="標楷體" panose="03000509000000000000" pitchFamily="65" charset="-120"/>
+                <a:cs typeface="Times New Roman" panose="02020603050405020304" pitchFamily="18" charset="0"/>
+              </a:rPr>
+              <a:t>(Bonus Requirement </a:t>
+            </a:r>
+            <a:r>
+              <a:rPr lang="en-US" altLang="zh-TW" dirty="0" smtClean="0">
+                <a:latin typeface="Times New Roman" panose="02020603050405020304" pitchFamily="18" charset="0"/>
+                <a:ea typeface="標楷體" panose="03000509000000000000" pitchFamily="65" charset="-120"/>
+                <a:cs typeface="Times New Roman" panose="02020603050405020304" pitchFamily="18" charset="0"/>
+              </a:rPr>
+              <a:t>#2)</a:t>
+            </a:r>
+          </a:p>
+          <a:p>
+            <a:pPr marL="914400" lvl="1" indent="-457200">
+              <a:buFont typeface="+mj-lt"/>
+              <a:buAutoNum type="arabicPeriod"/>
+            </a:pPr>
+            <a:r>
+              <a:rPr lang="zh-TW" altLang="en-US" dirty="0" smtClean="0">
+                <a:latin typeface="Times New Roman" panose="02020603050405020304" pitchFamily="18" charset="0"/>
+                <a:ea typeface="標楷體" panose="03000509000000000000" pitchFamily="65" charset="-120"/>
+                <a:cs typeface="Times New Roman" panose="02020603050405020304" pitchFamily="18" charset="0"/>
+              </a:rPr>
+              <a:t>安裝 </a:t>
+            </a:r>
+            <a:r>
+              <a:rPr lang="en-US" altLang="zh-TW" dirty="0">
+                <a:latin typeface="Times New Roman" panose="02020603050405020304" pitchFamily="18" charset="0"/>
+                <a:ea typeface="標楷體" panose="03000509000000000000" pitchFamily="65" charset="-120"/>
+                <a:cs typeface="Times New Roman" panose="02020603050405020304" pitchFamily="18" charset="0"/>
+              </a:rPr>
+              <a:t>D</a:t>
+            </a:r>
+            <a:r>
+              <a:rPr lang="en-US" altLang="zh-TW" dirty="0" smtClean="0">
+                <a:latin typeface="Times New Roman" panose="02020603050405020304" pitchFamily="18" charset="0"/>
+                <a:ea typeface="標楷體" panose="03000509000000000000" pitchFamily="65" charset="-120"/>
+                <a:cs typeface="Times New Roman" panose="02020603050405020304" pitchFamily="18" charset="0"/>
+              </a:rPr>
+              <a:t>ocker </a:t>
+            </a:r>
+            <a:r>
+              <a:rPr lang="en-US" altLang="zh-TW" dirty="0" smtClean="0">
+                <a:latin typeface="Times New Roman" panose="02020603050405020304" pitchFamily="18" charset="0"/>
+                <a:ea typeface="標楷體" panose="03000509000000000000" pitchFamily="65" charset="-120"/>
+                <a:cs typeface="Times New Roman" panose="02020603050405020304" pitchFamily="18" charset="0"/>
+              </a:rPr>
+              <a:t>D</a:t>
+            </a:r>
+            <a:r>
+              <a:rPr lang="en-US" altLang="zh-TW" dirty="0" smtClean="0">
+                <a:latin typeface="Times New Roman" panose="02020603050405020304" pitchFamily="18" charset="0"/>
+                <a:ea typeface="標楷體" panose="03000509000000000000" pitchFamily="65" charset="-120"/>
+                <a:cs typeface="Times New Roman" panose="02020603050405020304" pitchFamily="18" charset="0"/>
+              </a:rPr>
+              <a:t>esktop</a:t>
+            </a:r>
+            <a:r>
+              <a:rPr lang="zh-TW" altLang="en-US" dirty="0" smtClean="0">
+                <a:latin typeface="Times New Roman" panose="02020603050405020304" pitchFamily="18" charset="0"/>
+                <a:ea typeface="標楷體" panose="03000509000000000000" pitchFamily="65" charset="-120"/>
+                <a:cs typeface="Times New Roman" panose="02020603050405020304" pitchFamily="18" charset="0"/>
+              </a:rPr>
+              <a:t> 至本機</a:t>
+            </a:r>
+            <a:endParaRPr lang="en-US" altLang="zh-TW" dirty="0" smtClean="0">
+              <a:latin typeface="Times New Roman" panose="02020603050405020304" pitchFamily="18" charset="0"/>
+              <a:ea typeface="標楷體" panose="03000509000000000000" pitchFamily="65" charset="-120"/>
+              <a:cs typeface="Times New Roman" panose="02020603050405020304" pitchFamily="18" charset="0"/>
+            </a:endParaRPr>
+          </a:p>
+          <a:p>
+            <a:pPr marL="914400" lvl="1" indent="-457200">
+              <a:buFont typeface="+mj-lt"/>
+              <a:buAutoNum type="arabicPeriod"/>
+            </a:pPr>
+            <a:r>
+              <a:rPr lang="zh-TW" altLang="en-US" dirty="0" smtClean="0">
+                <a:latin typeface="Times New Roman" panose="02020603050405020304" pitchFamily="18" charset="0"/>
+                <a:ea typeface="標楷體" panose="03000509000000000000" pitchFamily="65" charset="-120"/>
+                <a:cs typeface="Times New Roman" panose="02020603050405020304" pitchFamily="18" charset="0"/>
+              </a:rPr>
+              <a:t>配置 </a:t>
+            </a:r>
+            <a:r>
+              <a:rPr lang="en-US" altLang="zh-TW" dirty="0" smtClean="0">
+                <a:latin typeface="Times New Roman" panose="02020603050405020304" pitchFamily="18" charset="0"/>
+                <a:ea typeface="標楷體" panose="03000509000000000000" pitchFamily="65" charset="-120"/>
+                <a:cs typeface="Times New Roman" panose="02020603050405020304" pitchFamily="18" charset="0"/>
+              </a:rPr>
+              <a:t>Docker </a:t>
+            </a:r>
+            <a:r>
+              <a:rPr lang="zh-TW" altLang="en-US" dirty="0" smtClean="0">
+                <a:latin typeface="Times New Roman" panose="02020603050405020304" pitchFamily="18" charset="0"/>
+                <a:ea typeface="標楷體" panose="03000509000000000000" pitchFamily="65" charset="-120"/>
+                <a:cs typeface="Times New Roman" panose="02020603050405020304" pitchFamily="18" charset="0"/>
+              </a:rPr>
+              <a:t>容器，確保 </a:t>
+            </a:r>
+            <a:r>
+              <a:rPr lang="en-US" altLang="zh-TW" dirty="0" smtClean="0">
+                <a:latin typeface="Times New Roman" panose="02020603050405020304" pitchFamily="18" charset="0"/>
+                <a:ea typeface="標楷體" panose="03000509000000000000" pitchFamily="65" charset="-120"/>
+                <a:cs typeface="Times New Roman" panose="02020603050405020304" pitchFamily="18" charset="0"/>
+              </a:rPr>
+              <a:t>Flask </a:t>
+            </a:r>
+            <a:r>
+              <a:rPr lang="zh-TW" altLang="en-US" dirty="0" smtClean="0">
+                <a:latin typeface="Times New Roman" panose="02020603050405020304" pitchFamily="18" charset="0"/>
+                <a:ea typeface="標楷體" panose="03000509000000000000" pitchFamily="65" charset="-120"/>
+                <a:cs typeface="Times New Roman" panose="02020603050405020304" pitchFamily="18" charset="0"/>
+              </a:rPr>
+              <a:t>應用能正常運行</a:t>
+            </a:r>
+            <a:endParaRPr lang="en-US" altLang="zh-TW" dirty="0">
+              <a:latin typeface="Times New Roman" panose="02020603050405020304" pitchFamily="18" charset="0"/>
+              <a:ea typeface="標楷體" panose="03000509000000000000" pitchFamily="65" charset="-120"/>
+              <a:cs typeface="Times New Roman" panose="02020603050405020304" pitchFamily="18" charset="0"/>
+            </a:endParaRPr>
+          </a:p>
+          <a:p>
+            <a:r>
+              <a:rPr lang="zh-TW" altLang="en-US" dirty="0" smtClean="0">
+                <a:latin typeface="Times New Roman" panose="02020603050405020304" pitchFamily="18" charset="0"/>
+                <a:ea typeface="標楷體" panose="03000509000000000000" pitchFamily="65" charset="-120"/>
+                <a:cs typeface="Times New Roman" panose="02020603050405020304" pitchFamily="18" charset="0"/>
+              </a:rPr>
+              <a:t>安裝 </a:t>
+            </a:r>
+            <a:r>
+              <a:rPr lang="en-US" altLang="zh-TW" dirty="0" err="1" smtClean="0">
+                <a:latin typeface="Times New Roman" panose="02020603050405020304" pitchFamily="18" charset="0"/>
+                <a:ea typeface="標楷體" panose="03000509000000000000" pitchFamily="65" charset="-120"/>
+                <a:cs typeface="Times New Roman" panose="02020603050405020304" pitchFamily="18" charset="0"/>
+              </a:rPr>
+              <a:t>R</a:t>
+            </a:r>
+            <a:r>
+              <a:rPr lang="en-US" altLang="zh-TW" dirty="0" err="1" smtClean="0">
+                <a:latin typeface="Times New Roman" panose="02020603050405020304" pitchFamily="18" charset="0"/>
+                <a:ea typeface="標楷體" panose="03000509000000000000" pitchFamily="65" charset="-120"/>
+                <a:cs typeface="Times New Roman" panose="02020603050405020304" pitchFamily="18" charset="0"/>
+              </a:rPr>
+              <a:t>oo</a:t>
+            </a:r>
+            <a:r>
+              <a:rPr lang="en-US" altLang="zh-TW" dirty="0" smtClean="0">
+                <a:latin typeface="Times New Roman" panose="02020603050405020304" pitchFamily="18" charset="0"/>
+                <a:ea typeface="標楷體" panose="03000509000000000000" pitchFamily="65" charset="-120"/>
+                <a:cs typeface="Times New Roman" panose="02020603050405020304" pitchFamily="18" charset="0"/>
+              </a:rPr>
+              <a:t> code </a:t>
+            </a:r>
+            <a:r>
+              <a:rPr lang="zh-TW" altLang="en-US" dirty="0" smtClean="0">
+                <a:latin typeface="Times New Roman" panose="02020603050405020304" pitchFamily="18" charset="0"/>
+                <a:ea typeface="標楷體" panose="03000509000000000000" pitchFamily="65" charset="-120"/>
+                <a:cs typeface="Times New Roman" panose="02020603050405020304" pitchFamily="18" charset="0"/>
+              </a:rPr>
+              <a:t>套件，選擇 </a:t>
+            </a:r>
+            <a:r>
+              <a:rPr lang="en-US" altLang="zh-TW" dirty="0" smtClean="0">
+                <a:latin typeface="Times New Roman" panose="02020603050405020304" pitchFamily="18" charset="0"/>
+                <a:ea typeface="標楷體" panose="03000509000000000000" pitchFamily="65" charset="-120"/>
+                <a:cs typeface="Times New Roman" panose="02020603050405020304" pitchFamily="18" charset="0"/>
+              </a:rPr>
+              <a:t>Google Gemini </a:t>
+            </a:r>
+            <a:r>
+              <a:rPr lang="zh-TW" altLang="en-US" dirty="0" smtClean="0">
+                <a:latin typeface="Times New Roman" panose="02020603050405020304" pitchFamily="18" charset="0"/>
+                <a:ea typeface="標楷體" panose="03000509000000000000" pitchFamily="65" charset="-120"/>
+                <a:cs typeface="Times New Roman" panose="02020603050405020304" pitchFamily="18" charset="0"/>
+              </a:rPr>
+              <a:t>模型進行應用</a:t>
+            </a:r>
+            <a:endParaRPr lang="en-US" altLang="zh-TW" dirty="0">
+              <a:latin typeface="Times New Roman" panose="02020603050405020304" pitchFamily="18" charset="0"/>
+              <a:ea typeface="標楷體" panose="03000509000000000000" pitchFamily="65" charset="-120"/>
+              <a:cs typeface="Times New Roman" panose="02020603050405020304" pitchFamily="18" charset="0"/>
+            </a:endParaRPr>
           </a:p>
         </p:txBody>
       </p:sp>
@@ -5444,7 +8013,7 @@
           <p:cNvPr id="2" name="標題 1">
             <a:extLst>
               <a:ext uri="{FF2B5EF4-FFF2-40B4-BE49-F238E27FC236}">
-                <a16:creationId xmlns:a16="http://schemas.microsoft.com/office/drawing/2014/main" id="{A52E0534-7897-44A5-A573-56FDC52CC8F5}"/>
+                <a16:creationId xmlns:a16="http://schemas.microsoft.com/office/drawing/2014/main" xmlns="" id="{55C61A07-21F8-459D-917F-7A7AB094CA94}"/>
               </a:ext>
             </a:extLst>
           </p:cNvPr>
@@ -5457,10 +8026,72 @@
         </p:nvSpPr>
         <p:spPr/>
         <p:txBody>
-          <a:bodyPr/>
-          <a:lstStyle/>
-          <a:p>
-            <a:endParaRPr lang="zh-TW" altLang="en-US"/>
+          <a:bodyPr>
+            <a:normAutofit/>
+          </a:bodyPr>
+          <a:lstStyle/>
+          <a:p>
+            <a:r>
+              <a:rPr lang="zh-TW" altLang="en-US" sz="3600" dirty="0">
+                <a:latin typeface="Times New Roman" panose="02020603050405020304" pitchFamily="18" charset="0"/>
+                <a:ea typeface="標楷體" panose="03000509000000000000" pitchFamily="65" charset="-120"/>
+                <a:cs typeface="Times New Roman" panose="02020603050405020304" pitchFamily="18" charset="0"/>
+              </a:rPr>
+              <a:t>利用 </a:t>
+            </a:r>
+            <a:r>
+              <a:rPr lang="en-US" altLang="zh-TW" sz="3600" dirty="0">
+                <a:latin typeface="Times New Roman" panose="02020603050405020304" pitchFamily="18" charset="0"/>
+                <a:ea typeface="標楷體" panose="03000509000000000000" pitchFamily="65" charset="-120"/>
+                <a:cs typeface="Times New Roman" panose="02020603050405020304" pitchFamily="18" charset="0"/>
+              </a:rPr>
+              <a:t>Flask </a:t>
+            </a:r>
+            <a:r>
+              <a:rPr lang="zh-TW" altLang="en-US" sz="3600" dirty="0">
+                <a:latin typeface="Times New Roman" panose="02020603050405020304" pitchFamily="18" charset="0"/>
+                <a:ea typeface="標楷體" panose="03000509000000000000" pitchFamily="65" charset="-120"/>
+                <a:cs typeface="Times New Roman" panose="02020603050405020304" pitchFamily="18" charset="0"/>
+              </a:rPr>
+              <a:t>實現 </a:t>
+            </a:r>
+            <a:r>
+              <a:rPr lang="en-US" altLang="zh-TW" sz="3600" dirty="0">
+                <a:latin typeface="Times New Roman" panose="02020603050405020304" pitchFamily="18" charset="0"/>
+                <a:ea typeface="標楷體" panose="03000509000000000000" pitchFamily="65" charset="-120"/>
+                <a:cs typeface="Times New Roman" panose="02020603050405020304" pitchFamily="18" charset="0"/>
+              </a:rPr>
+              <a:t>RESTful API </a:t>
+            </a:r>
+            <a:r>
+              <a:rPr lang="zh-TW" altLang="en-US" sz="3600" dirty="0">
+                <a:latin typeface="Times New Roman" panose="02020603050405020304" pitchFamily="18" charset="0"/>
+                <a:ea typeface="標楷體" panose="03000509000000000000" pitchFamily="65" charset="-120"/>
+                <a:cs typeface="Times New Roman" panose="02020603050405020304" pitchFamily="18" charset="0"/>
+              </a:rPr>
+              <a:t>並生成 </a:t>
+            </a:r>
+            <a:r>
+              <a:rPr lang="en-US" altLang="zh-TW" sz="3600" dirty="0">
+                <a:latin typeface="Times New Roman" panose="02020603050405020304" pitchFamily="18" charset="0"/>
+                <a:ea typeface="標楷體" panose="03000509000000000000" pitchFamily="65" charset="-120"/>
+                <a:cs typeface="Times New Roman" panose="02020603050405020304" pitchFamily="18" charset="0"/>
+              </a:rPr>
+              <a:t>Swagger </a:t>
+            </a:r>
+            <a:r>
+              <a:rPr lang="zh-TW" altLang="en-US" sz="3600" dirty="0">
+                <a:latin typeface="Times New Roman" panose="02020603050405020304" pitchFamily="18" charset="0"/>
+                <a:ea typeface="標楷體" panose="03000509000000000000" pitchFamily="65" charset="-120"/>
+                <a:cs typeface="Times New Roman" panose="02020603050405020304" pitchFamily="18" charset="0"/>
+              </a:rPr>
+              <a:t>文檔</a:t>
+            </a:r>
+            <a:endParaRPr lang="zh-TW" altLang="en-US" sz="3600" dirty="0">
+              <a:latin typeface="Times New Roman" panose="02020603050405020304" pitchFamily="18" charset="0"/>
+              <a:ea typeface="標楷體" panose="03000509000000000000" pitchFamily="65" charset="-120"/>
+              <a:cs typeface="Times New Roman" panose="02020603050405020304" pitchFamily="18" charset="0"/>
+            </a:endParaRPr>
           </a:p>
         </p:txBody>
       </p:sp>
@@ -5469,7 +8100,7 @@
           <p:cNvPr id="3" name="內容版面配置區 2">
             <a:extLst>
               <a:ext uri="{FF2B5EF4-FFF2-40B4-BE49-F238E27FC236}">
-                <a16:creationId xmlns:a16="http://schemas.microsoft.com/office/drawing/2014/main" id="{39DFB134-D124-431C-8829-EEABDEBC0E07}"/>
+                <a16:creationId xmlns:a16="http://schemas.microsoft.com/office/drawing/2014/main" xmlns="" id="{DF3720F1-EFFF-498C-927B-838E81B3E8B1}"/>
               </a:ext>
             </a:extLst>
           </p:cNvPr>
@@ -5491,10 +8122,10 @@
       </p:sp>
       <p:pic>
         <p:nvPicPr>
-          <p:cNvPr id="4" name="內容版面配置區 6">
-            <a:extLst>
-              <a:ext uri="{FF2B5EF4-FFF2-40B4-BE49-F238E27FC236}">
-                <a16:creationId xmlns:a16="http://schemas.microsoft.com/office/drawing/2014/main" id="{664BB96F-A986-447F-9602-2CA36DD86B7B}"/>
+          <p:cNvPr id="4" name="圖片 3">
+            <a:extLst>
+              <a:ext uri="{FF2B5EF4-FFF2-40B4-BE49-F238E27FC236}">
+                <a16:creationId xmlns:a16="http://schemas.microsoft.com/office/drawing/2014/main" xmlns="" id="{613141DB-6AC5-45C7-8BE3-DA48CE6728F9}"/>
               </a:ext>
             </a:extLst>
           </p:cNvPr>
@@ -5511,38 +8142,8 @@
         </p:blipFill>
         <p:spPr>
           <a:xfrm>
-            <a:off x="5794393" y="5376565"/>
-            <a:ext cx="6397607" cy="1447879"/>
-          </a:xfrm>
-          <a:prstGeom prst="rect">
-            <a:avLst/>
-          </a:prstGeom>
-        </p:spPr>
-      </p:pic>
-      <p:pic>
-        <p:nvPicPr>
-          <p:cNvPr id="5" name="圖片 4">
-            <a:extLst>
-              <a:ext uri="{FF2B5EF4-FFF2-40B4-BE49-F238E27FC236}">
-                <a16:creationId xmlns:a16="http://schemas.microsoft.com/office/drawing/2014/main" id="{DC0C9BB0-279F-4D2D-8BA9-5DB94A407B69}"/>
-              </a:ext>
-            </a:extLst>
-          </p:cNvPr>
-          <p:cNvPicPr>
-            <a:picLocks noChangeAspect="1"/>
-          </p:cNvPicPr>
-          <p:nvPr/>
-        </p:nvPicPr>
-        <p:blipFill>
-          <a:blip r:embed="rId3"/>
-          <a:stretch>
-            <a:fillRect/>
-          </a:stretch>
-        </p:blipFill>
-        <p:spPr>
-          <a:xfrm>
-            <a:off x="5794393" y="67673"/>
-            <a:ext cx="6397607" cy="5308892"/>
+            <a:off x="0" y="1690688"/>
+            <a:ext cx="12192000" cy="5484725"/>
           </a:xfrm>
           <a:prstGeom prst="rect">
             <a:avLst/>
@@ -5552,7 +8153,7 @@
     </p:spTree>
     <p:extLst>
       <p:ext uri="{BB962C8B-B14F-4D97-AF65-F5344CB8AC3E}">
-        <p14:creationId xmlns:p14="http://schemas.microsoft.com/office/powerpoint/2010/main" val="1080500142"/>
+        <p14:creationId xmlns:p14="http://schemas.microsoft.com/office/powerpoint/2010/main" val="2526618177"/>
       </p:ext>
     </p:extLst>
   </p:cSld>
@@ -5584,7 +8185,7 @@
           <p:cNvPr id="2" name="標題 1">
             <a:extLst>
               <a:ext uri="{FF2B5EF4-FFF2-40B4-BE49-F238E27FC236}">
-                <a16:creationId xmlns:a16="http://schemas.microsoft.com/office/drawing/2014/main" id="{55C61A07-21F8-459D-917F-7A7AB094CA94}"/>
+                <a16:creationId xmlns:a16="http://schemas.microsoft.com/office/drawing/2014/main" xmlns="" id="{55C61A07-21F8-459D-917F-7A7AB094CA94}"/>
               </a:ext>
             </a:extLst>
           </p:cNvPr>
@@ -5595,104 +8196,352 @@
             <p:ph type="title"/>
           </p:nvPr>
         </p:nvSpPr>
-        <p:spPr/>
-        <p:txBody>
-          <a:bodyPr/>
-          <a:lstStyle/>
-          <a:p>
-            <a:endParaRPr lang="zh-TW" altLang="en-US"/>
-          </a:p>
-        </p:txBody>
-      </p:sp>
-      <p:sp>
-        <p:nvSpPr>
-          <p:cNvPr id="3" name="內容版面配置區 2">
-            <a:extLst>
-              <a:ext uri="{FF2B5EF4-FFF2-40B4-BE49-F238E27FC236}">
-                <a16:creationId xmlns:a16="http://schemas.microsoft.com/office/drawing/2014/main" id="{DF3720F1-EFFF-498C-927B-838E81B3E8B1}"/>
-              </a:ext>
-            </a:extLst>
-          </p:cNvPr>
-          <p:cNvSpPr>
-            <a:spLocks noGrp="1"/>
-          </p:cNvSpPr>
-          <p:nvPr>
-            <p:ph idx="1"/>
-          </p:nvPr>
-        </p:nvSpPr>
-        <p:spPr/>
-        <p:txBody>
-          <a:bodyPr/>
-          <a:lstStyle/>
-          <a:p>
-            <a:endParaRPr lang="zh-TW" altLang="en-US"/>
+        <p:spPr>
+          <a:xfrm>
+            <a:off x="838200" y="1"/>
+            <a:ext cx="10515600" cy="700517"/>
+          </a:xfrm>
+        </p:spPr>
+        <p:txBody>
+          <a:bodyPr>
+            <a:normAutofit/>
+          </a:bodyPr>
+          <a:lstStyle/>
+          <a:p>
+            <a:pPr algn="ctr"/>
+            <a:r>
+              <a:rPr lang="zh-TW" altLang="en-US" sz="3600" dirty="0" smtClean="0">
+                <a:latin typeface="Times New Roman" panose="02020603050405020304" pitchFamily="18" charset="0"/>
+                <a:ea typeface="標楷體" panose="03000509000000000000" pitchFamily="65" charset="-120"/>
+                <a:cs typeface="Times New Roman" panose="02020603050405020304" pitchFamily="18" charset="0"/>
+              </a:rPr>
+              <a:t>測試 </a:t>
+            </a:r>
+            <a:r>
+              <a:rPr lang="en-US" altLang="zh-TW" sz="3600" dirty="0" smtClean="0">
+                <a:latin typeface="Times New Roman" panose="02020603050405020304" pitchFamily="18" charset="0"/>
+                <a:ea typeface="標楷體" panose="03000509000000000000" pitchFamily="65" charset="-120"/>
+                <a:cs typeface="Times New Roman" panose="02020603050405020304" pitchFamily="18" charset="0"/>
+              </a:rPr>
+              <a:t>RESTful </a:t>
+            </a:r>
+            <a:r>
+              <a:rPr lang="en-US" altLang="zh-TW" sz="3600" dirty="0">
+                <a:latin typeface="Times New Roman" panose="02020603050405020304" pitchFamily="18" charset="0"/>
+                <a:ea typeface="標楷體" panose="03000509000000000000" pitchFamily="65" charset="-120"/>
+                <a:cs typeface="Times New Roman" panose="02020603050405020304" pitchFamily="18" charset="0"/>
+              </a:rPr>
+              <a:t>API </a:t>
+            </a:r>
+            <a:r>
+              <a:rPr lang="zh-TW" altLang="en-US" sz="3600" dirty="0" smtClean="0">
+                <a:latin typeface="Times New Roman" panose="02020603050405020304" pitchFamily="18" charset="0"/>
+                <a:ea typeface="標楷體" panose="03000509000000000000" pitchFamily="65" charset="-120"/>
+                <a:cs typeface="Times New Roman" panose="02020603050405020304" pitchFamily="18" charset="0"/>
+              </a:rPr>
+              <a:t>功能 </a:t>
+            </a:r>
+            <a:r>
+              <a:rPr lang="en-US" altLang="zh-TW" sz="3600" dirty="0" smtClean="0">
+                <a:latin typeface="Times New Roman" panose="02020603050405020304" pitchFamily="18" charset="0"/>
+                <a:ea typeface="標楷體" panose="03000509000000000000" pitchFamily="65" charset="-120"/>
+                <a:cs typeface="Times New Roman" panose="02020603050405020304" pitchFamily="18" charset="0"/>
+              </a:rPr>
+              <a:t>–</a:t>
+            </a:r>
+            <a:r>
+              <a:rPr lang="zh-TW" altLang="en-US" sz="3600" dirty="0" smtClean="0">
+                <a:latin typeface="Times New Roman" panose="02020603050405020304" pitchFamily="18" charset="0"/>
+                <a:ea typeface="標楷體" panose="03000509000000000000" pitchFamily="65" charset="-120"/>
+                <a:cs typeface="Times New Roman" panose="02020603050405020304" pitchFamily="18" charset="0"/>
+              </a:rPr>
+              <a:t> 創建用戶</a:t>
+            </a:r>
+            <a:endParaRPr lang="zh-TW" altLang="en-US" sz="3600" dirty="0">
+              <a:latin typeface="Times New Roman" panose="02020603050405020304" pitchFamily="18" charset="0"/>
+              <a:ea typeface="標楷體" panose="03000509000000000000" pitchFamily="65" charset="-120"/>
+              <a:cs typeface="Times New Roman" panose="02020603050405020304" pitchFamily="18" charset="0"/>
+            </a:endParaRPr>
           </a:p>
         </p:txBody>
       </p:sp>
       <p:pic>
         <p:nvPicPr>
-          <p:cNvPr id="4" name="圖片 3">
-            <a:extLst>
-              <a:ext uri="{FF2B5EF4-FFF2-40B4-BE49-F238E27FC236}">
-                <a16:creationId xmlns:a16="http://schemas.microsoft.com/office/drawing/2014/main" id="{613141DB-6AC5-45C7-8BE3-DA48CE6728F9}"/>
-              </a:ext>
-            </a:extLst>
-          </p:cNvPr>
+          <p:cNvPr id="2050" name="Picture 2"/>
           <p:cNvPicPr>
-            <a:picLocks noChangeAspect="1"/>
+            <a:picLocks noChangeAspect="1" noChangeArrowheads="1"/>
           </p:cNvPicPr>
           <p:nvPr/>
         </p:nvPicPr>
         <p:blipFill>
-          <a:blip r:embed="rId2"/>
+          <a:blip r:embed="rId2">
+            <a:extLst>
+              <a:ext uri="{28A0092B-C50C-407E-A947-70E740481C1C}">
+                <a14:useLocalDpi xmlns:a14="http://schemas.microsoft.com/office/drawing/2010/main" val="0"/>
+              </a:ext>
+            </a:extLst>
+          </a:blip>
+          <a:srcRect/>
           <a:stretch>
             <a:fillRect/>
           </a:stretch>
         </p:blipFill>
-        <p:spPr>
+        <p:spPr bwMode="auto">
           <a:xfrm>
-            <a:off x="0" y="1690688"/>
-            <a:ext cx="12192000" cy="5484725"/>
+            <a:off x="1305097" y="634016"/>
+            <a:ext cx="9300759" cy="6157482"/>
           </a:xfrm>
           <a:prstGeom prst="rect">
             <a:avLst/>
           </a:prstGeom>
+          <a:noFill/>
+          <a:ln>
+            <a:noFill/>
+          </a:ln>
+          <a:effectLst/>
+          <a:extLst>
+            <a:ext uri="{909E8E84-426E-40DD-AFC4-6F175D3DCCD1}">
+              <a14:hiddenFill xmlns:a14="http://schemas.microsoft.com/office/drawing/2010/main">
+                <a:solidFill>
+                  <a:schemeClr val="accent1"/>
+                </a:solidFill>
+              </a14:hiddenFill>
+            </a:ext>
+            <a:ext uri="{91240B29-F687-4F45-9708-019B960494DF}">
+              <a14:hiddenLine xmlns:a14="http://schemas.microsoft.com/office/drawing/2010/main" w="9525">
+                <a:solidFill>
+                  <a:schemeClr val="tx1"/>
+                </a:solidFill>
+                <a:miter lim="800000"/>
+                <a:headEnd/>
+                <a:tailEnd/>
+              </a14:hiddenLine>
+            </a:ext>
+            <a:ext uri="{AF507438-7753-43E0-B8FC-AC1667EBCBE1}">
+              <a14:hiddenEffects xmlns:a14="http://schemas.microsoft.com/office/drawing/2010/main">
+                <a:effectLst>
+                  <a:outerShdw dist="35921" dir="2700000" algn="ctr" rotWithShape="0">
+                    <a:schemeClr val="bg2"/>
+                  </a:outerShdw>
+                </a:effectLst>
+              </a14:hiddenEffects>
+            </a:ext>
+          </a:extLst>
         </p:spPr>
       </p:pic>
-      <p:pic>
-        <p:nvPicPr>
-          <p:cNvPr id="5" name="圖片 4">
-            <a:extLst>
-              <a:ext uri="{FF2B5EF4-FFF2-40B4-BE49-F238E27FC236}">
-                <a16:creationId xmlns:a16="http://schemas.microsoft.com/office/drawing/2014/main" id="{4E56974C-E3E6-4828-885F-14DC77696B30}"/>
-              </a:ext>
-            </a:extLst>
-          </p:cNvPr>
-          <p:cNvPicPr>
-            <a:picLocks noChangeAspect="1"/>
-          </p:cNvPicPr>
+      <p:sp>
+        <p:nvSpPr>
+          <p:cNvPr id="5" name="文字方塊 4"/>
+          <p:cNvSpPr txBox="1"/>
           <p:nvPr/>
-        </p:nvPicPr>
-        <p:blipFill>
-          <a:blip r:embed="rId3"/>
-          <a:stretch>
-            <a:fillRect/>
-          </a:stretch>
-        </p:blipFill>
+        </p:nvSpPr>
         <p:spPr>
           <a:xfrm>
-            <a:off x="0" y="0"/>
-            <a:ext cx="12192000" cy="2616820"/>
+            <a:off x="4364180" y="2011680"/>
+            <a:ext cx="6375862" cy="369332"/>
           </a:xfrm>
           <a:prstGeom prst="rect">
             <a:avLst/>
           </a:prstGeom>
+          <a:noFill/>
         </p:spPr>
-      </p:pic>
+        <p:txBody>
+          <a:bodyPr wrap="square" rtlCol="0">
+            <a:spAutoFit/>
+          </a:bodyPr>
+          <a:lstStyle/>
+          <a:p>
+            <a:r>
+              <a:rPr lang="zh-TW" altLang="en-US" dirty="0" smtClean="0">
+                <a:solidFill>
+                  <a:srgbClr val="FF0000"/>
+                </a:solidFill>
+                <a:latin typeface="Times New Roman" panose="02020603050405020304" pitchFamily="18" charset="0"/>
+                <a:ea typeface="標楷體" panose="03000509000000000000" pitchFamily="65" charset="-120"/>
+                <a:cs typeface="Times New Roman" panose="02020603050405020304" pitchFamily="18" charset="0"/>
+              </a:rPr>
+              <a:t>名稱留空會提示為必填，不會建立用戶列表 </a:t>
+            </a:r>
+            <a:r>
+              <a:rPr lang="en-US" altLang="zh-TW" dirty="0" smtClean="0">
+                <a:solidFill>
+                  <a:srgbClr val="FF0000"/>
+                </a:solidFill>
+                <a:latin typeface="Times New Roman" panose="02020603050405020304" pitchFamily="18" charset="0"/>
+                <a:ea typeface="標楷體" panose="03000509000000000000" pitchFamily="65" charset="-120"/>
+                <a:cs typeface="Times New Roman" panose="02020603050405020304" pitchFamily="18" charset="0"/>
+              </a:rPr>
+              <a:t>(</a:t>
+            </a:r>
+            <a:r>
+              <a:rPr lang="zh-TW" altLang="en-US" dirty="0" smtClean="0">
+                <a:solidFill>
+                  <a:srgbClr val="FF0000"/>
+                </a:solidFill>
+                <a:latin typeface="Times New Roman" panose="02020603050405020304" pitchFamily="18" charset="0"/>
+                <a:ea typeface="標楷體" panose="03000509000000000000" pitchFamily="65" charset="-120"/>
+                <a:cs typeface="Times New Roman" panose="02020603050405020304" pitchFamily="18" charset="0"/>
+              </a:rPr>
+              <a:t>詳見單元測試</a:t>
+            </a:r>
+            <a:r>
+              <a:rPr lang="en-US" altLang="zh-TW" dirty="0" smtClean="0">
+                <a:solidFill>
+                  <a:srgbClr val="FF0000"/>
+                </a:solidFill>
+                <a:latin typeface="Times New Roman" panose="02020603050405020304" pitchFamily="18" charset="0"/>
+                <a:ea typeface="標楷體" panose="03000509000000000000" pitchFamily="65" charset="-120"/>
+                <a:cs typeface="Times New Roman" panose="02020603050405020304" pitchFamily="18" charset="0"/>
+              </a:rPr>
+              <a:t>1)</a:t>
+            </a:r>
+            <a:endParaRPr lang="zh-TW" altLang="en-US" dirty="0">
+              <a:solidFill>
+                <a:srgbClr val="FF0000"/>
+              </a:solidFill>
+              <a:latin typeface="Times New Roman" panose="02020603050405020304" pitchFamily="18" charset="0"/>
+              <a:ea typeface="標楷體" panose="03000509000000000000" pitchFamily="65" charset="-120"/>
+              <a:cs typeface="Times New Roman" panose="02020603050405020304" pitchFamily="18" charset="0"/>
+            </a:endParaRPr>
+          </a:p>
+        </p:txBody>
+      </p:sp>
+      <p:sp>
+        <p:nvSpPr>
+          <p:cNvPr id="7" name="文字方塊 6"/>
+          <p:cNvSpPr txBox="1"/>
+          <p:nvPr/>
+        </p:nvSpPr>
+        <p:spPr>
+          <a:xfrm>
+            <a:off x="4380806" y="2729346"/>
+            <a:ext cx="6375862" cy="369332"/>
+          </a:xfrm>
+          <a:prstGeom prst="rect">
+            <a:avLst/>
+          </a:prstGeom>
+          <a:noFill/>
+        </p:spPr>
+        <p:txBody>
+          <a:bodyPr wrap="square" rtlCol="0">
+            <a:spAutoFit/>
+          </a:bodyPr>
+          <a:lstStyle/>
+          <a:p>
+            <a:r>
+              <a:rPr lang="zh-TW" altLang="en-US" dirty="0" smtClean="0">
+                <a:solidFill>
+                  <a:srgbClr val="FF0000"/>
+                </a:solidFill>
+                <a:latin typeface="Times New Roman" panose="02020603050405020304" pitchFamily="18" charset="0"/>
+                <a:ea typeface="標楷體" panose="03000509000000000000" pitchFamily="65" charset="-120"/>
+                <a:cs typeface="Times New Roman" panose="02020603050405020304" pitchFamily="18" charset="0"/>
+              </a:rPr>
+              <a:t>用戶年齡為必填，不符標準會回報錯誤訊息 </a:t>
+            </a:r>
+            <a:r>
+              <a:rPr lang="en-US" altLang="zh-TW" dirty="0" smtClean="0">
+                <a:solidFill>
+                  <a:srgbClr val="FF0000"/>
+                </a:solidFill>
+                <a:latin typeface="Times New Roman" panose="02020603050405020304" pitchFamily="18" charset="0"/>
+                <a:ea typeface="標楷體" panose="03000509000000000000" pitchFamily="65" charset="-120"/>
+                <a:cs typeface="Times New Roman" panose="02020603050405020304" pitchFamily="18" charset="0"/>
+              </a:rPr>
+              <a:t>(</a:t>
+            </a:r>
+            <a:r>
+              <a:rPr lang="zh-TW" altLang="en-US" dirty="0" smtClean="0">
+                <a:solidFill>
+                  <a:srgbClr val="FF0000"/>
+                </a:solidFill>
+                <a:latin typeface="Times New Roman" panose="02020603050405020304" pitchFamily="18" charset="0"/>
+                <a:ea typeface="標楷體" panose="03000509000000000000" pitchFamily="65" charset="-120"/>
+                <a:cs typeface="Times New Roman" panose="02020603050405020304" pitchFamily="18" charset="0"/>
+              </a:rPr>
+              <a:t>詳見單元測試</a:t>
+            </a:r>
+            <a:r>
+              <a:rPr lang="en-US" altLang="zh-TW" dirty="0">
+                <a:solidFill>
+                  <a:srgbClr val="FF0000"/>
+                </a:solidFill>
+                <a:latin typeface="Times New Roman" panose="02020603050405020304" pitchFamily="18" charset="0"/>
+                <a:ea typeface="標楷體" panose="03000509000000000000" pitchFamily="65" charset="-120"/>
+                <a:cs typeface="Times New Roman" panose="02020603050405020304" pitchFamily="18" charset="0"/>
+              </a:rPr>
+              <a:t>2</a:t>
+            </a:r>
+            <a:r>
+              <a:rPr lang="en-US" altLang="zh-TW" dirty="0" smtClean="0">
+                <a:solidFill>
+                  <a:srgbClr val="FF0000"/>
+                </a:solidFill>
+                <a:latin typeface="Times New Roman" panose="02020603050405020304" pitchFamily="18" charset="0"/>
+                <a:ea typeface="標楷體" panose="03000509000000000000" pitchFamily="65" charset="-120"/>
+                <a:cs typeface="Times New Roman" panose="02020603050405020304" pitchFamily="18" charset="0"/>
+              </a:rPr>
+              <a:t>)</a:t>
+            </a:r>
+            <a:endParaRPr lang="zh-TW" altLang="en-US" dirty="0">
+              <a:solidFill>
+                <a:srgbClr val="FF0000"/>
+              </a:solidFill>
+              <a:latin typeface="Times New Roman" panose="02020603050405020304" pitchFamily="18" charset="0"/>
+              <a:ea typeface="標楷體" panose="03000509000000000000" pitchFamily="65" charset="-120"/>
+              <a:cs typeface="Times New Roman" panose="02020603050405020304" pitchFamily="18" charset="0"/>
+            </a:endParaRPr>
+          </a:p>
+        </p:txBody>
+      </p:sp>
+      <p:sp>
+        <p:nvSpPr>
+          <p:cNvPr id="8" name="文字方塊 7"/>
+          <p:cNvSpPr txBox="1"/>
+          <p:nvPr/>
+        </p:nvSpPr>
+        <p:spPr>
+          <a:xfrm>
+            <a:off x="2767545" y="5796741"/>
+            <a:ext cx="6375862" cy="369332"/>
+          </a:xfrm>
+          <a:prstGeom prst="rect">
+            <a:avLst/>
+          </a:prstGeom>
+          <a:noFill/>
+        </p:spPr>
+        <p:txBody>
+          <a:bodyPr wrap="square" rtlCol="0">
+            <a:spAutoFit/>
+          </a:bodyPr>
+          <a:lstStyle/>
+          <a:p>
+            <a:r>
+              <a:rPr lang="zh-TW" altLang="en-US" dirty="0" smtClean="0">
+                <a:solidFill>
+                  <a:srgbClr val="FF0000"/>
+                </a:solidFill>
+                <a:latin typeface="Times New Roman" panose="02020603050405020304" pitchFamily="18" charset="0"/>
+                <a:ea typeface="標楷體" panose="03000509000000000000" pitchFamily="65" charset="-120"/>
+                <a:cs typeface="Times New Roman" panose="02020603050405020304" pitchFamily="18" charset="0"/>
+              </a:rPr>
+              <a:t>用戶輸入正確，回報正確訊息</a:t>
+            </a:r>
+            <a:endParaRPr lang="zh-TW" altLang="en-US" dirty="0">
+              <a:solidFill>
+                <a:srgbClr val="FF0000"/>
+              </a:solidFill>
+              <a:latin typeface="Times New Roman" panose="02020603050405020304" pitchFamily="18" charset="0"/>
+              <a:ea typeface="標楷體" panose="03000509000000000000" pitchFamily="65" charset="-120"/>
+              <a:cs typeface="Times New Roman" panose="02020603050405020304" pitchFamily="18" charset="0"/>
+            </a:endParaRPr>
+          </a:p>
+        </p:txBody>
+      </p:sp>
     </p:spTree>
     <p:extLst>
       <p:ext uri="{BB962C8B-B14F-4D97-AF65-F5344CB8AC3E}">
-        <p14:creationId xmlns:p14="http://schemas.microsoft.com/office/powerpoint/2010/main" val="3297485642"/>
+        <p14:creationId xmlns:p14="http://schemas.microsoft.com/office/powerpoint/2010/main" val="1438495864"/>
       </p:ext>
     </p:extLst>
   </p:cSld>
@@ -5721,10 +8570,10 @@
       </p:grpSpPr>
       <p:sp>
         <p:nvSpPr>
-          <p:cNvPr id="2" name="標題 1">
-            <a:extLst>
-              <a:ext uri="{FF2B5EF4-FFF2-40B4-BE49-F238E27FC236}">
-                <a16:creationId xmlns:a16="http://schemas.microsoft.com/office/drawing/2014/main" id="{A5C642C5-FAD1-4ECF-B5EE-FBD5CC07D320}"/>
+          <p:cNvPr id="6" name="標題 1">
+            <a:extLst>
+              <a:ext uri="{FF2B5EF4-FFF2-40B4-BE49-F238E27FC236}">
+                <a16:creationId xmlns:a16="http://schemas.microsoft.com/office/drawing/2014/main" xmlns="" id="{55C61A07-21F8-459D-917F-7A7AB094CA94}"/>
               </a:ext>
             </a:extLst>
           </p:cNvPr>
@@ -5735,103 +8584,231 @@
             <p:ph type="title"/>
           </p:nvPr>
         </p:nvSpPr>
-        <p:spPr/>
-        <p:txBody>
-          <a:bodyPr/>
-          <a:lstStyle/>
-          <a:p>
-            <a:endParaRPr lang="zh-TW" altLang="en-US"/>
-          </a:p>
-        </p:txBody>
-      </p:sp>
-      <p:sp>
-        <p:nvSpPr>
-          <p:cNvPr id="3" name="內容版面配置區 2">
-            <a:extLst>
-              <a:ext uri="{FF2B5EF4-FFF2-40B4-BE49-F238E27FC236}">
-                <a16:creationId xmlns:a16="http://schemas.microsoft.com/office/drawing/2014/main" id="{954DDD3D-676A-4DBC-B618-1474DC50F96B}"/>
-              </a:ext>
-            </a:extLst>
-          </p:cNvPr>
-          <p:cNvSpPr>
-            <a:spLocks noGrp="1"/>
-          </p:cNvSpPr>
-          <p:nvPr>
-            <p:ph idx="1"/>
-          </p:nvPr>
-        </p:nvSpPr>
-        <p:spPr/>
-        <p:txBody>
-          <a:bodyPr/>
-          <a:lstStyle/>
-          <a:p>
-            <a:r>
-              <a:rPr lang="zh-TW" altLang="en-US" dirty="0"/>
-              <a:t>新增錯誤處理</a:t>
-            </a:r>
-            <a:r>
-              <a:rPr lang="en-US" altLang="zh-TW" dirty="0"/>
-              <a:t>(try/except)</a:t>
-            </a:r>
-          </a:p>
-          <a:p>
-            <a:r>
-              <a:rPr lang="zh-TW" altLang="en-US" dirty="0"/>
-              <a:t>逐步分段查看</a:t>
-            </a:r>
-            <a:endParaRPr lang="en-US" altLang="zh-TW" dirty="0"/>
-          </a:p>
-          <a:p>
-            <a:r>
-              <a:rPr lang="zh-TW" altLang="en-US" dirty="0"/>
-              <a:t>註解詳細</a:t>
-            </a:r>
-            <a:endParaRPr lang="en-US" altLang="zh-TW" dirty="0"/>
-          </a:p>
-          <a:p>
-            <a:r>
-              <a:rPr lang="zh-TW" altLang="en-US" dirty="0"/>
-              <a:t>互動性強，可以清楚看到修改了哪邊</a:t>
-            </a:r>
-            <a:endParaRPr lang="en-US" altLang="zh-TW" dirty="0"/>
-          </a:p>
-          <a:p>
-            <a:endParaRPr lang="en-US" altLang="zh-TW" dirty="0"/>
-          </a:p>
-          <a:p>
-            <a:r>
-              <a:rPr lang="zh-TW" altLang="en-US" dirty="0"/>
-              <a:t>每次詢問的結果差異蠻大的</a:t>
-            </a:r>
-            <a:r>
-              <a:rPr lang="en-US" altLang="zh-TW" dirty="0"/>
-              <a:t>(</a:t>
-            </a:r>
-            <a:r>
-              <a:rPr lang="zh-TW" altLang="en-US" dirty="0"/>
-              <a:t>第一次直接修改整份程式碼，第二次又把他拆解</a:t>
-            </a:r>
-            <a:r>
-              <a:rPr lang="en-US" altLang="zh-TW" dirty="0"/>
-              <a:t>)</a:t>
-            </a:r>
-          </a:p>
-          <a:p>
-            <a:r>
-              <a:rPr lang="zh-TW" altLang="en-US" dirty="0"/>
-              <a:t>註解詳細、適合初學者、教育性質高</a:t>
-            </a:r>
-            <a:endParaRPr lang="en-US" altLang="zh-TW" dirty="0"/>
-          </a:p>
-          <a:p>
-            <a:endParaRPr lang="zh-TW" altLang="en-US" dirty="0"/>
+        <p:spPr>
+          <a:xfrm>
+            <a:off x="838200" y="1"/>
+            <a:ext cx="10515600" cy="700517"/>
+          </a:xfrm>
+        </p:spPr>
+        <p:txBody>
+          <a:bodyPr>
+            <a:normAutofit/>
+          </a:bodyPr>
+          <a:lstStyle/>
+          <a:p>
+            <a:pPr algn="ctr"/>
+            <a:r>
+              <a:rPr lang="zh-TW" altLang="en-US" sz="3600" dirty="0" smtClean="0">
+                <a:latin typeface="Times New Roman" panose="02020603050405020304" pitchFamily="18" charset="0"/>
+                <a:ea typeface="標楷體" panose="03000509000000000000" pitchFamily="65" charset="-120"/>
+                <a:cs typeface="Times New Roman" panose="02020603050405020304" pitchFamily="18" charset="0"/>
+              </a:rPr>
+              <a:t>測試 </a:t>
+            </a:r>
+            <a:r>
+              <a:rPr lang="en-US" altLang="zh-TW" sz="3600" dirty="0" smtClean="0">
+                <a:latin typeface="Times New Roman" panose="02020603050405020304" pitchFamily="18" charset="0"/>
+                <a:ea typeface="標楷體" panose="03000509000000000000" pitchFamily="65" charset="-120"/>
+                <a:cs typeface="Times New Roman" panose="02020603050405020304" pitchFamily="18" charset="0"/>
+              </a:rPr>
+              <a:t>RESTful </a:t>
+            </a:r>
+            <a:r>
+              <a:rPr lang="en-US" altLang="zh-TW" sz="3600" dirty="0">
+                <a:latin typeface="Times New Roman" panose="02020603050405020304" pitchFamily="18" charset="0"/>
+                <a:ea typeface="標楷體" panose="03000509000000000000" pitchFamily="65" charset="-120"/>
+                <a:cs typeface="Times New Roman" panose="02020603050405020304" pitchFamily="18" charset="0"/>
+              </a:rPr>
+              <a:t>API </a:t>
+            </a:r>
+            <a:r>
+              <a:rPr lang="zh-TW" altLang="en-US" sz="3600" dirty="0" smtClean="0">
+                <a:latin typeface="Times New Roman" panose="02020603050405020304" pitchFamily="18" charset="0"/>
+                <a:ea typeface="標楷體" panose="03000509000000000000" pitchFamily="65" charset="-120"/>
+                <a:cs typeface="Times New Roman" panose="02020603050405020304" pitchFamily="18" charset="0"/>
+              </a:rPr>
+              <a:t>功能 </a:t>
+            </a:r>
+            <a:r>
+              <a:rPr lang="en-US" altLang="zh-TW" sz="3600" dirty="0" smtClean="0">
+                <a:latin typeface="Times New Roman" panose="02020603050405020304" pitchFamily="18" charset="0"/>
+                <a:ea typeface="標楷體" panose="03000509000000000000" pitchFamily="65" charset="-120"/>
+                <a:cs typeface="Times New Roman" panose="02020603050405020304" pitchFamily="18" charset="0"/>
+              </a:rPr>
+              <a:t>–</a:t>
+            </a:r>
+            <a:r>
+              <a:rPr lang="zh-TW" altLang="en-US" sz="3600" dirty="0" smtClean="0">
+                <a:latin typeface="Times New Roman" panose="02020603050405020304" pitchFamily="18" charset="0"/>
+                <a:ea typeface="標楷體" panose="03000509000000000000" pitchFamily="65" charset="-120"/>
+                <a:cs typeface="Times New Roman" panose="02020603050405020304" pitchFamily="18" charset="0"/>
+              </a:rPr>
+              <a:t> 刪除用戶</a:t>
+            </a:r>
+            <a:endParaRPr lang="zh-TW" altLang="en-US" sz="3600" dirty="0">
+              <a:latin typeface="Times New Roman" panose="02020603050405020304" pitchFamily="18" charset="0"/>
+              <a:ea typeface="標楷體" panose="03000509000000000000" pitchFamily="65" charset="-120"/>
+              <a:cs typeface="Times New Roman" panose="02020603050405020304" pitchFamily="18" charset="0"/>
+            </a:endParaRPr>
+          </a:p>
+        </p:txBody>
+      </p:sp>
+      <p:pic>
+        <p:nvPicPr>
+          <p:cNvPr id="3074" name="Picture 2"/>
+          <p:cNvPicPr>
+            <a:picLocks noChangeAspect="1" noChangeArrowheads="1"/>
+          </p:cNvPicPr>
+          <p:nvPr/>
+        </p:nvPicPr>
+        <p:blipFill>
+          <a:blip r:embed="rId2">
+            <a:extLst>
+              <a:ext uri="{28A0092B-C50C-407E-A947-70E740481C1C}">
+                <a14:useLocalDpi xmlns:a14="http://schemas.microsoft.com/office/drawing/2010/main" val="0"/>
+              </a:ext>
+            </a:extLst>
+          </a:blip>
+          <a:srcRect/>
+          <a:stretch>
+            <a:fillRect/>
+          </a:stretch>
+        </p:blipFill>
+        <p:spPr bwMode="auto">
+          <a:xfrm>
+            <a:off x="870661" y="748147"/>
+            <a:ext cx="10268883" cy="5956598"/>
+          </a:xfrm>
+          <a:prstGeom prst="rect">
+            <a:avLst/>
+          </a:prstGeom>
+          <a:noFill/>
+          <a:ln>
+            <a:noFill/>
+          </a:ln>
+          <a:effectLst/>
+          <a:extLst>
+            <a:ext uri="{909E8E84-426E-40DD-AFC4-6F175D3DCCD1}">
+              <a14:hiddenFill xmlns:a14="http://schemas.microsoft.com/office/drawing/2010/main">
+                <a:solidFill>
+                  <a:schemeClr val="accent1"/>
+                </a:solidFill>
+              </a14:hiddenFill>
+            </a:ext>
+            <a:ext uri="{91240B29-F687-4F45-9708-019B960494DF}">
+              <a14:hiddenLine xmlns:a14="http://schemas.microsoft.com/office/drawing/2010/main" w="9525">
+                <a:solidFill>
+                  <a:schemeClr val="tx1"/>
+                </a:solidFill>
+                <a:miter lim="800000"/>
+                <a:headEnd/>
+                <a:tailEnd/>
+              </a14:hiddenLine>
+            </a:ext>
+            <a:ext uri="{AF507438-7753-43E0-B8FC-AC1667EBCBE1}">
+              <a14:hiddenEffects xmlns:a14="http://schemas.microsoft.com/office/drawing/2010/main">
+                <a:effectLst>
+                  <a:outerShdw dist="35921" dir="2700000" algn="ctr" rotWithShape="0">
+                    <a:schemeClr val="bg2"/>
+                  </a:outerShdw>
+                </a:effectLst>
+              </a14:hiddenEffects>
+            </a:ext>
+          </a:extLst>
+        </p:spPr>
+      </p:pic>
+      <p:sp>
+        <p:nvSpPr>
+          <p:cNvPr id="8" name="文字方塊 7"/>
+          <p:cNvSpPr txBox="1"/>
+          <p:nvPr/>
+        </p:nvSpPr>
+        <p:spPr>
+          <a:xfrm>
+            <a:off x="4364180" y="2294313"/>
+            <a:ext cx="6375862" cy="369332"/>
+          </a:xfrm>
+          <a:prstGeom prst="rect">
+            <a:avLst/>
+          </a:prstGeom>
+          <a:noFill/>
+        </p:spPr>
+        <p:txBody>
+          <a:bodyPr wrap="square" rtlCol="0">
+            <a:spAutoFit/>
+          </a:bodyPr>
+          <a:lstStyle/>
+          <a:p>
+            <a:r>
+              <a:rPr lang="zh-TW" altLang="en-US" dirty="0" smtClean="0">
+                <a:solidFill>
+                  <a:srgbClr val="FF0000"/>
+                </a:solidFill>
+                <a:latin typeface="Times New Roman" panose="02020603050405020304" pitchFamily="18" charset="0"/>
+                <a:ea typeface="標楷體" panose="03000509000000000000" pitchFamily="65" charset="-120"/>
+                <a:cs typeface="Times New Roman" panose="02020603050405020304" pitchFamily="18" charset="0"/>
+              </a:rPr>
+              <a:t>根據用戶輸入，尋找對應名稱並刪除用戶</a:t>
+            </a:r>
+            <a:endParaRPr lang="zh-TW" altLang="en-US" dirty="0">
+              <a:solidFill>
+                <a:srgbClr val="FF0000"/>
+              </a:solidFill>
+              <a:latin typeface="Times New Roman" panose="02020603050405020304" pitchFamily="18" charset="0"/>
+              <a:ea typeface="標楷體" panose="03000509000000000000" pitchFamily="65" charset="-120"/>
+              <a:cs typeface="Times New Roman" panose="02020603050405020304" pitchFamily="18" charset="0"/>
+            </a:endParaRPr>
+          </a:p>
+        </p:txBody>
+      </p:sp>
+      <p:sp>
+        <p:nvSpPr>
+          <p:cNvPr id="9" name="文字方塊 8"/>
+          <p:cNvSpPr txBox="1"/>
+          <p:nvPr/>
+        </p:nvSpPr>
+        <p:spPr>
+          <a:xfrm>
+            <a:off x="2451662" y="5705301"/>
+            <a:ext cx="6375862" cy="369332"/>
+          </a:xfrm>
+          <a:prstGeom prst="rect">
+            <a:avLst/>
+          </a:prstGeom>
+          <a:noFill/>
+        </p:spPr>
+        <p:txBody>
+          <a:bodyPr wrap="square" rtlCol="0">
+            <a:spAutoFit/>
+          </a:bodyPr>
+          <a:lstStyle/>
+          <a:p>
+            <a:r>
+              <a:rPr lang="zh-TW" altLang="en-US" dirty="0" smtClean="0">
+                <a:solidFill>
+                  <a:srgbClr val="FF0000"/>
+                </a:solidFill>
+                <a:latin typeface="Times New Roman" panose="02020603050405020304" pitchFamily="18" charset="0"/>
+                <a:ea typeface="標楷體" panose="03000509000000000000" pitchFamily="65" charset="-120"/>
+                <a:cs typeface="Times New Roman" panose="02020603050405020304" pitchFamily="18" charset="0"/>
+              </a:rPr>
+              <a:t>用戶刪除成功，回報正確訊息</a:t>
+            </a:r>
+            <a:endParaRPr lang="zh-TW" altLang="en-US" dirty="0">
+              <a:solidFill>
+                <a:srgbClr val="FF0000"/>
+              </a:solidFill>
+              <a:latin typeface="Times New Roman" panose="02020603050405020304" pitchFamily="18" charset="0"/>
+              <a:ea typeface="標楷體" panose="03000509000000000000" pitchFamily="65" charset="-120"/>
+              <a:cs typeface="Times New Roman" panose="02020603050405020304" pitchFamily="18" charset="0"/>
+            </a:endParaRPr>
           </a:p>
         </p:txBody>
       </p:sp>
     </p:spTree>
     <p:extLst>
       <p:ext uri="{BB962C8B-B14F-4D97-AF65-F5344CB8AC3E}">
-        <p14:creationId xmlns:p14="http://schemas.microsoft.com/office/powerpoint/2010/main" val="3391465237"/>
+        <p14:creationId xmlns:p14="http://schemas.microsoft.com/office/powerpoint/2010/main" val="3043271830"/>
       </p:ext>
     </p:extLst>
   </p:cSld>
@@ -5860,10 +8837,10 @@
       </p:grpSpPr>
       <p:sp>
         <p:nvSpPr>
-          <p:cNvPr id="2" name="標題 1">
-            <a:extLst>
-              <a:ext uri="{FF2B5EF4-FFF2-40B4-BE49-F238E27FC236}">
-                <a16:creationId xmlns:a16="http://schemas.microsoft.com/office/drawing/2014/main" id="{AB106574-AD79-4F4C-9857-A0C6C4696CA3}"/>
+          <p:cNvPr id="6" name="標題 1">
+            <a:extLst>
+              <a:ext uri="{FF2B5EF4-FFF2-40B4-BE49-F238E27FC236}">
+                <a16:creationId xmlns:a16="http://schemas.microsoft.com/office/drawing/2014/main" xmlns="" id="{55C61A07-21F8-459D-917F-7A7AB094CA94}"/>
               </a:ext>
             </a:extLst>
           </p:cNvPr>
@@ -5874,74 +8851,247 @@
             <p:ph type="title"/>
           </p:nvPr>
         </p:nvSpPr>
-        <p:spPr/>
-        <p:txBody>
-          <a:bodyPr/>
-          <a:lstStyle/>
-          <a:p>
-            <a:endParaRPr lang="zh-TW" altLang="en-US"/>
-          </a:p>
-        </p:txBody>
-      </p:sp>
-      <p:sp>
-        <p:nvSpPr>
-          <p:cNvPr id="3" name="內容版面配置區 2">
-            <a:extLst>
-              <a:ext uri="{FF2B5EF4-FFF2-40B4-BE49-F238E27FC236}">
-                <a16:creationId xmlns:a16="http://schemas.microsoft.com/office/drawing/2014/main" id="{224AE70F-8E0A-4FF0-B5EB-2066CD3E28A9}"/>
-              </a:ext>
-            </a:extLst>
-          </p:cNvPr>
-          <p:cNvSpPr>
-            <a:spLocks noGrp="1"/>
-          </p:cNvSpPr>
-          <p:nvPr>
-            <p:ph idx="1"/>
-          </p:nvPr>
-        </p:nvSpPr>
-        <p:spPr/>
-        <p:txBody>
-          <a:bodyPr/>
-          <a:lstStyle/>
-          <a:p>
-            <a:endParaRPr lang="zh-TW" altLang="en-US"/>
+        <p:spPr>
+          <a:xfrm>
+            <a:off x="838200" y="1"/>
+            <a:ext cx="10515600" cy="700517"/>
+          </a:xfrm>
+        </p:spPr>
+        <p:txBody>
+          <a:bodyPr>
+            <a:normAutofit/>
+          </a:bodyPr>
+          <a:lstStyle/>
+          <a:p>
+            <a:pPr algn="ctr"/>
+            <a:r>
+              <a:rPr lang="zh-TW" altLang="en-US" sz="3600" dirty="0" smtClean="0">
+                <a:latin typeface="Times New Roman" panose="02020603050405020304" pitchFamily="18" charset="0"/>
+                <a:ea typeface="標楷體" panose="03000509000000000000" pitchFamily="65" charset="-120"/>
+                <a:cs typeface="Times New Roman" panose="02020603050405020304" pitchFamily="18" charset="0"/>
+              </a:rPr>
+              <a:t>測試 </a:t>
+            </a:r>
+            <a:r>
+              <a:rPr lang="en-US" altLang="zh-TW" sz="3600" dirty="0" smtClean="0">
+                <a:latin typeface="Times New Roman" panose="02020603050405020304" pitchFamily="18" charset="0"/>
+                <a:ea typeface="標楷體" panose="03000509000000000000" pitchFamily="65" charset="-120"/>
+                <a:cs typeface="Times New Roman" panose="02020603050405020304" pitchFamily="18" charset="0"/>
+              </a:rPr>
+              <a:t>RESTful </a:t>
+            </a:r>
+            <a:r>
+              <a:rPr lang="en-US" altLang="zh-TW" sz="3600" dirty="0">
+                <a:latin typeface="Times New Roman" panose="02020603050405020304" pitchFamily="18" charset="0"/>
+                <a:ea typeface="標楷體" panose="03000509000000000000" pitchFamily="65" charset="-120"/>
+                <a:cs typeface="Times New Roman" panose="02020603050405020304" pitchFamily="18" charset="0"/>
+              </a:rPr>
+              <a:t>API </a:t>
+            </a:r>
+            <a:r>
+              <a:rPr lang="zh-TW" altLang="en-US" sz="3600" dirty="0" smtClean="0">
+                <a:latin typeface="Times New Roman" panose="02020603050405020304" pitchFamily="18" charset="0"/>
+                <a:ea typeface="標楷體" panose="03000509000000000000" pitchFamily="65" charset="-120"/>
+                <a:cs typeface="Times New Roman" panose="02020603050405020304" pitchFamily="18" charset="0"/>
+              </a:rPr>
+              <a:t>功能 </a:t>
+            </a:r>
+            <a:r>
+              <a:rPr lang="en-US" altLang="zh-TW" sz="3600" dirty="0" smtClean="0">
+                <a:latin typeface="Times New Roman" panose="02020603050405020304" pitchFamily="18" charset="0"/>
+                <a:ea typeface="標楷體" panose="03000509000000000000" pitchFamily="65" charset="-120"/>
+                <a:cs typeface="Times New Roman" panose="02020603050405020304" pitchFamily="18" charset="0"/>
+              </a:rPr>
+              <a:t>–</a:t>
+            </a:r>
+            <a:r>
+              <a:rPr lang="zh-TW" altLang="en-US" sz="3600" dirty="0" smtClean="0">
+                <a:latin typeface="Times New Roman" panose="02020603050405020304" pitchFamily="18" charset="0"/>
+                <a:ea typeface="標楷體" panose="03000509000000000000" pitchFamily="65" charset="-120"/>
+                <a:cs typeface="Times New Roman" panose="02020603050405020304" pitchFamily="18" charset="0"/>
+              </a:rPr>
+              <a:t> 批量</a:t>
+            </a:r>
+            <a:r>
+              <a:rPr lang="zh-TW" altLang="en-US" sz="3600" dirty="0">
+                <a:latin typeface="Times New Roman" panose="02020603050405020304" pitchFamily="18" charset="0"/>
+                <a:ea typeface="標楷體" panose="03000509000000000000" pitchFamily="65" charset="-120"/>
+                <a:cs typeface="Times New Roman" panose="02020603050405020304" pitchFamily="18" charset="0"/>
+              </a:rPr>
+              <a:t>添加</a:t>
+            </a:r>
+            <a:r>
+              <a:rPr lang="zh-TW" altLang="en-US" sz="3600" dirty="0" smtClean="0">
+                <a:latin typeface="Times New Roman" panose="02020603050405020304" pitchFamily="18" charset="0"/>
+                <a:ea typeface="標楷體" panose="03000509000000000000" pitchFamily="65" charset="-120"/>
+                <a:cs typeface="Times New Roman" panose="02020603050405020304" pitchFamily="18" charset="0"/>
+              </a:rPr>
+              <a:t>用戶</a:t>
+            </a:r>
+            <a:endParaRPr lang="zh-TW" altLang="en-US" sz="3600" dirty="0">
+              <a:latin typeface="Times New Roman" panose="02020603050405020304" pitchFamily="18" charset="0"/>
+              <a:ea typeface="標楷體" panose="03000509000000000000" pitchFamily="65" charset="-120"/>
+              <a:cs typeface="Times New Roman" panose="02020603050405020304" pitchFamily="18" charset="0"/>
+            </a:endParaRPr>
           </a:p>
         </p:txBody>
       </p:sp>
       <p:pic>
         <p:nvPicPr>
-          <p:cNvPr id="5" name="圖片 4">
-            <a:extLst>
-              <a:ext uri="{FF2B5EF4-FFF2-40B4-BE49-F238E27FC236}">
-                <a16:creationId xmlns:a16="http://schemas.microsoft.com/office/drawing/2014/main" id="{177977DA-9979-4693-BDBD-728891D78BB6}"/>
-              </a:ext>
-            </a:extLst>
-          </p:cNvPr>
+          <p:cNvPr id="4098" name="Picture 2"/>
           <p:cNvPicPr>
-            <a:picLocks noChangeAspect="1"/>
+            <a:picLocks noChangeAspect="1" noChangeArrowheads="1"/>
           </p:cNvPicPr>
           <p:nvPr/>
         </p:nvPicPr>
         <p:blipFill>
-          <a:blip r:embed="rId2"/>
+          <a:blip r:embed="rId2">
+            <a:extLst>
+              <a:ext uri="{28A0092B-C50C-407E-A947-70E740481C1C}">
+                <a14:useLocalDpi xmlns:a14="http://schemas.microsoft.com/office/drawing/2010/main" val="0"/>
+              </a:ext>
+            </a:extLst>
+          </a:blip>
+          <a:srcRect/>
           <a:stretch>
             <a:fillRect/>
           </a:stretch>
         </p:blipFill>
-        <p:spPr>
+        <p:spPr bwMode="auto">
           <a:xfrm>
-            <a:off x="1584370" y="0"/>
-            <a:ext cx="10315164" cy="6858000"/>
+            <a:off x="857113" y="706891"/>
+            <a:ext cx="10273630" cy="6012578"/>
           </a:xfrm>
           <a:prstGeom prst="rect">
             <a:avLst/>
           </a:prstGeom>
+          <a:noFill/>
+          <a:ln>
+            <a:noFill/>
+          </a:ln>
+          <a:effectLst/>
+          <a:extLst>
+            <a:ext uri="{909E8E84-426E-40DD-AFC4-6F175D3DCCD1}">
+              <a14:hiddenFill xmlns:a14="http://schemas.microsoft.com/office/drawing/2010/main">
+                <a:solidFill>
+                  <a:schemeClr val="accent1"/>
+                </a:solidFill>
+              </a14:hiddenFill>
+            </a:ext>
+            <a:ext uri="{91240B29-F687-4F45-9708-019B960494DF}">
+              <a14:hiddenLine xmlns:a14="http://schemas.microsoft.com/office/drawing/2010/main" w="9525">
+                <a:solidFill>
+                  <a:schemeClr val="tx1"/>
+                </a:solidFill>
+                <a:miter lim="800000"/>
+                <a:headEnd/>
+                <a:tailEnd/>
+              </a14:hiddenLine>
+            </a:ext>
+            <a:ext uri="{AF507438-7753-43E0-B8FC-AC1667EBCBE1}">
+              <a14:hiddenEffects xmlns:a14="http://schemas.microsoft.com/office/drawing/2010/main">
+                <a:effectLst>
+                  <a:outerShdw dist="35921" dir="2700000" algn="ctr" rotWithShape="0">
+                    <a:schemeClr val="bg2"/>
+                  </a:outerShdw>
+                </a:effectLst>
+              </a14:hiddenEffects>
+            </a:ext>
+          </a:extLst>
         </p:spPr>
       </p:pic>
+      <p:sp>
+        <p:nvSpPr>
+          <p:cNvPr id="7" name="文字方塊 6"/>
+          <p:cNvSpPr txBox="1"/>
+          <p:nvPr/>
+        </p:nvSpPr>
+        <p:spPr>
+          <a:xfrm>
+            <a:off x="4164675" y="2269374"/>
+            <a:ext cx="6375862" cy="369332"/>
+          </a:xfrm>
+          <a:prstGeom prst="rect">
+            <a:avLst/>
+          </a:prstGeom>
+          <a:noFill/>
+        </p:spPr>
+        <p:txBody>
+          <a:bodyPr wrap="square" rtlCol="0">
+            <a:spAutoFit/>
+          </a:bodyPr>
+          <a:lstStyle/>
+          <a:p>
+            <a:r>
+              <a:rPr lang="zh-TW" altLang="en-US" dirty="0" smtClean="0">
+                <a:solidFill>
+                  <a:srgbClr val="FF0000"/>
+                </a:solidFill>
+                <a:latin typeface="Times New Roman" panose="02020603050405020304" pitchFamily="18" charset="0"/>
+                <a:ea typeface="標楷體" panose="03000509000000000000" pitchFamily="65" charset="-120"/>
+                <a:cs typeface="Times New Roman" panose="02020603050405020304" pitchFamily="18" charset="0"/>
+              </a:rPr>
+              <a:t>用戶選擇檔案匯入，若格式不對回報錯誤訊息</a:t>
+            </a:r>
+            <a:endParaRPr lang="zh-TW" altLang="en-US" dirty="0">
+              <a:solidFill>
+                <a:srgbClr val="FF0000"/>
+              </a:solidFill>
+              <a:latin typeface="Times New Roman" panose="02020603050405020304" pitchFamily="18" charset="0"/>
+              <a:ea typeface="標楷體" panose="03000509000000000000" pitchFamily="65" charset="-120"/>
+              <a:cs typeface="Times New Roman" panose="02020603050405020304" pitchFamily="18" charset="0"/>
+            </a:endParaRPr>
+          </a:p>
+        </p:txBody>
+      </p:sp>
+      <p:sp>
+        <p:nvSpPr>
+          <p:cNvPr id="10" name="文字方塊 9"/>
+          <p:cNvSpPr txBox="1"/>
+          <p:nvPr/>
+        </p:nvSpPr>
+        <p:spPr>
+          <a:xfrm>
+            <a:off x="2451662" y="5672049"/>
+            <a:ext cx="6375862" cy="369332"/>
+          </a:xfrm>
+          <a:prstGeom prst="rect">
+            <a:avLst/>
+          </a:prstGeom>
+          <a:noFill/>
+        </p:spPr>
+        <p:txBody>
+          <a:bodyPr wrap="square" rtlCol="0">
+            <a:spAutoFit/>
+          </a:bodyPr>
+          <a:lstStyle/>
+          <a:p>
+            <a:r>
+              <a:rPr lang="zh-TW" altLang="en-US" dirty="0" smtClean="0">
+                <a:solidFill>
+                  <a:srgbClr val="FF0000"/>
+                </a:solidFill>
+                <a:latin typeface="Times New Roman" panose="02020603050405020304" pitchFamily="18" charset="0"/>
+                <a:ea typeface="標楷體" panose="03000509000000000000" pitchFamily="65" charset="-120"/>
+                <a:cs typeface="Times New Roman" panose="02020603050405020304" pitchFamily="18" charset="0"/>
+              </a:rPr>
+              <a:t>檔案匯入完成，回報正確訊息</a:t>
+            </a:r>
+            <a:endParaRPr lang="zh-TW" altLang="en-US" dirty="0">
+              <a:solidFill>
+                <a:srgbClr val="FF0000"/>
+              </a:solidFill>
+              <a:latin typeface="Times New Roman" panose="02020603050405020304" pitchFamily="18" charset="0"/>
+              <a:ea typeface="標楷體" panose="03000509000000000000" pitchFamily="65" charset="-120"/>
+              <a:cs typeface="Times New Roman" panose="02020603050405020304" pitchFamily="18" charset="0"/>
+            </a:endParaRPr>
+          </a:p>
+        </p:txBody>
+      </p:sp>
     </p:spTree>
     <p:extLst>
       <p:ext uri="{BB962C8B-B14F-4D97-AF65-F5344CB8AC3E}">
-        <p14:creationId xmlns:p14="http://schemas.microsoft.com/office/powerpoint/2010/main" val="1864917640"/>
+        <p14:creationId xmlns:p14="http://schemas.microsoft.com/office/powerpoint/2010/main" val="3415129648"/>
       </p:ext>
     </p:extLst>
   </p:cSld>
@@ -6240,7 +9390,7 @@
   <a:extraClrSchemeLst/>
   <a:extLst>
     <a:ext uri="{05A4C25C-085E-4340-85A3-A5531E510DB2}">
-      <thm15:themeFamily xmlns:thm15="http://schemas.microsoft.com/office/thememl/2012/main" name="Office Theme" id="{62F939B6-93AF-4DB8-9C6B-D6C7DFDC589F}" vid="{4A3C46E8-61CC-4603-A589-7422A47A8E4A}"/>
+      <thm15:themeFamily xmlns:thm15="http://schemas.microsoft.com/office/thememl/2012/main" xmlns="" name="Office Theme" id="{62F939B6-93AF-4DB8-9C6B-D6C7DFDC589F}" vid="{4A3C46E8-61CC-4603-A589-7422A47A8E4A}"/>
     </a:ext>
   </a:extLst>
 </a:theme>
